--- a/doc/architecture/presentation/Developer-Presentation.pptx
+++ b/doc/architecture/presentation/Developer-Presentation.pptx
@@ -8,6 +8,8 @@
     <p:sldId id="257" r:id="rId2"/>
     <p:sldId id="258" r:id="rId3"/>
     <p:sldId id="259" r:id="rId4"/>
+    <p:sldId id="261" r:id="rId5"/>
+    <p:sldId id="260" r:id="rId6"/>
   </p:sldIdLst>
   <p:sldSz cx="12192000" cy="6858000"/>
   <p:notesSz cx="6858000" cy="9144000"/>
@@ -267,7 +269,7 @@
           <a:p>
             <a:fld id="{4157526F-C1B6-4E52-9F40-24959EB886C3}" type="datetimeFigureOut">
               <a:rPr lang="en-GB" smtClean="0"/>
-              <a:t>08/11/2017</a:t>
+              <a:t>09/11/2017</a:t>
             </a:fld>
             <a:endParaRPr lang="en-GB"/>
           </a:p>
@@ -467,7 +469,7 @@
           <a:p>
             <a:fld id="{4157526F-C1B6-4E52-9F40-24959EB886C3}" type="datetimeFigureOut">
               <a:rPr lang="en-GB" smtClean="0"/>
-              <a:t>08/11/2017</a:t>
+              <a:t>09/11/2017</a:t>
             </a:fld>
             <a:endParaRPr lang="en-GB"/>
           </a:p>
@@ -677,7 +679,7 @@
           <a:p>
             <a:fld id="{4157526F-C1B6-4E52-9F40-24959EB886C3}" type="datetimeFigureOut">
               <a:rPr lang="en-GB" smtClean="0"/>
-              <a:t>08/11/2017</a:t>
+              <a:t>09/11/2017</a:t>
             </a:fld>
             <a:endParaRPr lang="en-GB"/>
           </a:p>
@@ -877,7 +879,7 @@
           <a:p>
             <a:fld id="{4157526F-C1B6-4E52-9F40-24959EB886C3}" type="datetimeFigureOut">
               <a:rPr lang="en-GB" smtClean="0"/>
-              <a:t>08/11/2017</a:t>
+              <a:t>09/11/2017</a:t>
             </a:fld>
             <a:endParaRPr lang="en-GB"/>
           </a:p>
@@ -1153,7 +1155,7 @@
           <a:p>
             <a:fld id="{4157526F-C1B6-4E52-9F40-24959EB886C3}" type="datetimeFigureOut">
               <a:rPr lang="en-GB" smtClean="0"/>
-              <a:t>08/11/2017</a:t>
+              <a:t>09/11/2017</a:t>
             </a:fld>
             <a:endParaRPr lang="en-GB"/>
           </a:p>
@@ -1421,7 +1423,7 @@
           <a:p>
             <a:fld id="{4157526F-C1B6-4E52-9F40-24959EB886C3}" type="datetimeFigureOut">
               <a:rPr lang="en-GB" smtClean="0"/>
-              <a:t>08/11/2017</a:t>
+              <a:t>09/11/2017</a:t>
             </a:fld>
             <a:endParaRPr lang="en-GB"/>
           </a:p>
@@ -1836,7 +1838,7 @@
           <a:p>
             <a:fld id="{4157526F-C1B6-4E52-9F40-24959EB886C3}" type="datetimeFigureOut">
               <a:rPr lang="en-GB" smtClean="0"/>
-              <a:t>08/11/2017</a:t>
+              <a:t>09/11/2017</a:t>
             </a:fld>
             <a:endParaRPr lang="en-GB"/>
           </a:p>
@@ -1978,7 +1980,7 @@
           <a:p>
             <a:fld id="{4157526F-C1B6-4E52-9F40-24959EB886C3}" type="datetimeFigureOut">
               <a:rPr lang="en-GB" smtClean="0"/>
-              <a:t>08/11/2017</a:t>
+              <a:t>09/11/2017</a:t>
             </a:fld>
             <a:endParaRPr lang="en-GB"/>
           </a:p>
@@ -2091,7 +2093,7 @@
           <a:p>
             <a:fld id="{4157526F-C1B6-4E52-9F40-24959EB886C3}" type="datetimeFigureOut">
               <a:rPr lang="en-GB" smtClean="0"/>
-              <a:t>08/11/2017</a:t>
+              <a:t>09/11/2017</a:t>
             </a:fld>
             <a:endParaRPr lang="en-GB"/>
           </a:p>
@@ -2404,7 +2406,7 @@
           <a:p>
             <a:fld id="{4157526F-C1B6-4E52-9F40-24959EB886C3}" type="datetimeFigureOut">
               <a:rPr lang="en-GB" smtClean="0"/>
-              <a:t>08/11/2017</a:t>
+              <a:t>09/11/2017</a:t>
             </a:fld>
             <a:endParaRPr lang="en-GB"/>
           </a:p>
@@ -2693,7 +2695,7 @@
           <a:p>
             <a:fld id="{4157526F-C1B6-4E52-9F40-24959EB886C3}" type="datetimeFigureOut">
               <a:rPr lang="en-GB" smtClean="0"/>
-              <a:t>08/11/2017</a:t>
+              <a:t>09/11/2017</a:t>
             </a:fld>
             <a:endParaRPr lang="en-GB"/>
           </a:p>
@@ -2936,7 +2938,7 @@
           <a:p>
             <a:fld id="{4157526F-C1B6-4E52-9F40-24959EB886C3}" type="datetimeFigureOut">
               <a:rPr lang="en-GB" smtClean="0"/>
-              <a:t>08/11/2017</a:t>
+              <a:t>09/11/2017</a:t>
             </a:fld>
             <a:endParaRPr lang="en-GB"/>
           </a:p>
@@ -3367,7 +3369,7 @@
         </p:nvSpPr>
         <p:spPr>
           <a:xfrm>
-            <a:off x="1266907" y="1059022"/>
+            <a:off x="1227151" y="2537964"/>
             <a:ext cx="9849015" cy="1384995"/>
           </a:xfrm>
           <a:prstGeom prst="rect">
@@ -3407,8 +3409,8 @@
         </p:nvSpPr>
         <p:spPr>
           <a:xfrm>
-            <a:off x="1335819" y="2727297"/>
-            <a:ext cx="2806811" cy="646331"/>
+            <a:off x="3244132" y="2537964"/>
+            <a:ext cx="4190338" cy="954107"/>
           </a:xfrm>
           <a:prstGeom prst="rect">
             <a:avLst/>
@@ -3422,13 +3424,13 @@
           <a:lstStyle/>
           <a:p>
             <a:r>
-              <a:rPr lang="en-GB" dirty="0"/>
+              <a:rPr lang="en-GB" sz="2800" dirty="0"/>
               <a:t>Local 1,000s user </a:t>
             </a:r>
           </a:p>
           <a:p>
             <a:r>
-              <a:rPr lang="en-GB" dirty="0"/>
+              <a:rPr lang="en-GB" sz="2800" dirty="0"/>
               <a:t>National 1,000,000s users</a:t>
             </a:r>
           </a:p>
@@ -3448,8 +3450,8 @@
         </p:nvSpPr>
         <p:spPr>
           <a:xfrm>
-            <a:off x="8112980" y="2773463"/>
-            <a:ext cx="2891625" cy="1200329"/>
+            <a:off x="4452730" y="2174682"/>
+            <a:ext cx="2891625" cy="1938992"/>
           </a:xfrm>
           <a:prstGeom prst="rect">
             <a:avLst/>
@@ -3463,25 +3465,25 @@
           <a:lstStyle/>
           <a:p>
             <a:r>
-              <a:rPr lang="en-GB" dirty="0"/>
+              <a:rPr lang="en-GB" sz="2400" dirty="0"/>
               <a:t>Browser-based</a:t>
             </a:r>
           </a:p>
           <a:p>
             <a:r>
-              <a:rPr lang="en-GB" dirty="0"/>
+              <a:rPr lang="en-GB" sz="2400" dirty="0"/>
               <a:t>Word processing</a:t>
             </a:r>
           </a:p>
           <a:p>
             <a:r>
-              <a:rPr lang="en-GB" dirty="0"/>
+              <a:rPr lang="en-GB" sz="2400" dirty="0"/>
               <a:t>Versioned Storage</a:t>
             </a:r>
           </a:p>
           <a:p>
             <a:r>
-              <a:rPr lang="en-GB" dirty="0"/>
+              <a:rPr lang="en-GB" sz="2400" dirty="0"/>
               <a:t>Online &amp; Offline Payments</a:t>
             </a:r>
           </a:p>
@@ -3497,6 +3499,362 @@
   <p:clrMapOvr>
     <a:masterClrMapping/>
   </p:clrMapOvr>
+  <p:timing>
+    <p:tnLst>
+      <p:par>
+        <p:cTn id="1" dur="indefinite" restart="never" nodeType="tmRoot">
+          <p:childTnLst>
+            <p:seq concurrent="1" nextAc="seek">
+              <p:cTn id="2" dur="indefinite" nodeType="mainSeq">
+                <p:childTnLst>
+                  <p:par>
+                    <p:cTn id="3" fill="hold">
+                      <p:stCondLst>
+                        <p:cond delay="indefinite"/>
+                      </p:stCondLst>
+                      <p:childTnLst>
+                        <p:par>
+                          <p:cTn id="4" fill="hold">
+                            <p:stCondLst>
+                              <p:cond delay="0"/>
+                            </p:stCondLst>
+                            <p:childTnLst>
+                              <p:par>
+                                <p:cTn id="5" presetID="22" presetClass="entr" presetSubtype="4" fill="hold" grpId="0" nodeType="clickEffect">
+                                  <p:stCondLst>
+                                    <p:cond delay="0"/>
+                                  </p:stCondLst>
+                                  <p:childTnLst>
+                                    <p:set>
+                                      <p:cBhvr>
+                                        <p:cTn id="6" dur="1" fill="hold">
+                                          <p:stCondLst>
+                                            <p:cond delay="0"/>
+                                          </p:stCondLst>
+                                        </p:cTn>
+                                        <p:tgtEl>
+                                          <p:spTgt spid="5"/>
+                                        </p:tgtEl>
+                                        <p:attrNameLst>
+                                          <p:attrName>style.visibility</p:attrName>
+                                        </p:attrNameLst>
+                                      </p:cBhvr>
+                                      <p:to>
+                                        <p:strVal val="visible"/>
+                                      </p:to>
+                                    </p:set>
+                                    <p:animEffect transition="in" filter="wipe(down)">
+                                      <p:cBhvr>
+                                        <p:cTn id="7" dur="500"/>
+                                        <p:tgtEl>
+                                          <p:spTgt spid="5"/>
+                                        </p:tgtEl>
+                                      </p:cBhvr>
+                                    </p:animEffect>
+                                  </p:childTnLst>
+                                </p:cTn>
+                              </p:par>
+                            </p:childTnLst>
+                          </p:cTn>
+                        </p:par>
+                      </p:childTnLst>
+                    </p:cTn>
+                  </p:par>
+                  <p:par>
+                    <p:cTn id="8" fill="hold">
+                      <p:stCondLst>
+                        <p:cond delay="indefinite"/>
+                      </p:stCondLst>
+                      <p:childTnLst>
+                        <p:par>
+                          <p:cTn id="9" fill="hold">
+                            <p:stCondLst>
+                              <p:cond delay="0"/>
+                            </p:stCondLst>
+                            <p:childTnLst>
+                              <p:par>
+                                <p:cTn id="10" presetID="22" presetClass="exit" presetSubtype="4" fill="hold" grpId="1" nodeType="clickEffect">
+                                  <p:stCondLst>
+                                    <p:cond delay="0"/>
+                                  </p:stCondLst>
+                                  <p:childTnLst>
+                                    <p:animEffect transition="out" filter="wipe(down)">
+                                      <p:cBhvr>
+                                        <p:cTn id="11" dur="500"/>
+                                        <p:tgtEl>
+                                          <p:spTgt spid="5"/>
+                                        </p:tgtEl>
+                                      </p:cBhvr>
+                                    </p:animEffect>
+                                    <p:set>
+                                      <p:cBhvr>
+                                        <p:cTn id="12" dur="1" fill="hold">
+                                          <p:stCondLst>
+                                            <p:cond delay="499"/>
+                                          </p:stCondLst>
+                                        </p:cTn>
+                                        <p:tgtEl>
+                                          <p:spTgt spid="5"/>
+                                        </p:tgtEl>
+                                        <p:attrNameLst>
+                                          <p:attrName>style.visibility</p:attrName>
+                                        </p:attrNameLst>
+                                      </p:cBhvr>
+                                      <p:to>
+                                        <p:strVal val="hidden"/>
+                                      </p:to>
+                                    </p:set>
+                                  </p:childTnLst>
+                                </p:cTn>
+                              </p:par>
+                            </p:childTnLst>
+                          </p:cTn>
+                        </p:par>
+                      </p:childTnLst>
+                    </p:cTn>
+                  </p:par>
+                  <p:par>
+                    <p:cTn id="13" fill="hold">
+                      <p:stCondLst>
+                        <p:cond delay="indefinite"/>
+                      </p:stCondLst>
+                      <p:childTnLst>
+                        <p:par>
+                          <p:cTn id="14" fill="hold">
+                            <p:stCondLst>
+                              <p:cond delay="0"/>
+                            </p:stCondLst>
+                            <p:childTnLst>
+                              <p:par>
+                                <p:cTn id="15" presetID="22" presetClass="entr" presetSubtype="4" fill="hold" grpId="0" nodeType="clickEffect">
+                                  <p:stCondLst>
+                                    <p:cond delay="0"/>
+                                  </p:stCondLst>
+                                  <p:childTnLst>
+                                    <p:set>
+                                      <p:cBhvr>
+                                        <p:cTn id="16" dur="1" fill="hold">
+                                          <p:stCondLst>
+                                            <p:cond delay="0"/>
+                                          </p:stCondLst>
+                                        </p:cTn>
+                                        <p:tgtEl>
+                                          <p:spTgt spid="7"/>
+                                        </p:tgtEl>
+                                        <p:attrNameLst>
+                                          <p:attrName>style.visibility</p:attrName>
+                                        </p:attrNameLst>
+                                      </p:cBhvr>
+                                      <p:to>
+                                        <p:strVal val="visible"/>
+                                      </p:to>
+                                    </p:set>
+                                    <p:animEffect transition="in" filter="wipe(down)">
+                                      <p:cBhvr>
+                                        <p:cTn id="17" dur="500"/>
+                                        <p:tgtEl>
+                                          <p:spTgt spid="7"/>
+                                        </p:tgtEl>
+                                      </p:cBhvr>
+                                    </p:animEffect>
+                                  </p:childTnLst>
+                                </p:cTn>
+                              </p:par>
+                            </p:childTnLst>
+                          </p:cTn>
+                        </p:par>
+                      </p:childTnLst>
+                    </p:cTn>
+                  </p:par>
+                  <p:par>
+                    <p:cTn id="18" fill="hold">
+                      <p:stCondLst>
+                        <p:cond delay="indefinite"/>
+                      </p:stCondLst>
+                      <p:childTnLst>
+                        <p:par>
+                          <p:cTn id="19" fill="hold">
+                            <p:stCondLst>
+                              <p:cond delay="0"/>
+                            </p:stCondLst>
+                            <p:childTnLst>
+                              <p:par>
+                                <p:cTn id="20" presetID="22" presetClass="exit" presetSubtype="4" fill="hold" grpId="1" nodeType="clickEffect">
+                                  <p:stCondLst>
+                                    <p:cond delay="0"/>
+                                  </p:stCondLst>
+                                  <p:childTnLst>
+                                    <p:animEffect transition="out" filter="wipe(down)">
+                                      <p:cBhvr>
+                                        <p:cTn id="21" dur="500"/>
+                                        <p:tgtEl>
+                                          <p:spTgt spid="7"/>
+                                        </p:tgtEl>
+                                      </p:cBhvr>
+                                    </p:animEffect>
+                                    <p:set>
+                                      <p:cBhvr>
+                                        <p:cTn id="22" dur="1" fill="hold">
+                                          <p:stCondLst>
+                                            <p:cond delay="499"/>
+                                          </p:stCondLst>
+                                        </p:cTn>
+                                        <p:tgtEl>
+                                          <p:spTgt spid="7"/>
+                                        </p:tgtEl>
+                                        <p:attrNameLst>
+                                          <p:attrName>style.visibility</p:attrName>
+                                        </p:attrNameLst>
+                                      </p:cBhvr>
+                                      <p:to>
+                                        <p:strVal val="hidden"/>
+                                      </p:to>
+                                    </p:set>
+                                  </p:childTnLst>
+                                </p:cTn>
+                              </p:par>
+                            </p:childTnLst>
+                          </p:cTn>
+                        </p:par>
+                      </p:childTnLst>
+                    </p:cTn>
+                  </p:par>
+                  <p:par>
+                    <p:cTn id="23" fill="hold">
+                      <p:stCondLst>
+                        <p:cond delay="indefinite"/>
+                      </p:stCondLst>
+                      <p:childTnLst>
+                        <p:par>
+                          <p:cTn id="24" fill="hold">
+                            <p:stCondLst>
+                              <p:cond delay="0"/>
+                            </p:stCondLst>
+                            <p:childTnLst>
+                              <p:par>
+                                <p:cTn id="25" presetID="22" presetClass="entr" presetSubtype="4" fill="hold" grpId="0" nodeType="clickEffect">
+                                  <p:stCondLst>
+                                    <p:cond delay="0"/>
+                                  </p:stCondLst>
+                                  <p:childTnLst>
+                                    <p:set>
+                                      <p:cBhvr>
+                                        <p:cTn id="26" dur="1" fill="hold">
+                                          <p:stCondLst>
+                                            <p:cond delay="0"/>
+                                          </p:stCondLst>
+                                        </p:cTn>
+                                        <p:tgtEl>
+                                          <p:spTgt spid="8"/>
+                                        </p:tgtEl>
+                                        <p:attrNameLst>
+                                          <p:attrName>style.visibility</p:attrName>
+                                        </p:attrNameLst>
+                                      </p:cBhvr>
+                                      <p:to>
+                                        <p:strVal val="visible"/>
+                                      </p:to>
+                                    </p:set>
+                                    <p:animEffect transition="in" filter="wipe(down)">
+                                      <p:cBhvr>
+                                        <p:cTn id="27" dur="500"/>
+                                        <p:tgtEl>
+                                          <p:spTgt spid="8"/>
+                                        </p:tgtEl>
+                                      </p:cBhvr>
+                                    </p:animEffect>
+                                  </p:childTnLst>
+                                </p:cTn>
+                              </p:par>
+                            </p:childTnLst>
+                          </p:cTn>
+                        </p:par>
+                      </p:childTnLst>
+                    </p:cTn>
+                  </p:par>
+                  <p:par>
+                    <p:cTn id="28" fill="hold">
+                      <p:stCondLst>
+                        <p:cond delay="indefinite"/>
+                      </p:stCondLst>
+                      <p:childTnLst>
+                        <p:par>
+                          <p:cTn id="29" fill="hold">
+                            <p:stCondLst>
+                              <p:cond delay="0"/>
+                            </p:stCondLst>
+                            <p:childTnLst>
+                              <p:par>
+                                <p:cTn id="30" presetID="22" presetClass="exit" presetSubtype="4" fill="hold" grpId="1" nodeType="clickEffect">
+                                  <p:stCondLst>
+                                    <p:cond delay="0"/>
+                                  </p:stCondLst>
+                                  <p:childTnLst>
+                                    <p:animEffect transition="out" filter="wipe(down)">
+                                      <p:cBhvr>
+                                        <p:cTn id="31" dur="500"/>
+                                        <p:tgtEl>
+                                          <p:spTgt spid="8"/>
+                                        </p:tgtEl>
+                                      </p:cBhvr>
+                                    </p:animEffect>
+                                    <p:set>
+                                      <p:cBhvr>
+                                        <p:cTn id="32" dur="1" fill="hold">
+                                          <p:stCondLst>
+                                            <p:cond delay="499"/>
+                                          </p:stCondLst>
+                                        </p:cTn>
+                                        <p:tgtEl>
+                                          <p:spTgt spid="8"/>
+                                        </p:tgtEl>
+                                        <p:attrNameLst>
+                                          <p:attrName>style.visibility</p:attrName>
+                                        </p:attrNameLst>
+                                      </p:cBhvr>
+                                      <p:to>
+                                        <p:strVal val="hidden"/>
+                                      </p:to>
+                                    </p:set>
+                                  </p:childTnLst>
+                                </p:cTn>
+                              </p:par>
+                            </p:childTnLst>
+                          </p:cTn>
+                        </p:par>
+                      </p:childTnLst>
+                    </p:cTn>
+                  </p:par>
+                </p:childTnLst>
+              </p:cTn>
+              <p:prevCondLst>
+                <p:cond evt="onPrev" delay="0">
+                  <p:tgtEl>
+                    <p:sldTgt/>
+                  </p:tgtEl>
+                </p:cond>
+              </p:prevCondLst>
+              <p:nextCondLst>
+                <p:cond evt="onNext" delay="0">
+                  <p:tgtEl>
+                    <p:sldTgt/>
+                  </p:tgtEl>
+                </p:cond>
+              </p:nextCondLst>
+            </p:seq>
+          </p:childTnLst>
+        </p:cTn>
+      </p:par>
+    </p:tnLst>
+    <p:bldLst>
+      <p:bldP spid="5" grpId="0"/>
+      <p:bldP spid="5" grpId="1"/>
+      <p:bldP spid="7" grpId="0"/>
+      <p:bldP spid="7" grpId="1"/>
+      <p:bldP spid="8" grpId="0"/>
+      <p:bldP spid="8" grpId="1"/>
+    </p:bldLst>
+  </p:timing>
 </p:sld>
 </file>
 
@@ -4077,7 +4435,7 @@
         </p:nvSpPr>
         <p:spPr>
           <a:xfrm>
-            <a:off x="6007490" y="5129661"/>
+            <a:off x="5937820" y="5129661"/>
             <a:ext cx="1475674" cy="1635830"/>
           </a:xfrm>
           <a:prstGeom prst="can">
@@ -4183,14 +4541,13 @@
           </p:cNvPr>
           <p:cNvCxnSpPr>
             <a:cxnSpLocks/>
-            <a:stCxn id="5" idx="2"/>
             <a:endCxn id="23" idx="1"/>
           </p:cNvCxnSpPr>
           <p:nvPr/>
         </p:nvCxnSpPr>
         <p:spPr>
           <a:xfrm>
-            <a:off x="2455238" y="3976718"/>
+            <a:off x="2385568" y="3976718"/>
             <a:ext cx="4290089" cy="1152943"/>
           </a:xfrm>
           <a:prstGeom prst="straightConnector1">
@@ -4226,14 +4583,13 @@
           </p:cNvPr>
           <p:cNvCxnSpPr>
             <a:cxnSpLocks/>
-            <a:stCxn id="6" idx="2"/>
             <a:endCxn id="23" idx="1"/>
           </p:cNvCxnSpPr>
           <p:nvPr/>
         </p:nvCxnSpPr>
         <p:spPr>
           <a:xfrm>
-            <a:off x="3885268" y="3976718"/>
+            <a:off x="3815598" y="3976718"/>
             <a:ext cx="2860059" cy="1152943"/>
           </a:xfrm>
           <a:prstGeom prst="straightConnector1">
@@ -4269,14 +4625,13 @@
           </p:cNvPr>
           <p:cNvCxnSpPr>
             <a:cxnSpLocks/>
-            <a:stCxn id="7" idx="2"/>
             <a:endCxn id="23" idx="1"/>
           </p:cNvCxnSpPr>
           <p:nvPr/>
         </p:nvCxnSpPr>
         <p:spPr>
           <a:xfrm>
-            <a:off x="5315298" y="3976718"/>
+            <a:off x="5245628" y="3976718"/>
             <a:ext cx="1430029" cy="1152943"/>
           </a:xfrm>
           <a:prstGeom prst="straightConnector1">
@@ -4312,14 +4667,13 @@
           </p:cNvPr>
           <p:cNvCxnSpPr>
             <a:cxnSpLocks/>
-            <a:stCxn id="9" idx="2"/>
             <a:endCxn id="23" idx="1"/>
           </p:cNvCxnSpPr>
           <p:nvPr/>
         </p:nvCxnSpPr>
         <p:spPr>
           <a:xfrm flipH="1">
-            <a:off x="6745327" y="3976723"/>
+            <a:off x="6675657" y="3976723"/>
             <a:ext cx="1" cy="1152938"/>
           </a:xfrm>
           <a:prstGeom prst="straightConnector1">
@@ -4355,14 +4709,13 @@
           </p:cNvPr>
           <p:cNvCxnSpPr>
             <a:cxnSpLocks/>
-            <a:stCxn id="10" idx="2"/>
             <a:endCxn id="23" idx="1"/>
           </p:cNvCxnSpPr>
           <p:nvPr/>
         </p:nvCxnSpPr>
         <p:spPr>
           <a:xfrm flipH="1">
-            <a:off x="6745327" y="3976722"/>
+            <a:off x="6675657" y="3976722"/>
             <a:ext cx="1430031" cy="1152939"/>
           </a:xfrm>
           <a:prstGeom prst="straightConnector1">
@@ -4398,14 +4751,13 @@
           </p:cNvPr>
           <p:cNvCxnSpPr>
             <a:cxnSpLocks/>
-            <a:stCxn id="8" idx="2"/>
             <a:endCxn id="23" idx="1"/>
           </p:cNvCxnSpPr>
           <p:nvPr/>
         </p:nvCxnSpPr>
         <p:spPr>
           <a:xfrm flipH="1">
-            <a:off x="6745327" y="3976717"/>
+            <a:off x="6675657" y="3976717"/>
             <a:ext cx="2860060" cy="1152944"/>
           </a:xfrm>
           <a:prstGeom prst="straightConnector1">
@@ -4441,14 +4793,13 @@
           </p:cNvPr>
           <p:cNvCxnSpPr>
             <a:cxnSpLocks/>
-            <a:stCxn id="11" idx="2"/>
             <a:endCxn id="23" idx="1"/>
           </p:cNvCxnSpPr>
           <p:nvPr/>
         </p:nvCxnSpPr>
         <p:spPr>
           <a:xfrm flipH="1">
-            <a:off x="6745327" y="3976717"/>
+            <a:off x="6675657" y="3976717"/>
             <a:ext cx="4290089" cy="1152944"/>
           </a:xfrm>
           <a:prstGeom prst="straightConnector1">
@@ -4610,6 +4961,110 @@
             <a:r>
               <a:rPr lang="en-GB" dirty="0"/>
               <a:t>Command / Queries</a:t>
+            </a:r>
+          </a:p>
+        </p:txBody>
+      </p:sp>
+      <p:sp>
+        <p:nvSpPr>
+          <p:cNvPr id="25" name="Rectangle 24">
+            <a:extLst>
+              <a:ext uri="{FF2B5EF4-FFF2-40B4-BE49-F238E27FC236}">
+                <a16:creationId xmlns:a16="http://schemas.microsoft.com/office/drawing/2014/main" id="{B70E3116-C92F-4BCF-B4F3-F08723801B7B}"/>
+              </a:ext>
+            </a:extLst>
+          </p:cNvPr>
+          <p:cNvSpPr/>
+          <p:nvPr/>
+        </p:nvSpPr>
+        <p:spPr>
+          <a:xfrm>
+            <a:off x="8985309" y="2651160"/>
+            <a:ext cx="1245045" cy="1319917"/>
+          </a:xfrm>
+          <a:prstGeom prst="rect">
+            <a:avLst/>
+          </a:prstGeom>
+          <a:solidFill>
+            <a:srgbClr val="C00000"/>
+          </a:solidFill>
+        </p:spPr>
+        <p:style>
+          <a:lnRef idx="2">
+            <a:schemeClr val="accent1">
+              <a:shade val="50000"/>
+            </a:schemeClr>
+          </a:lnRef>
+          <a:fillRef idx="1">
+            <a:schemeClr val="accent1"/>
+          </a:fillRef>
+          <a:effectRef idx="0">
+            <a:schemeClr val="accent1"/>
+          </a:effectRef>
+          <a:fontRef idx="minor">
+            <a:schemeClr val="lt1"/>
+          </a:fontRef>
+        </p:style>
+        <p:txBody>
+          <a:bodyPr rtlCol="0" anchor="ctr"/>
+          <a:lstStyle/>
+          <a:p>
+            <a:pPr algn="ctr"/>
+            <a:r>
+              <a:rPr lang="en-GB" sz="1400" dirty="0"/>
+              <a:t>Document</a:t>
+            </a:r>
+          </a:p>
+        </p:txBody>
+      </p:sp>
+      <p:sp>
+        <p:nvSpPr>
+          <p:cNvPr id="28" name="Rectangle 27">
+            <a:extLst>
+              <a:ext uri="{FF2B5EF4-FFF2-40B4-BE49-F238E27FC236}">
+                <a16:creationId xmlns:a16="http://schemas.microsoft.com/office/drawing/2014/main" id="{CEB0AF2B-26BD-4799-B635-10F6E0B285B5}"/>
+              </a:ext>
+            </a:extLst>
+          </p:cNvPr>
+          <p:cNvSpPr/>
+          <p:nvPr/>
+        </p:nvSpPr>
+        <p:spPr>
+          <a:xfrm>
+            <a:off x="10412893" y="2656799"/>
+            <a:ext cx="1245045" cy="1319917"/>
+          </a:xfrm>
+          <a:prstGeom prst="rect">
+            <a:avLst/>
+          </a:prstGeom>
+          <a:solidFill>
+            <a:srgbClr val="C00000"/>
+          </a:solidFill>
+        </p:spPr>
+        <p:style>
+          <a:lnRef idx="2">
+            <a:schemeClr val="accent1">
+              <a:shade val="50000"/>
+            </a:schemeClr>
+          </a:lnRef>
+          <a:fillRef idx="1">
+            <a:schemeClr val="accent1"/>
+          </a:fillRef>
+          <a:effectRef idx="0">
+            <a:schemeClr val="accent1"/>
+          </a:effectRef>
+          <a:fontRef idx="minor">
+            <a:schemeClr val="lt1"/>
+          </a:fontRef>
+        </p:style>
+        <p:txBody>
+          <a:bodyPr rtlCol="0" anchor="ctr"/>
+          <a:lstStyle/>
+          <a:p>
+            <a:pPr algn="ctr"/>
+            <a:r>
+              <a:rPr lang="en-GB" sz="1400" dirty="0"/>
+              <a:t>Print</a:t>
             </a:r>
           </a:p>
         </p:txBody>
@@ -4624,6 +5079,2040 @@
   <p:clrMapOvr>
     <a:masterClrMapping/>
   </p:clrMapOvr>
+  <p:timing>
+    <p:tnLst>
+      <p:par>
+        <p:cTn id="1" dur="indefinite" restart="never" nodeType="tmRoot">
+          <p:childTnLst>
+            <p:seq concurrent="1" nextAc="seek">
+              <p:cTn id="2" dur="indefinite" nodeType="mainSeq">
+                <p:childTnLst>
+                  <p:par>
+                    <p:cTn id="3" fill="hold">
+                      <p:stCondLst>
+                        <p:cond delay="indefinite"/>
+                      </p:stCondLst>
+                      <p:childTnLst>
+                        <p:par>
+                          <p:cTn id="4" fill="hold">
+                            <p:stCondLst>
+                              <p:cond delay="0"/>
+                            </p:stCondLst>
+                            <p:childTnLst>
+                              <p:par>
+                                <p:cTn id="5" presetID="2" presetClass="entr" presetSubtype="4" fill="hold" grpId="0" nodeType="clickEffect">
+                                  <p:stCondLst>
+                                    <p:cond delay="0"/>
+                                  </p:stCondLst>
+                                  <p:childTnLst>
+                                    <p:set>
+                                      <p:cBhvr>
+                                        <p:cTn id="6" dur="1" fill="hold">
+                                          <p:stCondLst>
+                                            <p:cond delay="0"/>
+                                          </p:stCondLst>
+                                        </p:cTn>
+                                        <p:tgtEl>
+                                          <p:spTgt spid="2"/>
+                                        </p:tgtEl>
+                                        <p:attrNameLst>
+                                          <p:attrName>style.visibility</p:attrName>
+                                        </p:attrNameLst>
+                                      </p:cBhvr>
+                                      <p:to>
+                                        <p:strVal val="visible"/>
+                                      </p:to>
+                                    </p:set>
+                                    <p:anim calcmode="lin" valueType="num">
+                                      <p:cBhvr additive="base">
+                                        <p:cTn id="7" dur="500" fill="hold"/>
+                                        <p:tgtEl>
+                                          <p:spTgt spid="2"/>
+                                        </p:tgtEl>
+                                        <p:attrNameLst>
+                                          <p:attrName>ppt_x</p:attrName>
+                                        </p:attrNameLst>
+                                      </p:cBhvr>
+                                      <p:tavLst>
+                                        <p:tav tm="0">
+                                          <p:val>
+                                            <p:strVal val="#ppt_x"/>
+                                          </p:val>
+                                        </p:tav>
+                                        <p:tav tm="100000">
+                                          <p:val>
+                                            <p:strVal val="#ppt_x"/>
+                                          </p:val>
+                                        </p:tav>
+                                      </p:tavLst>
+                                    </p:anim>
+                                    <p:anim calcmode="lin" valueType="num">
+                                      <p:cBhvr additive="base">
+                                        <p:cTn id="8" dur="500" fill="hold"/>
+                                        <p:tgtEl>
+                                          <p:spTgt spid="2"/>
+                                        </p:tgtEl>
+                                        <p:attrNameLst>
+                                          <p:attrName>ppt_y</p:attrName>
+                                        </p:attrNameLst>
+                                      </p:cBhvr>
+                                      <p:tavLst>
+                                        <p:tav tm="0">
+                                          <p:val>
+                                            <p:strVal val="1+#ppt_h/2"/>
+                                          </p:val>
+                                        </p:tav>
+                                        <p:tav tm="100000">
+                                          <p:val>
+                                            <p:strVal val="#ppt_y"/>
+                                          </p:val>
+                                        </p:tav>
+                                      </p:tavLst>
+                                    </p:anim>
+                                  </p:childTnLst>
+                                </p:cTn>
+                              </p:par>
+                              <p:par>
+                                <p:cTn id="9" presetID="2" presetClass="entr" presetSubtype="4" fill="hold" grpId="0" nodeType="withEffect">
+                                  <p:stCondLst>
+                                    <p:cond delay="0"/>
+                                  </p:stCondLst>
+                                  <p:childTnLst>
+                                    <p:set>
+                                      <p:cBhvr>
+                                        <p:cTn id="10" dur="1" fill="hold">
+                                          <p:stCondLst>
+                                            <p:cond delay="0"/>
+                                          </p:stCondLst>
+                                        </p:cTn>
+                                        <p:tgtEl>
+                                          <p:spTgt spid="3"/>
+                                        </p:tgtEl>
+                                        <p:attrNameLst>
+                                          <p:attrName>style.visibility</p:attrName>
+                                        </p:attrNameLst>
+                                      </p:cBhvr>
+                                      <p:to>
+                                        <p:strVal val="visible"/>
+                                      </p:to>
+                                    </p:set>
+                                    <p:anim calcmode="lin" valueType="num">
+                                      <p:cBhvr additive="base">
+                                        <p:cTn id="11" dur="500" fill="hold"/>
+                                        <p:tgtEl>
+                                          <p:spTgt spid="3"/>
+                                        </p:tgtEl>
+                                        <p:attrNameLst>
+                                          <p:attrName>ppt_x</p:attrName>
+                                        </p:attrNameLst>
+                                      </p:cBhvr>
+                                      <p:tavLst>
+                                        <p:tav tm="0">
+                                          <p:val>
+                                            <p:strVal val="#ppt_x"/>
+                                          </p:val>
+                                        </p:tav>
+                                        <p:tav tm="100000">
+                                          <p:val>
+                                            <p:strVal val="#ppt_x"/>
+                                          </p:val>
+                                        </p:tav>
+                                      </p:tavLst>
+                                    </p:anim>
+                                    <p:anim calcmode="lin" valueType="num">
+                                      <p:cBhvr additive="base">
+                                        <p:cTn id="12" dur="500" fill="hold"/>
+                                        <p:tgtEl>
+                                          <p:spTgt spid="3"/>
+                                        </p:tgtEl>
+                                        <p:attrNameLst>
+                                          <p:attrName>ppt_y</p:attrName>
+                                        </p:attrNameLst>
+                                      </p:cBhvr>
+                                      <p:tavLst>
+                                        <p:tav tm="0">
+                                          <p:val>
+                                            <p:strVal val="1+#ppt_h/2"/>
+                                          </p:val>
+                                        </p:tav>
+                                        <p:tav tm="100000">
+                                          <p:val>
+                                            <p:strVal val="#ppt_y"/>
+                                          </p:val>
+                                        </p:tav>
+                                      </p:tavLst>
+                                    </p:anim>
+                                  </p:childTnLst>
+                                </p:cTn>
+                              </p:par>
+                            </p:childTnLst>
+                          </p:cTn>
+                        </p:par>
+                      </p:childTnLst>
+                    </p:cTn>
+                  </p:par>
+                  <p:par>
+                    <p:cTn id="13" fill="hold">
+                      <p:stCondLst>
+                        <p:cond delay="indefinite"/>
+                      </p:stCondLst>
+                      <p:childTnLst>
+                        <p:par>
+                          <p:cTn id="14" fill="hold">
+                            <p:stCondLst>
+                              <p:cond delay="0"/>
+                            </p:stCondLst>
+                            <p:childTnLst>
+                              <p:par>
+                                <p:cTn id="15" presetID="2" presetClass="entr" presetSubtype="4" fill="hold" grpId="0" nodeType="clickEffect">
+                                  <p:stCondLst>
+                                    <p:cond delay="0"/>
+                                  </p:stCondLst>
+                                  <p:childTnLst>
+                                    <p:set>
+                                      <p:cBhvr>
+                                        <p:cTn id="16" dur="1" fill="hold">
+                                          <p:stCondLst>
+                                            <p:cond delay="0"/>
+                                          </p:stCondLst>
+                                        </p:cTn>
+                                        <p:tgtEl>
+                                          <p:spTgt spid="4"/>
+                                        </p:tgtEl>
+                                        <p:attrNameLst>
+                                          <p:attrName>style.visibility</p:attrName>
+                                        </p:attrNameLst>
+                                      </p:cBhvr>
+                                      <p:to>
+                                        <p:strVal val="visible"/>
+                                      </p:to>
+                                    </p:set>
+                                    <p:anim calcmode="lin" valueType="num">
+                                      <p:cBhvr additive="base">
+                                        <p:cTn id="17" dur="500" fill="hold"/>
+                                        <p:tgtEl>
+                                          <p:spTgt spid="4"/>
+                                        </p:tgtEl>
+                                        <p:attrNameLst>
+                                          <p:attrName>ppt_x</p:attrName>
+                                        </p:attrNameLst>
+                                      </p:cBhvr>
+                                      <p:tavLst>
+                                        <p:tav tm="0">
+                                          <p:val>
+                                            <p:strVal val="#ppt_x"/>
+                                          </p:val>
+                                        </p:tav>
+                                        <p:tav tm="100000">
+                                          <p:val>
+                                            <p:strVal val="#ppt_x"/>
+                                          </p:val>
+                                        </p:tav>
+                                      </p:tavLst>
+                                    </p:anim>
+                                    <p:anim calcmode="lin" valueType="num">
+                                      <p:cBhvr additive="base">
+                                        <p:cTn id="18" dur="500" fill="hold"/>
+                                        <p:tgtEl>
+                                          <p:spTgt spid="4"/>
+                                        </p:tgtEl>
+                                        <p:attrNameLst>
+                                          <p:attrName>ppt_y</p:attrName>
+                                        </p:attrNameLst>
+                                      </p:cBhvr>
+                                      <p:tavLst>
+                                        <p:tav tm="0">
+                                          <p:val>
+                                            <p:strVal val="1+#ppt_h/2"/>
+                                          </p:val>
+                                        </p:tav>
+                                        <p:tav tm="100000">
+                                          <p:val>
+                                            <p:strVal val="#ppt_y"/>
+                                          </p:val>
+                                        </p:tav>
+                                      </p:tavLst>
+                                    </p:anim>
+                                  </p:childTnLst>
+                                </p:cTn>
+                              </p:par>
+                            </p:childTnLst>
+                          </p:cTn>
+                        </p:par>
+                      </p:childTnLst>
+                    </p:cTn>
+                  </p:par>
+                  <p:par>
+                    <p:cTn id="19" fill="hold">
+                      <p:stCondLst>
+                        <p:cond delay="indefinite"/>
+                      </p:stCondLst>
+                      <p:childTnLst>
+                        <p:par>
+                          <p:cTn id="20" fill="hold">
+                            <p:stCondLst>
+                              <p:cond delay="0"/>
+                            </p:stCondLst>
+                            <p:childTnLst>
+                              <p:par>
+                                <p:cTn id="21" presetID="2" presetClass="entr" presetSubtype="4" fill="hold" grpId="0" nodeType="clickEffect">
+                                  <p:stCondLst>
+                                    <p:cond delay="0"/>
+                                  </p:stCondLst>
+                                  <p:childTnLst>
+                                    <p:set>
+                                      <p:cBhvr>
+                                        <p:cTn id="22" dur="1" fill="hold">
+                                          <p:stCondLst>
+                                            <p:cond delay="0"/>
+                                          </p:stCondLst>
+                                        </p:cTn>
+                                        <p:tgtEl>
+                                          <p:spTgt spid="5"/>
+                                        </p:tgtEl>
+                                        <p:attrNameLst>
+                                          <p:attrName>style.visibility</p:attrName>
+                                        </p:attrNameLst>
+                                      </p:cBhvr>
+                                      <p:to>
+                                        <p:strVal val="visible"/>
+                                      </p:to>
+                                    </p:set>
+                                    <p:anim calcmode="lin" valueType="num">
+                                      <p:cBhvr additive="base">
+                                        <p:cTn id="23" dur="500" fill="hold"/>
+                                        <p:tgtEl>
+                                          <p:spTgt spid="5"/>
+                                        </p:tgtEl>
+                                        <p:attrNameLst>
+                                          <p:attrName>ppt_x</p:attrName>
+                                        </p:attrNameLst>
+                                      </p:cBhvr>
+                                      <p:tavLst>
+                                        <p:tav tm="0">
+                                          <p:val>
+                                            <p:strVal val="#ppt_x"/>
+                                          </p:val>
+                                        </p:tav>
+                                        <p:tav tm="100000">
+                                          <p:val>
+                                            <p:strVal val="#ppt_x"/>
+                                          </p:val>
+                                        </p:tav>
+                                      </p:tavLst>
+                                    </p:anim>
+                                    <p:anim calcmode="lin" valueType="num">
+                                      <p:cBhvr additive="base">
+                                        <p:cTn id="24" dur="500" fill="hold"/>
+                                        <p:tgtEl>
+                                          <p:spTgt spid="5"/>
+                                        </p:tgtEl>
+                                        <p:attrNameLst>
+                                          <p:attrName>ppt_y</p:attrName>
+                                        </p:attrNameLst>
+                                      </p:cBhvr>
+                                      <p:tavLst>
+                                        <p:tav tm="0">
+                                          <p:val>
+                                            <p:strVal val="1+#ppt_h/2"/>
+                                          </p:val>
+                                        </p:tav>
+                                        <p:tav tm="100000">
+                                          <p:val>
+                                            <p:strVal val="#ppt_y"/>
+                                          </p:val>
+                                        </p:tav>
+                                      </p:tavLst>
+                                    </p:anim>
+                                  </p:childTnLst>
+                                </p:cTn>
+                              </p:par>
+                              <p:par>
+                                <p:cTn id="25" presetID="2" presetClass="entr" presetSubtype="4" fill="hold" grpId="0" nodeType="withEffect">
+                                  <p:stCondLst>
+                                    <p:cond delay="0"/>
+                                  </p:stCondLst>
+                                  <p:childTnLst>
+                                    <p:set>
+                                      <p:cBhvr>
+                                        <p:cTn id="26" dur="1" fill="hold">
+                                          <p:stCondLst>
+                                            <p:cond delay="0"/>
+                                          </p:stCondLst>
+                                        </p:cTn>
+                                        <p:tgtEl>
+                                          <p:spTgt spid="6"/>
+                                        </p:tgtEl>
+                                        <p:attrNameLst>
+                                          <p:attrName>style.visibility</p:attrName>
+                                        </p:attrNameLst>
+                                      </p:cBhvr>
+                                      <p:to>
+                                        <p:strVal val="visible"/>
+                                      </p:to>
+                                    </p:set>
+                                    <p:anim calcmode="lin" valueType="num">
+                                      <p:cBhvr additive="base">
+                                        <p:cTn id="27" dur="500" fill="hold"/>
+                                        <p:tgtEl>
+                                          <p:spTgt spid="6"/>
+                                        </p:tgtEl>
+                                        <p:attrNameLst>
+                                          <p:attrName>ppt_x</p:attrName>
+                                        </p:attrNameLst>
+                                      </p:cBhvr>
+                                      <p:tavLst>
+                                        <p:tav tm="0">
+                                          <p:val>
+                                            <p:strVal val="#ppt_x"/>
+                                          </p:val>
+                                        </p:tav>
+                                        <p:tav tm="100000">
+                                          <p:val>
+                                            <p:strVal val="#ppt_x"/>
+                                          </p:val>
+                                        </p:tav>
+                                      </p:tavLst>
+                                    </p:anim>
+                                    <p:anim calcmode="lin" valueType="num">
+                                      <p:cBhvr additive="base">
+                                        <p:cTn id="28" dur="500" fill="hold"/>
+                                        <p:tgtEl>
+                                          <p:spTgt spid="6"/>
+                                        </p:tgtEl>
+                                        <p:attrNameLst>
+                                          <p:attrName>ppt_y</p:attrName>
+                                        </p:attrNameLst>
+                                      </p:cBhvr>
+                                      <p:tavLst>
+                                        <p:tav tm="0">
+                                          <p:val>
+                                            <p:strVal val="1+#ppt_h/2"/>
+                                          </p:val>
+                                        </p:tav>
+                                        <p:tav tm="100000">
+                                          <p:val>
+                                            <p:strVal val="#ppt_y"/>
+                                          </p:val>
+                                        </p:tav>
+                                      </p:tavLst>
+                                    </p:anim>
+                                  </p:childTnLst>
+                                </p:cTn>
+                              </p:par>
+                              <p:par>
+                                <p:cTn id="29" presetID="2" presetClass="entr" presetSubtype="4" fill="hold" grpId="0" nodeType="withEffect">
+                                  <p:stCondLst>
+                                    <p:cond delay="0"/>
+                                  </p:stCondLst>
+                                  <p:childTnLst>
+                                    <p:set>
+                                      <p:cBhvr>
+                                        <p:cTn id="30" dur="1" fill="hold">
+                                          <p:stCondLst>
+                                            <p:cond delay="0"/>
+                                          </p:stCondLst>
+                                        </p:cTn>
+                                        <p:tgtEl>
+                                          <p:spTgt spid="7"/>
+                                        </p:tgtEl>
+                                        <p:attrNameLst>
+                                          <p:attrName>style.visibility</p:attrName>
+                                        </p:attrNameLst>
+                                      </p:cBhvr>
+                                      <p:to>
+                                        <p:strVal val="visible"/>
+                                      </p:to>
+                                    </p:set>
+                                    <p:anim calcmode="lin" valueType="num">
+                                      <p:cBhvr additive="base">
+                                        <p:cTn id="31" dur="500" fill="hold"/>
+                                        <p:tgtEl>
+                                          <p:spTgt spid="7"/>
+                                        </p:tgtEl>
+                                        <p:attrNameLst>
+                                          <p:attrName>ppt_x</p:attrName>
+                                        </p:attrNameLst>
+                                      </p:cBhvr>
+                                      <p:tavLst>
+                                        <p:tav tm="0">
+                                          <p:val>
+                                            <p:strVal val="#ppt_x"/>
+                                          </p:val>
+                                        </p:tav>
+                                        <p:tav tm="100000">
+                                          <p:val>
+                                            <p:strVal val="#ppt_x"/>
+                                          </p:val>
+                                        </p:tav>
+                                      </p:tavLst>
+                                    </p:anim>
+                                    <p:anim calcmode="lin" valueType="num">
+                                      <p:cBhvr additive="base">
+                                        <p:cTn id="32" dur="500" fill="hold"/>
+                                        <p:tgtEl>
+                                          <p:spTgt spid="7"/>
+                                        </p:tgtEl>
+                                        <p:attrNameLst>
+                                          <p:attrName>ppt_y</p:attrName>
+                                        </p:attrNameLst>
+                                      </p:cBhvr>
+                                      <p:tavLst>
+                                        <p:tav tm="0">
+                                          <p:val>
+                                            <p:strVal val="1+#ppt_h/2"/>
+                                          </p:val>
+                                        </p:tav>
+                                        <p:tav tm="100000">
+                                          <p:val>
+                                            <p:strVal val="#ppt_y"/>
+                                          </p:val>
+                                        </p:tav>
+                                      </p:tavLst>
+                                    </p:anim>
+                                  </p:childTnLst>
+                                </p:cTn>
+                              </p:par>
+                              <p:par>
+                                <p:cTn id="33" presetID="2" presetClass="entr" presetSubtype="4" fill="hold" grpId="0" nodeType="withEffect">
+                                  <p:stCondLst>
+                                    <p:cond delay="0"/>
+                                  </p:stCondLst>
+                                  <p:childTnLst>
+                                    <p:set>
+                                      <p:cBhvr>
+                                        <p:cTn id="34" dur="1" fill="hold">
+                                          <p:stCondLst>
+                                            <p:cond delay="0"/>
+                                          </p:stCondLst>
+                                        </p:cTn>
+                                        <p:tgtEl>
+                                          <p:spTgt spid="9"/>
+                                        </p:tgtEl>
+                                        <p:attrNameLst>
+                                          <p:attrName>style.visibility</p:attrName>
+                                        </p:attrNameLst>
+                                      </p:cBhvr>
+                                      <p:to>
+                                        <p:strVal val="visible"/>
+                                      </p:to>
+                                    </p:set>
+                                    <p:anim calcmode="lin" valueType="num">
+                                      <p:cBhvr additive="base">
+                                        <p:cTn id="35" dur="500" fill="hold"/>
+                                        <p:tgtEl>
+                                          <p:spTgt spid="9"/>
+                                        </p:tgtEl>
+                                        <p:attrNameLst>
+                                          <p:attrName>ppt_x</p:attrName>
+                                        </p:attrNameLst>
+                                      </p:cBhvr>
+                                      <p:tavLst>
+                                        <p:tav tm="0">
+                                          <p:val>
+                                            <p:strVal val="#ppt_x"/>
+                                          </p:val>
+                                        </p:tav>
+                                        <p:tav tm="100000">
+                                          <p:val>
+                                            <p:strVal val="#ppt_x"/>
+                                          </p:val>
+                                        </p:tav>
+                                      </p:tavLst>
+                                    </p:anim>
+                                    <p:anim calcmode="lin" valueType="num">
+                                      <p:cBhvr additive="base">
+                                        <p:cTn id="36" dur="500" fill="hold"/>
+                                        <p:tgtEl>
+                                          <p:spTgt spid="9"/>
+                                        </p:tgtEl>
+                                        <p:attrNameLst>
+                                          <p:attrName>ppt_y</p:attrName>
+                                        </p:attrNameLst>
+                                      </p:cBhvr>
+                                      <p:tavLst>
+                                        <p:tav tm="0">
+                                          <p:val>
+                                            <p:strVal val="1+#ppt_h/2"/>
+                                          </p:val>
+                                        </p:tav>
+                                        <p:tav tm="100000">
+                                          <p:val>
+                                            <p:strVal val="#ppt_y"/>
+                                          </p:val>
+                                        </p:tav>
+                                      </p:tavLst>
+                                    </p:anim>
+                                  </p:childTnLst>
+                                </p:cTn>
+                              </p:par>
+                              <p:par>
+                                <p:cTn id="37" presetID="2" presetClass="entr" presetSubtype="4" fill="hold" grpId="0" nodeType="withEffect">
+                                  <p:stCondLst>
+                                    <p:cond delay="0"/>
+                                  </p:stCondLst>
+                                  <p:childTnLst>
+                                    <p:set>
+                                      <p:cBhvr>
+                                        <p:cTn id="38" dur="1" fill="hold">
+                                          <p:stCondLst>
+                                            <p:cond delay="0"/>
+                                          </p:stCondLst>
+                                        </p:cTn>
+                                        <p:tgtEl>
+                                          <p:spTgt spid="10"/>
+                                        </p:tgtEl>
+                                        <p:attrNameLst>
+                                          <p:attrName>style.visibility</p:attrName>
+                                        </p:attrNameLst>
+                                      </p:cBhvr>
+                                      <p:to>
+                                        <p:strVal val="visible"/>
+                                      </p:to>
+                                    </p:set>
+                                    <p:anim calcmode="lin" valueType="num">
+                                      <p:cBhvr additive="base">
+                                        <p:cTn id="39" dur="500" fill="hold"/>
+                                        <p:tgtEl>
+                                          <p:spTgt spid="10"/>
+                                        </p:tgtEl>
+                                        <p:attrNameLst>
+                                          <p:attrName>ppt_x</p:attrName>
+                                        </p:attrNameLst>
+                                      </p:cBhvr>
+                                      <p:tavLst>
+                                        <p:tav tm="0">
+                                          <p:val>
+                                            <p:strVal val="#ppt_x"/>
+                                          </p:val>
+                                        </p:tav>
+                                        <p:tav tm="100000">
+                                          <p:val>
+                                            <p:strVal val="#ppt_x"/>
+                                          </p:val>
+                                        </p:tav>
+                                      </p:tavLst>
+                                    </p:anim>
+                                    <p:anim calcmode="lin" valueType="num">
+                                      <p:cBhvr additive="base">
+                                        <p:cTn id="40" dur="500" fill="hold"/>
+                                        <p:tgtEl>
+                                          <p:spTgt spid="10"/>
+                                        </p:tgtEl>
+                                        <p:attrNameLst>
+                                          <p:attrName>ppt_y</p:attrName>
+                                        </p:attrNameLst>
+                                      </p:cBhvr>
+                                      <p:tavLst>
+                                        <p:tav tm="0">
+                                          <p:val>
+                                            <p:strVal val="1+#ppt_h/2"/>
+                                          </p:val>
+                                        </p:tav>
+                                        <p:tav tm="100000">
+                                          <p:val>
+                                            <p:strVal val="#ppt_y"/>
+                                          </p:val>
+                                        </p:tav>
+                                      </p:tavLst>
+                                    </p:anim>
+                                  </p:childTnLst>
+                                </p:cTn>
+                              </p:par>
+                              <p:par>
+                                <p:cTn id="41" presetID="2" presetClass="entr" presetSubtype="4" fill="hold" grpId="0" nodeType="withEffect">
+                                  <p:stCondLst>
+                                    <p:cond delay="0"/>
+                                  </p:stCondLst>
+                                  <p:childTnLst>
+                                    <p:set>
+                                      <p:cBhvr>
+                                        <p:cTn id="42" dur="1" fill="hold">
+                                          <p:stCondLst>
+                                            <p:cond delay="0"/>
+                                          </p:stCondLst>
+                                        </p:cTn>
+                                        <p:tgtEl>
+                                          <p:spTgt spid="8"/>
+                                        </p:tgtEl>
+                                        <p:attrNameLst>
+                                          <p:attrName>style.visibility</p:attrName>
+                                        </p:attrNameLst>
+                                      </p:cBhvr>
+                                      <p:to>
+                                        <p:strVal val="visible"/>
+                                      </p:to>
+                                    </p:set>
+                                    <p:anim calcmode="lin" valueType="num">
+                                      <p:cBhvr additive="base">
+                                        <p:cTn id="43" dur="500" fill="hold"/>
+                                        <p:tgtEl>
+                                          <p:spTgt spid="8"/>
+                                        </p:tgtEl>
+                                        <p:attrNameLst>
+                                          <p:attrName>ppt_x</p:attrName>
+                                        </p:attrNameLst>
+                                      </p:cBhvr>
+                                      <p:tavLst>
+                                        <p:tav tm="0">
+                                          <p:val>
+                                            <p:strVal val="#ppt_x"/>
+                                          </p:val>
+                                        </p:tav>
+                                        <p:tav tm="100000">
+                                          <p:val>
+                                            <p:strVal val="#ppt_x"/>
+                                          </p:val>
+                                        </p:tav>
+                                      </p:tavLst>
+                                    </p:anim>
+                                    <p:anim calcmode="lin" valueType="num">
+                                      <p:cBhvr additive="base">
+                                        <p:cTn id="44" dur="500" fill="hold"/>
+                                        <p:tgtEl>
+                                          <p:spTgt spid="8"/>
+                                        </p:tgtEl>
+                                        <p:attrNameLst>
+                                          <p:attrName>ppt_y</p:attrName>
+                                        </p:attrNameLst>
+                                      </p:cBhvr>
+                                      <p:tavLst>
+                                        <p:tav tm="0">
+                                          <p:val>
+                                            <p:strVal val="1+#ppt_h/2"/>
+                                          </p:val>
+                                        </p:tav>
+                                        <p:tav tm="100000">
+                                          <p:val>
+                                            <p:strVal val="#ppt_y"/>
+                                          </p:val>
+                                        </p:tav>
+                                      </p:tavLst>
+                                    </p:anim>
+                                  </p:childTnLst>
+                                </p:cTn>
+                              </p:par>
+                              <p:par>
+                                <p:cTn id="45" presetID="2" presetClass="entr" presetSubtype="4" fill="hold" grpId="0" nodeType="withEffect">
+                                  <p:stCondLst>
+                                    <p:cond delay="0"/>
+                                  </p:stCondLst>
+                                  <p:childTnLst>
+                                    <p:set>
+                                      <p:cBhvr>
+                                        <p:cTn id="46" dur="1" fill="hold">
+                                          <p:stCondLst>
+                                            <p:cond delay="0"/>
+                                          </p:stCondLst>
+                                        </p:cTn>
+                                        <p:tgtEl>
+                                          <p:spTgt spid="11"/>
+                                        </p:tgtEl>
+                                        <p:attrNameLst>
+                                          <p:attrName>style.visibility</p:attrName>
+                                        </p:attrNameLst>
+                                      </p:cBhvr>
+                                      <p:to>
+                                        <p:strVal val="visible"/>
+                                      </p:to>
+                                    </p:set>
+                                    <p:anim calcmode="lin" valueType="num">
+                                      <p:cBhvr additive="base">
+                                        <p:cTn id="47" dur="500" fill="hold"/>
+                                        <p:tgtEl>
+                                          <p:spTgt spid="11"/>
+                                        </p:tgtEl>
+                                        <p:attrNameLst>
+                                          <p:attrName>ppt_x</p:attrName>
+                                        </p:attrNameLst>
+                                      </p:cBhvr>
+                                      <p:tavLst>
+                                        <p:tav tm="0">
+                                          <p:val>
+                                            <p:strVal val="#ppt_x"/>
+                                          </p:val>
+                                        </p:tav>
+                                        <p:tav tm="100000">
+                                          <p:val>
+                                            <p:strVal val="#ppt_x"/>
+                                          </p:val>
+                                        </p:tav>
+                                      </p:tavLst>
+                                    </p:anim>
+                                    <p:anim calcmode="lin" valueType="num">
+                                      <p:cBhvr additive="base">
+                                        <p:cTn id="48" dur="500" fill="hold"/>
+                                        <p:tgtEl>
+                                          <p:spTgt spid="11"/>
+                                        </p:tgtEl>
+                                        <p:attrNameLst>
+                                          <p:attrName>ppt_y</p:attrName>
+                                        </p:attrNameLst>
+                                      </p:cBhvr>
+                                      <p:tavLst>
+                                        <p:tav tm="0">
+                                          <p:val>
+                                            <p:strVal val="1+#ppt_h/2"/>
+                                          </p:val>
+                                        </p:tav>
+                                        <p:tav tm="100000">
+                                          <p:val>
+                                            <p:strVal val="#ppt_y"/>
+                                          </p:val>
+                                        </p:tav>
+                                      </p:tavLst>
+                                    </p:anim>
+                                  </p:childTnLst>
+                                </p:cTn>
+                              </p:par>
+                            </p:childTnLst>
+                          </p:cTn>
+                        </p:par>
+                      </p:childTnLst>
+                    </p:cTn>
+                  </p:par>
+                  <p:par>
+                    <p:cTn id="49" fill="hold">
+                      <p:stCondLst>
+                        <p:cond delay="indefinite"/>
+                      </p:stCondLst>
+                      <p:childTnLst>
+                        <p:par>
+                          <p:cTn id="50" fill="hold">
+                            <p:stCondLst>
+                              <p:cond delay="0"/>
+                            </p:stCondLst>
+                            <p:childTnLst>
+                              <p:par>
+                                <p:cTn id="51" presetID="2" presetClass="entr" presetSubtype="4" fill="hold" nodeType="clickEffect">
+                                  <p:stCondLst>
+                                    <p:cond delay="0"/>
+                                  </p:stCondLst>
+                                  <p:childTnLst>
+                                    <p:set>
+                                      <p:cBhvr>
+                                        <p:cTn id="52" dur="1" fill="hold">
+                                          <p:stCondLst>
+                                            <p:cond delay="0"/>
+                                          </p:stCondLst>
+                                        </p:cTn>
+                                        <p:tgtEl>
+                                          <p:spTgt spid="26"/>
+                                        </p:tgtEl>
+                                        <p:attrNameLst>
+                                          <p:attrName>style.visibility</p:attrName>
+                                        </p:attrNameLst>
+                                      </p:cBhvr>
+                                      <p:to>
+                                        <p:strVal val="visible"/>
+                                      </p:to>
+                                    </p:set>
+                                    <p:anim calcmode="lin" valueType="num">
+                                      <p:cBhvr additive="base">
+                                        <p:cTn id="53" dur="500" fill="hold"/>
+                                        <p:tgtEl>
+                                          <p:spTgt spid="26"/>
+                                        </p:tgtEl>
+                                        <p:attrNameLst>
+                                          <p:attrName>ppt_x</p:attrName>
+                                        </p:attrNameLst>
+                                      </p:cBhvr>
+                                      <p:tavLst>
+                                        <p:tav tm="0">
+                                          <p:val>
+                                            <p:strVal val="#ppt_x"/>
+                                          </p:val>
+                                        </p:tav>
+                                        <p:tav tm="100000">
+                                          <p:val>
+                                            <p:strVal val="#ppt_x"/>
+                                          </p:val>
+                                        </p:tav>
+                                      </p:tavLst>
+                                    </p:anim>
+                                    <p:anim calcmode="lin" valueType="num">
+                                      <p:cBhvr additive="base">
+                                        <p:cTn id="54" dur="500" fill="hold"/>
+                                        <p:tgtEl>
+                                          <p:spTgt spid="26"/>
+                                        </p:tgtEl>
+                                        <p:attrNameLst>
+                                          <p:attrName>ppt_y</p:attrName>
+                                        </p:attrNameLst>
+                                      </p:cBhvr>
+                                      <p:tavLst>
+                                        <p:tav tm="0">
+                                          <p:val>
+                                            <p:strVal val="1+#ppt_h/2"/>
+                                          </p:val>
+                                        </p:tav>
+                                        <p:tav tm="100000">
+                                          <p:val>
+                                            <p:strVal val="#ppt_y"/>
+                                          </p:val>
+                                        </p:tav>
+                                      </p:tavLst>
+                                    </p:anim>
+                                  </p:childTnLst>
+                                </p:cTn>
+                              </p:par>
+                              <p:par>
+                                <p:cTn id="55" presetID="2" presetClass="entr" presetSubtype="4" fill="hold" nodeType="withEffect">
+                                  <p:stCondLst>
+                                    <p:cond delay="0"/>
+                                  </p:stCondLst>
+                                  <p:childTnLst>
+                                    <p:set>
+                                      <p:cBhvr>
+                                        <p:cTn id="56" dur="1" fill="hold">
+                                          <p:stCondLst>
+                                            <p:cond delay="0"/>
+                                          </p:stCondLst>
+                                        </p:cTn>
+                                        <p:tgtEl>
+                                          <p:spTgt spid="27"/>
+                                        </p:tgtEl>
+                                        <p:attrNameLst>
+                                          <p:attrName>style.visibility</p:attrName>
+                                        </p:attrNameLst>
+                                      </p:cBhvr>
+                                      <p:to>
+                                        <p:strVal val="visible"/>
+                                      </p:to>
+                                    </p:set>
+                                    <p:anim calcmode="lin" valueType="num">
+                                      <p:cBhvr additive="base">
+                                        <p:cTn id="57" dur="500" fill="hold"/>
+                                        <p:tgtEl>
+                                          <p:spTgt spid="27"/>
+                                        </p:tgtEl>
+                                        <p:attrNameLst>
+                                          <p:attrName>ppt_x</p:attrName>
+                                        </p:attrNameLst>
+                                      </p:cBhvr>
+                                      <p:tavLst>
+                                        <p:tav tm="0">
+                                          <p:val>
+                                            <p:strVal val="#ppt_x"/>
+                                          </p:val>
+                                        </p:tav>
+                                        <p:tav tm="100000">
+                                          <p:val>
+                                            <p:strVal val="#ppt_x"/>
+                                          </p:val>
+                                        </p:tav>
+                                      </p:tavLst>
+                                    </p:anim>
+                                    <p:anim calcmode="lin" valueType="num">
+                                      <p:cBhvr additive="base">
+                                        <p:cTn id="58" dur="500" fill="hold"/>
+                                        <p:tgtEl>
+                                          <p:spTgt spid="27"/>
+                                        </p:tgtEl>
+                                        <p:attrNameLst>
+                                          <p:attrName>ppt_y</p:attrName>
+                                        </p:attrNameLst>
+                                      </p:cBhvr>
+                                      <p:tavLst>
+                                        <p:tav tm="0">
+                                          <p:val>
+                                            <p:strVal val="1+#ppt_h/2"/>
+                                          </p:val>
+                                        </p:tav>
+                                        <p:tav tm="100000">
+                                          <p:val>
+                                            <p:strVal val="#ppt_y"/>
+                                          </p:val>
+                                        </p:tav>
+                                      </p:tavLst>
+                                    </p:anim>
+                                  </p:childTnLst>
+                                </p:cTn>
+                              </p:par>
+                              <p:par>
+                                <p:cTn id="59" presetID="2" presetClass="entr" presetSubtype="4" fill="hold" nodeType="withEffect">
+                                  <p:stCondLst>
+                                    <p:cond delay="0"/>
+                                  </p:stCondLst>
+                                  <p:childTnLst>
+                                    <p:set>
+                                      <p:cBhvr>
+                                        <p:cTn id="60" dur="1" fill="hold">
+                                          <p:stCondLst>
+                                            <p:cond delay="0"/>
+                                          </p:stCondLst>
+                                        </p:cTn>
+                                        <p:tgtEl>
+                                          <p:spTgt spid="34"/>
+                                        </p:tgtEl>
+                                        <p:attrNameLst>
+                                          <p:attrName>style.visibility</p:attrName>
+                                        </p:attrNameLst>
+                                      </p:cBhvr>
+                                      <p:to>
+                                        <p:strVal val="visible"/>
+                                      </p:to>
+                                    </p:set>
+                                    <p:anim calcmode="lin" valueType="num">
+                                      <p:cBhvr additive="base">
+                                        <p:cTn id="61" dur="500" fill="hold"/>
+                                        <p:tgtEl>
+                                          <p:spTgt spid="34"/>
+                                        </p:tgtEl>
+                                        <p:attrNameLst>
+                                          <p:attrName>ppt_x</p:attrName>
+                                        </p:attrNameLst>
+                                      </p:cBhvr>
+                                      <p:tavLst>
+                                        <p:tav tm="0">
+                                          <p:val>
+                                            <p:strVal val="#ppt_x"/>
+                                          </p:val>
+                                        </p:tav>
+                                        <p:tav tm="100000">
+                                          <p:val>
+                                            <p:strVal val="#ppt_x"/>
+                                          </p:val>
+                                        </p:tav>
+                                      </p:tavLst>
+                                    </p:anim>
+                                    <p:anim calcmode="lin" valueType="num">
+                                      <p:cBhvr additive="base">
+                                        <p:cTn id="62" dur="500" fill="hold"/>
+                                        <p:tgtEl>
+                                          <p:spTgt spid="34"/>
+                                        </p:tgtEl>
+                                        <p:attrNameLst>
+                                          <p:attrName>ppt_y</p:attrName>
+                                        </p:attrNameLst>
+                                      </p:cBhvr>
+                                      <p:tavLst>
+                                        <p:tav tm="0">
+                                          <p:val>
+                                            <p:strVal val="1+#ppt_h/2"/>
+                                          </p:val>
+                                        </p:tav>
+                                        <p:tav tm="100000">
+                                          <p:val>
+                                            <p:strVal val="#ppt_y"/>
+                                          </p:val>
+                                        </p:tav>
+                                      </p:tavLst>
+                                    </p:anim>
+                                  </p:childTnLst>
+                                </p:cTn>
+                              </p:par>
+                              <p:par>
+                                <p:cTn id="63" presetID="2" presetClass="entr" presetSubtype="4" fill="hold" nodeType="withEffect">
+                                  <p:stCondLst>
+                                    <p:cond delay="0"/>
+                                  </p:stCondLst>
+                                  <p:childTnLst>
+                                    <p:set>
+                                      <p:cBhvr>
+                                        <p:cTn id="64" dur="1" fill="hold">
+                                          <p:stCondLst>
+                                            <p:cond delay="0"/>
+                                          </p:stCondLst>
+                                        </p:cTn>
+                                        <p:tgtEl>
+                                          <p:spTgt spid="37"/>
+                                        </p:tgtEl>
+                                        <p:attrNameLst>
+                                          <p:attrName>style.visibility</p:attrName>
+                                        </p:attrNameLst>
+                                      </p:cBhvr>
+                                      <p:to>
+                                        <p:strVal val="visible"/>
+                                      </p:to>
+                                    </p:set>
+                                    <p:anim calcmode="lin" valueType="num">
+                                      <p:cBhvr additive="base">
+                                        <p:cTn id="65" dur="500" fill="hold"/>
+                                        <p:tgtEl>
+                                          <p:spTgt spid="37"/>
+                                        </p:tgtEl>
+                                        <p:attrNameLst>
+                                          <p:attrName>ppt_x</p:attrName>
+                                        </p:attrNameLst>
+                                      </p:cBhvr>
+                                      <p:tavLst>
+                                        <p:tav tm="0">
+                                          <p:val>
+                                            <p:strVal val="#ppt_x"/>
+                                          </p:val>
+                                        </p:tav>
+                                        <p:tav tm="100000">
+                                          <p:val>
+                                            <p:strVal val="#ppt_x"/>
+                                          </p:val>
+                                        </p:tav>
+                                      </p:tavLst>
+                                    </p:anim>
+                                    <p:anim calcmode="lin" valueType="num">
+                                      <p:cBhvr additive="base">
+                                        <p:cTn id="66" dur="500" fill="hold"/>
+                                        <p:tgtEl>
+                                          <p:spTgt spid="37"/>
+                                        </p:tgtEl>
+                                        <p:attrNameLst>
+                                          <p:attrName>ppt_y</p:attrName>
+                                        </p:attrNameLst>
+                                      </p:cBhvr>
+                                      <p:tavLst>
+                                        <p:tav tm="0">
+                                          <p:val>
+                                            <p:strVal val="1+#ppt_h/2"/>
+                                          </p:val>
+                                        </p:tav>
+                                        <p:tav tm="100000">
+                                          <p:val>
+                                            <p:strVal val="#ppt_y"/>
+                                          </p:val>
+                                        </p:tav>
+                                      </p:tavLst>
+                                    </p:anim>
+                                  </p:childTnLst>
+                                </p:cTn>
+                              </p:par>
+                              <p:par>
+                                <p:cTn id="67" presetID="2" presetClass="entr" presetSubtype="4" fill="hold" nodeType="withEffect">
+                                  <p:stCondLst>
+                                    <p:cond delay="0"/>
+                                  </p:stCondLst>
+                                  <p:childTnLst>
+                                    <p:set>
+                                      <p:cBhvr>
+                                        <p:cTn id="68" dur="1" fill="hold">
+                                          <p:stCondLst>
+                                            <p:cond delay="0"/>
+                                          </p:stCondLst>
+                                        </p:cTn>
+                                        <p:tgtEl>
+                                          <p:spTgt spid="40"/>
+                                        </p:tgtEl>
+                                        <p:attrNameLst>
+                                          <p:attrName>style.visibility</p:attrName>
+                                        </p:attrNameLst>
+                                      </p:cBhvr>
+                                      <p:to>
+                                        <p:strVal val="visible"/>
+                                      </p:to>
+                                    </p:set>
+                                    <p:anim calcmode="lin" valueType="num">
+                                      <p:cBhvr additive="base">
+                                        <p:cTn id="69" dur="500" fill="hold"/>
+                                        <p:tgtEl>
+                                          <p:spTgt spid="40"/>
+                                        </p:tgtEl>
+                                        <p:attrNameLst>
+                                          <p:attrName>ppt_x</p:attrName>
+                                        </p:attrNameLst>
+                                      </p:cBhvr>
+                                      <p:tavLst>
+                                        <p:tav tm="0">
+                                          <p:val>
+                                            <p:strVal val="#ppt_x"/>
+                                          </p:val>
+                                        </p:tav>
+                                        <p:tav tm="100000">
+                                          <p:val>
+                                            <p:strVal val="#ppt_x"/>
+                                          </p:val>
+                                        </p:tav>
+                                      </p:tavLst>
+                                    </p:anim>
+                                    <p:anim calcmode="lin" valueType="num">
+                                      <p:cBhvr additive="base">
+                                        <p:cTn id="70" dur="500" fill="hold"/>
+                                        <p:tgtEl>
+                                          <p:spTgt spid="40"/>
+                                        </p:tgtEl>
+                                        <p:attrNameLst>
+                                          <p:attrName>ppt_y</p:attrName>
+                                        </p:attrNameLst>
+                                      </p:cBhvr>
+                                      <p:tavLst>
+                                        <p:tav tm="0">
+                                          <p:val>
+                                            <p:strVal val="1+#ppt_h/2"/>
+                                          </p:val>
+                                        </p:tav>
+                                        <p:tav tm="100000">
+                                          <p:val>
+                                            <p:strVal val="#ppt_y"/>
+                                          </p:val>
+                                        </p:tav>
+                                      </p:tavLst>
+                                    </p:anim>
+                                  </p:childTnLst>
+                                </p:cTn>
+                              </p:par>
+                              <p:par>
+                                <p:cTn id="71" presetID="2" presetClass="entr" presetSubtype="4" fill="hold" nodeType="withEffect">
+                                  <p:stCondLst>
+                                    <p:cond delay="0"/>
+                                  </p:stCondLst>
+                                  <p:childTnLst>
+                                    <p:set>
+                                      <p:cBhvr>
+                                        <p:cTn id="72" dur="1" fill="hold">
+                                          <p:stCondLst>
+                                            <p:cond delay="0"/>
+                                          </p:stCondLst>
+                                        </p:cTn>
+                                        <p:tgtEl>
+                                          <p:spTgt spid="43"/>
+                                        </p:tgtEl>
+                                        <p:attrNameLst>
+                                          <p:attrName>style.visibility</p:attrName>
+                                        </p:attrNameLst>
+                                      </p:cBhvr>
+                                      <p:to>
+                                        <p:strVal val="visible"/>
+                                      </p:to>
+                                    </p:set>
+                                    <p:anim calcmode="lin" valueType="num">
+                                      <p:cBhvr additive="base">
+                                        <p:cTn id="73" dur="500" fill="hold"/>
+                                        <p:tgtEl>
+                                          <p:spTgt spid="43"/>
+                                        </p:tgtEl>
+                                        <p:attrNameLst>
+                                          <p:attrName>ppt_x</p:attrName>
+                                        </p:attrNameLst>
+                                      </p:cBhvr>
+                                      <p:tavLst>
+                                        <p:tav tm="0">
+                                          <p:val>
+                                            <p:strVal val="#ppt_x"/>
+                                          </p:val>
+                                        </p:tav>
+                                        <p:tav tm="100000">
+                                          <p:val>
+                                            <p:strVal val="#ppt_x"/>
+                                          </p:val>
+                                        </p:tav>
+                                      </p:tavLst>
+                                    </p:anim>
+                                    <p:anim calcmode="lin" valueType="num">
+                                      <p:cBhvr additive="base">
+                                        <p:cTn id="74" dur="500" fill="hold"/>
+                                        <p:tgtEl>
+                                          <p:spTgt spid="43"/>
+                                        </p:tgtEl>
+                                        <p:attrNameLst>
+                                          <p:attrName>ppt_y</p:attrName>
+                                        </p:attrNameLst>
+                                      </p:cBhvr>
+                                      <p:tavLst>
+                                        <p:tav tm="0">
+                                          <p:val>
+                                            <p:strVal val="1+#ppt_h/2"/>
+                                          </p:val>
+                                        </p:tav>
+                                        <p:tav tm="100000">
+                                          <p:val>
+                                            <p:strVal val="#ppt_y"/>
+                                          </p:val>
+                                        </p:tav>
+                                      </p:tavLst>
+                                    </p:anim>
+                                  </p:childTnLst>
+                                </p:cTn>
+                              </p:par>
+                              <p:par>
+                                <p:cTn id="75" presetID="2" presetClass="entr" presetSubtype="4" fill="hold" nodeType="withEffect">
+                                  <p:stCondLst>
+                                    <p:cond delay="0"/>
+                                  </p:stCondLst>
+                                  <p:childTnLst>
+                                    <p:set>
+                                      <p:cBhvr>
+                                        <p:cTn id="76" dur="1" fill="hold">
+                                          <p:stCondLst>
+                                            <p:cond delay="0"/>
+                                          </p:stCondLst>
+                                        </p:cTn>
+                                        <p:tgtEl>
+                                          <p:spTgt spid="46"/>
+                                        </p:tgtEl>
+                                        <p:attrNameLst>
+                                          <p:attrName>style.visibility</p:attrName>
+                                        </p:attrNameLst>
+                                      </p:cBhvr>
+                                      <p:to>
+                                        <p:strVal val="visible"/>
+                                      </p:to>
+                                    </p:set>
+                                    <p:anim calcmode="lin" valueType="num">
+                                      <p:cBhvr additive="base">
+                                        <p:cTn id="77" dur="500" fill="hold"/>
+                                        <p:tgtEl>
+                                          <p:spTgt spid="46"/>
+                                        </p:tgtEl>
+                                        <p:attrNameLst>
+                                          <p:attrName>ppt_x</p:attrName>
+                                        </p:attrNameLst>
+                                      </p:cBhvr>
+                                      <p:tavLst>
+                                        <p:tav tm="0">
+                                          <p:val>
+                                            <p:strVal val="#ppt_x"/>
+                                          </p:val>
+                                        </p:tav>
+                                        <p:tav tm="100000">
+                                          <p:val>
+                                            <p:strVal val="#ppt_x"/>
+                                          </p:val>
+                                        </p:tav>
+                                      </p:tavLst>
+                                    </p:anim>
+                                    <p:anim calcmode="lin" valueType="num">
+                                      <p:cBhvr additive="base">
+                                        <p:cTn id="78" dur="500" fill="hold"/>
+                                        <p:tgtEl>
+                                          <p:spTgt spid="46"/>
+                                        </p:tgtEl>
+                                        <p:attrNameLst>
+                                          <p:attrName>ppt_y</p:attrName>
+                                        </p:attrNameLst>
+                                      </p:cBhvr>
+                                      <p:tavLst>
+                                        <p:tav tm="0">
+                                          <p:val>
+                                            <p:strVal val="1+#ppt_h/2"/>
+                                          </p:val>
+                                        </p:tav>
+                                        <p:tav tm="100000">
+                                          <p:val>
+                                            <p:strVal val="#ppt_y"/>
+                                          </p:val>
+                                        </p:tav>
+                                      </p:tavLst>
+                                    </p:anim>
+                                  </p:childTnLst>
+                                </p:cTn>
+                              </p:par>
+                              <p:par>
+                                <p:cTn id="79" presetID="2" presetClass="entr" presetSubtype="4" fill="hold" grpId="0" nodeType="withEffect">
+                                  <p:stCondLst>
+                                    <p:cond delay="0"/>
+                                  </p:stCondLst>
+                                  <p:childTnLst>
+                                    <p:set>
+                                      <p:cBhvr>
+                                        <p:cTn id="80" dur="1" fill="hold">
+                                          <p:stCondLst>
+                                            <p:cond delay="0"/>
+                                          </p:stCondLst>
+                                        </p:cTn>
+                                        <p:tgtEl>
+                                          <p:spTgt spid="23"/>
+                                        </p:tgtEl>
+                                        <p:attrNameLst>
+                                          <p:attrName>style.visibility</p:attrName>
+                                        </p:attrNameLst>
+                                      </p:cBhvr>
+                                      <p:to>
+                                        <p:strVal val="visible"/>
+                                      </p:to>
+                                    </p:set>
+                                    <p:anim calcmode="lin" valueType="num">
+                                      <p:cBhvr additive="base">
+                                        <p:cTn id="81" dur="500" fill="hold"/>
+                                        <p:tgtEl>
+                                          <p:spTgt spid="23"/>
+                                        </p:tgtEl>
+                                        <p:attrNameLst>
+                                          <p:attrName>ppt_x</p:attrName>
+                                        </p:attrNameLst>
+                                      </p:cBhvr>
+                                      <p:tavLst>
+                                        <p:tav tm="0">
+                                          <p:val>
+                                            <p:strVal val="#ppt_x"/>
+                                          </p:val>
+                                        </p:tav>
+                                        <p:tav tm="100000">
+                                          <p:val>
+                                            <p:strVal val="#ppt_x"/>
+                                          </p:val>
+                                        </p:tav>
+                                      </p:tavLst>
+                                    </p:anim>
+                                    <p:anim calcmode="lin" valueType="num">
+                                      <p:cBhvr additive="base">
+                                        <p:cTn id="82" dur="500" fill="hold"/>
+                                        <p:tgtEl>
+                                          <p:spTgt spid="23"/>
+                                        </p:tgtEl>
+                                        <p:attrNameLst>
+                                          <p:attrName>ppt_y</p:attrName>
+                                        </p:attrNameLst>
+                                      </p:cBhvr>
+                                      <p:tavLst>
+                                        <p:tav tm="0">
+                                          <p:val>
+                                            <p:strVal val="1+#ppt_h/2"/>
+                                          </p:val>
+                                        </p:tav>
+                                        <p:tav tm="100000">
+                                          <p:val>
+                                            <p:strVal val="#ppt_y"/>
+                                          </p:val>
+                                        </p:tav>
+                                      </p:tavLst>
+                                    </p:anim>
+                                  </p:childTnLst>
+                                </p:cTn>
+                              </p:par>
+                            </p:childTnLst>
+                          </p:cTn>
+                        </p:par>
+                      </p:childTnLst>
+                    </p:cTn>
+                  </p:par>
+                  <p:par>
+                    <p:cTn id="83" fill="hold">
+                      <p:stCondLst>
+                        <p:cond delay="indefinite"/>
+                      </p:stCondLst>
+                      <p:childTnLst>
+                        <p:par>
+                          <p:cTn id="84" fill="hold">
+                            <p:stCondLst>
+                              <p:cond delay="0"/>
+                            </p:stCondLst>
+                            <p:childTnLst>
+                              <p:par>
+                                <p:cTn id="85" presetID="2" presetClass="entr" presetSubtype="4" fill="hold" nodeType="clickEffect">
+                                  <p:stCondLst>
+                                    <p:cond delay="0"/>
+                                  </p:stCondLst>
+                                  <p:childTnLst>
+                                    <p:set>
+                                      <p:cBhvr>
+                                        <p:cTn id="86" dur="1" fill="hold">
+                                          <p:stCondLst>
+                                            <p:cond delay="0"/>
+                                          </p:stCondLst>
+                                        </p:cTn>
+                                        <p:tgtEl>
+                                          <p:spTgt spid="49"/>
+                                        </p:tgtEl>
+                                        <p:attrNameLst>
+                                          <p:attrName>style.visibility</p:attrName>
+                                        </p:attrNameLst>
+                                      </p:cBhvr>
+                                      <p:to>
+                                        <p:strVal val="visible"/>
+                                      </p:to>
+                                    </p:set>
+                                    <p:anim calcmode="lin" valueType="num">
+                                      <p:cBhvr additive="base">
+                                        <p:cTn id="87" dur="500" fill="hold"/>
+                                        <p:tgtEl>
+                                          <p:spTgt spid="49"/>
+                                        </p:tgtEl>
+                                        <p:attrNameLst>
+                                          <p:attrName>ppt_x</p:attrName>
+                                        </p:attrNameLst>
+                                      </p:cBhvr>
+                                      <p:tavLst>
+                                        <p:tav tm="0">
+                                          <p:val>
+                                            <p:strVal val="#ppt_x"/>
+                                          </p:val>
+                                        </p:tav>
+                                        <p:tav tm="100000">
+                                          <p:val>
+                                            <p:strVal val="#ppt_x"/>
+                                          </p:val>
+                                        </p:tav>
+                                      </p:tavLst>
+                                    </p:anim>
+                                    <p:anim calcmode="lin" valueType="num">
+                                      <p:cBhvr additive="base">
+                                        <p:cTn id="88" dur="500" fill="hold"/>
+                                        <p:tgtEl>
+                                          <p:spTgt spid="49"/>
+                                        </p:tgtEl>
+                                        <p:attrNameLst>
+                                          <p:attrName>ppt_y</p:attrName>
+                                        </p:attrNameLst>
+                                      </p:cBhvr>
+                                      <p:tavLst>
+                                        <p:tav tm="0">
+                                          <p:val>
+                                            <p:strVal val="1+#ppt_h/2"/>
+                                          </p:val>
+                                        </p:tav>
+                                        <p:tav tm="100000">
+                                          <p:val>
+                                            <p:strVal val="#ppt_y"/>
+                                          </p:val>
+                                        </p:tav>
+                                      </p:tavLst>
+                                    </p:anim>
+                                  </p:childTnLst>
+                                </p:cTn>
+                              </p:par>
+                              <p:par>
+                                <p:cTn id="89" presetID="2" presetClass="entr" presetSubtype="4" fill="hold" grpId="0" nodeType="withEffect">
+                                  <p:stCondLst>
+                                    <p:cond delay="0"/>
+                                  </p:stCondLst>
+                                  <p:childTnLst>
+                                    <p:set>
+                                      <p:cBhvr>
+                                        <p:cTn id="90" dur="1" fill="hold">
+                                          <p:stCondLst>
+                                            <p:cond delay="0"/>
+                                          </p:stCondLst>
+                                        </p:cTn>
+                                        <p:tgtEl>
+                                          <p:spTgt spid="24"/>
+                                        </p:tgtEl>
+                                        <p:attrNameLst>
+                                          <p:attrName>style.visibility</p:attrName>
+                                        </p:attrNameLst>
+                                      </p:cBhvr>
+                                      <p:to>
+                                        <p:strVal val="visible"/>
+                                      </p:to>
+                                    </p:set>
+                                    <p:anim calcmode="lin" valueType="num">
+                                      <p:cBhvr additive="base">
+                                        <p:cTn id="91" dur="500" fill="hold"/>
+                                        <p:tgtEl>
+                                          <p:spTgt spid="24"/>
+                                        </p:tgtEl>
+                                        <p:attrNameLst>
+                                          <p:attrName>ppt_x</p:attrName>
+                                        </p:attrNameLst>
+                                      </p:cBhvr>
+                                      <p:tavLst>
+                                        <p:tav tm="0">
+                                          <p:val>
+                                            <p:strVal val="#ppt_x"/>
+                                          </p:val>
+                                        </p:tav>
+                                        <p:tav tm="100000">
+                                          <p:val>
+                                            <p:strVal val="#ppt_x"/>
+                                          </p:val>
+                                        </p:tav>
+                                      </p:tavLst>
+                                    </p:anim>
+                                    <p:anim calcmode="lin" valueType="num">
+                                      <p:cBhvr additive="base">
+                                        <p:cTn id="92" dur="500" fill="hold"/>
+                                        <p:tgtEl>
+                                          <p:spTgt spid="24"/>
+                                        </p:tgtEl>
+                                        <p:attrNameLst>
+                                          <p:attrName>ppt_y</p:attrName>
+                                        </p:attrNameLst>
+                                      </p:cBhvr>
+                                      <p:tavLst>
+                                        <p:tav tm="0">
+                                          <p:val>
+                                            <p:strVal val="1+#ppt_h/2"/>
+                                          </p:val>
+                                        </p:tav>
+                                        <p:tav tm="100000">
+                                          <p:val>
+                                            <p:strVal val="#ppt_y"/>
+                                          </p:val>
+                                        </p:tav>
+                                      </p:tavLst>
+                                    </p:anim>
+                                  </p:childTnLst>
+                                </p:cTn>
+                              </p:par>
+                            </p:childTnLst>
+                          </p:cTn>
+                        </p:par>
+                      </p:childTnLst>
+                    </p:cTn>
+                  </p:par>
+                  <p:par>
+                    <p:cTn id="93" fill="hold">
+                      <p:stCondLst>
+                        <p:cond delay="indefinite"/>
+                      </p:stCondLst>
+                      <p:childTnLst>
+                        <p:par>
+                          <p:cTn id="94" fill="hold">
+                            <p:stCondLst>
+                              <p:cond delay="0"/>
+                            </p:stCondLst>
+                            <p:childTnLst>
+                              <p:par>
+                                <p:cTn id="95" presetID="2" presetClass="entr" presetSubtype="4" fill="hold" grpId="0" nodeType="clickEffect">
+                                  <p:stCondLst>
+                                    <p:cond delay="0"/>
+                                  </p:stCondLst>
+                                  <p:childTnLst>
+                                    <p:set>
+                                      <p:cBhvr>
+                                        <p:cTn id="96" dur="1" fill="hold">
+                                          <p:stCondLst>
+                                            <p:cond delay="0"/>
+                                          </p:stCondLst>
+                                        </p:cTn>
+                                        <p:tgtEl>
+                                          <p:spTgt spid="52"/>
+                                        </p:tgtEl>
+                                        <p:attrNameLst>
+                                          <p:attrName>style.visibility</p:attrName>
+                                        </p:attrNameLst>
+                                      </p:cBhvr>
+                                      <p:to>
+                                        <p:strVal val="visible"/>
+                                      </p:to>
+                                    </p:set>
+                                    <p:anim calcmode="lin" valueType="num">
+                                      <p:cBhvr additive="base">
+                                        <p:cTn id="97" dur="500" fill="hold"/>
+                                        <p:tgtEl>
+                                          <p:spTgt spid="52"/>
+                                        </p:tgtEl>
+                                        <p:attrNameLst>
+                                          <p:attrName>ppt_x</p:attrName>
+                                        </p:attrNameLst>
+                                      </p:cBhvr>
+                                      <p:tavLst>
+                                        <p:tav tm="0">
+                                          <p:val>
+                                            <p:strVal val="#ppt_x"/>
+                                          </p:val>
+                                        </p:tav>
+                                        <p:tav tm="100000">
+                                          <p:val>
+                                            <p:strVal val="#ppt_x"/>
+                                          </p:val>
+                                        </p:tav>
+                                      </p:tavLst>
+                                    </p:anim>
+                                    <p:anim calcmode="lin" valueType="num">
+                                      <p:cBhvr additive="base">
+                                        <p:cTn id="98" dur="500" fill="hold"/>
+                                        <p:tgtEl>
+                                          <p:spTgt spid="52"/>
+                                        </p:tgtEl>
+                                        <p:attrNameLst>
+                                          <p:attrName>ppt_y</p:attrName>
+                                        </p:attrNameLst>
+                                      </p:cBhvr>
+                                      <p:tavLst>
+                                        <p:tav tm="0">
+                                          <p:val>
+                                            <p:strVal val="1+#ppt_h/2"/>
+                                          </p:val>
+                                        </p:tav>
+                                        <p:tav tm="100000">
+                                          <p:val>
+                                            <p:strVal val="#ppt_y"/>
+                                          </p:val>
+                                        </p:tav>
+                                      </p:tavLst>
+                                    </p:anim>
+                                  </p:childTnLst>
+                                </p:cTn>
+                              </p:par>
+                            </p:childTnLst>
+                          </p:cTn>
+                        </p:par>
+                      </p:childTnLst>
+                    </p:cTn>
+                  </p:par>
+                  <p:par>
+                    <p:cTn id="99" fill="hold">
+                      <p:stCondLst>
+                        <p:cond delay="indefinite"/>
+                      </p:stCondLst>
+                      <p:childTnLst>
+                        <p:par>
+                          <p:cTn id="100" fill="hold">
+                            <p:stCondLst>
+                              <p:cond delay="0"/>
+                            </p:stCondLst>
+                            <p:childTnLst>
+                              <p:par>
+                                <p:cTn id="101" presetID="2" presetClass="entr" presetSubtype="4" fill="hold" grpId="0" nodeType="clickEffect">
+                                  <p:stCondLst>
+                                    <p:cond delay="0"/>
+                                  </p:stCondLst>
+                                  <p:childTnLst>
+                                    <p:set>
+                                      <p:cBhvr>
+                                        <p:cTn id="102" dur="1" fill="hold">
+                                          <p:stCondLst>
+                                            <p:cond delay="0"/>
+                                          </p:stCondLst>
+                                        </p:cTn>
+                                        <p:tgtEl>
+                                          <p:spTgt spid="65"/>
+                                        </p:tgtEl>
+                                        <p:attrNameLst>
+                                          <p:attrName>style.visibility</p:attrName>
+                                        </p:attrNameLst>
+                                      </p:cBhvr>
+                                      <p:to>
+                                        <p:strVal val="visible"/>
+                                      </p:to>
+                                    </p:set>
+                                    <p:anim calcmode="lin" valueType="num">
+                                      <p:cBhvr additive="base">
+                                        <p:cTn id="103" dur="500" fill="hold"/>
+                                        <p:tgtEl>
+                                          <p:spTgt spid="65"/>
+                                        </p:tgtEl>
+                                        <p:attrNameLst>
+                                          <p:attrName>ppt_x</p:attrName>
+                                        </p:attrNameLst>
+                                      </p:cBhvr>
+                                      <p:tavLst>
+                                        <p:tav tm="0">
+                                          <p:val>
+                                            <p:strVal val="#ppt_x"/>
+                                          </p:val>
+                                        </p:tav>
+                                        <p:tav tm="100000">
+                                          <p:val>
+                                            <p:strVal val="#ppt_x"/>
+                                          </p:val>
+                                        </p:tav>
+                                      </p:tavLst>
+                                    </p:anim>
+                                    <p:anim calcmode="lin" valueType="num">
+                                      <p:cBhvr additive="base">
+                                        <p:cTn id="104" dur="500" fill="hold"/>
+                                        <p:tgtEl>
+                                          <p:spTgt spid="65"/>
+                                        </p:tgtEl>
+                                        <p:attrNameLst>
+                                          <p:attrName>ppt_y</p:attrName>
+                                        </p:attrNameLst>
+                                      </p:cBhvr>
+                                      <p:tavLst>
+                                        <p:tav tm="0">
+                                          <p:val>
+                                            <p:strVal val="1+#ppt_h/2"/>
+                                          </p:val>
+                                        </p:tav>
+                                        <p:tav tm="100000">
+                                          <p:val>
+                                            <p:strVal val="#ppt_y"/>
+                                          </p:val>
+                                        </p:tav>
+                                      </p:tavLst>
+                                    </p:anim>
+                                  </p:childTnLst>
+                                </p:cTn>
+                              </p:par>
+                              <p:par>
+                                <p:cTn id="105" presetID="2" presetClass="entr" presetSubtype="4" fill="hold" grpId="0" nodeType="withEffect">
+                                  <p:stCondLst>
+                                    <p:cond delay="0"/>
+                                  </p:stCondLst>
+                                  <p:childTnLst>
+                                    <p:set>
+                                      <p:cBhvr>
+                                        <p:cTn id="106" dur="1" fill="hold">
+                                          <p:stCondLst>
+                                            <p:cond delay="0"/>
+                                          </p:stCondLst>
+                                        </p:cTn>
+                                        <p:tgtEl>
+                                          <p:spTgt spid="19"/>
+                                        </p:tgtEl>
+                                        <p:attrNameLst>
+                                          <p:attrName>style.visibility</p:attrName>
+                                        </p:attrNameLst>
+                                      </p:cBhvr>
+                                      <p:to>
+                                        <p:strVal val="visible"/>
+                                      </p:to>
+                                    </p:set>
+                                    <p:anim calcmode="lin" valueType="num">
+                                      <p:cBhvr additive="base">
+                                        <p:cTn id="107" dur="500" fill="hold"/>
+                                        <p:tgtEl>
+                                          <p:spTgt spid="19"/>
+                                        </p:tgtEl>
+                                        <p:attrNameLst>
+                                          <p:attrName>ppt_x</p:attrName>
+                                        </p:attrNameLst>
+                                      </p:cBhvr>
+                                      <p:tavLst>
+                                        <p:tav tm="0">
+                                          <p:val>
+                                            <p:strVal val="#ppt_x"/>
+                                          </p:val>
+                                        </p:tav>
+                                        <p:tav tm="100000">
+                                          <p:val>
+                                            <p:strVal val="#ppt_x"/>
+                                          </p:val>
+                                        </p:tav>
+                                      </p:tavLst>
+                                    </p:anim>
+                                    <p:anim calcmode="lin" valueType="num">
+                                      <p:cBhvr additive="base">
+                                        <p:cTn id="108" dur="500" fill="hold"/>
+                                        <p:tgtEl>
+                                          <p:spTgt spid="19"/>
+                                        </p:tgtEl>
+                                        <p:attrNameLst>
+                                          <p:attrName>ppt_y</p:attrName>
+                                        </p:attrNameLst>
+                                      </p:cBhvr>
+                                      <p:tavLst>
+                                        <p:tav tm="0">
+                                          <p:val>
+                                            <p:strVal val="1+#ppt_h/2"/>
+                                          </p:val>
+                                        </p:tav>
+                                        <p:tav tm="100000">
+                                          <p:val>
+                                            <p:strVal val="#ppt_y"/>
+                                          </p:val>
+                                        </p:tav>
+                                      </p:tavLst>
+                                    </p:anim>
+                                  </p:childTnLst>
+                                </p:cTn>
+                              </p:par>
+                            </p:childTnLst>
+                          </p:cTn>
+                        </p:par>
+                      </p:childTnLst>
+                    </p:cTn>
+                  </p:par>
+                  <p:par>
+                    <p:cTn id="109" fill="hold">
+                      <p:stCondLst>
+                        <p:cond delay="indefinite"/>
+                      </p:stCondLst>
+                      <p:childTnLst>
+                        <p:par>
+                          <p:cTn id="110" fill="hold">
+                            <p:stCondLst>
+                              <p:cond delay="0"/>
+                            </p:stCondLst>
+                            <p:childTnLst>
+                              <p:par>
+                                <p:cTn id="111" presetID="45" presetClass="entr" presetSubtype="0" fill="hold" grpId="0" nodeType="clickEffect">
+                                  <p:stCondLst>
+                                    <p:cond delay="0"/>
+                                  </p:stCondLst>
+                                  <p:childTnLst>
+                                    <p:set>
+                                      <p:cBhvr>
+                                        <p:cTn id="112" dur="1" fill="hold">
+                                          <p:stCondLst>
+                                            <p:cond delay="0"/>
+                                          </p:stCondLst>
+                                        </p:cTn>
+                                        <p:tgtEl>
+                                          <p:spTgt spid="25"/>
+                                        </p:tgtEl>
+                                        <p:attrNameLst>
+                                          <p:attrName>style.visibility</p:attrName>
+                                        </p:attrNameLst>
+                                      </p:cBhvr>
+                                      <p:to>
+                                        <p:strVal val="visible"/>
+                                      </p:to>
+                                    </p:set>
+                                    <p:animEffect transition="in" filter="fade">
+                                      <p:cBhvr>
+                                        <p:cTn id="113" dur="2000"/>
+                                        <p:tgtEl>
+                                          <p:spTgt spid="25"/>
+                                        </p:tgtEl>
+                                      </p:cBhvr>
+                                    </p:animEffect>
+                                    <p:anim calcmode="lin" valueType="num">
+                                      <p:cBhvr>
+                                        <p:cTn id="114" dur="2000" fill="hold"/>
+                                        <p:tgtEl>
+                                          <p:spTgt spid="25"/>
+                                        </p:tgtEl>
+                                        <p:attrNameLst>
+                                          <p:attrName>ppt_w</p:attrName>
+                                        </p:attrNameLst>
+                                      </p:cBhvr>
+                                      <p:tavLst>
+                                        <p:tav tm="0" fmla="#ppt_w*sin(2.5*pi*$)">
+                                          <p:val>
+                                            <p:fltVal val="0"/>
+                                          </p:val>
+                                        </p:tav>
+                                        <p:tav tm="100000">
+                                          <p:val>
+                                            <p:fltVal val="1"/>
+                                          </p:val>
+                                        </p:tav>
+                                      </p:tavLst>
+                                    </p:anim>
+                                    <p:anim calcmode="lin" valueType="num">
+                                      <p:cBhvr>
+                                        <p:cTn id="115" dur="2000" fill="hold"/>
+                                        <p:tgtEl>
+                                          <p:spTgt spid="25"/>
+                                        </p:tgtEl>
+                                        <p:attrNameLst>
+                                          <p:attrName>ppt_h</p:attrName>
+                                        </p:attrNameLst>
+                                      </p:cBhvr>
+                                      <p:tavLst>
+                                        <p:tav tm="0">
+                                          <p:val>
+                                            <p:strVal val="#ppt_h"/>
+                                          </p:val>
+                                        </p:tav>
+                                        <p:tav tm="100000">
+                                          <p:val>
+                                            <p:strVal val="#ppt_h"/>
+                                          </p:val>
+                                        </p:tav>
+                                      </p:tavLst>
+                                    </p:anim>
+                                  </p:childTnLst>
+                                </p:cTn>
+                              </p:par>
+                              <p:par>
+                                <p:cTn id="116" presetID="45" presetClass="entr" presetSubtype="0" fill="hold" grpId="0" nodeType="withEffect">
+                                  <p:stCondLst>
+                                    <p:cond delay="0"/>
+                                  </p:stCondLst>
+                                  <p:childTnLst>
+                                    <p:set>
+                                      <p:cBhvr>
+                                        <p:cTn id="117" dur="1" fill="hold">
+                                          <p:stCondLst>
+                                            <p:cond delay="0"/>
+                                          </p:stCondLst>
+                                        </p:cTn>
+                                        <p:tgtEl>
+                                          <p:spTgt spid="28"/>
+                                        </p:tgtEl>
+                                        <p:attrNameLst>
+                                          <p:attrName>style.visibility</p:attrName>
+                                        </p:attrNameLst>
+                                      </p:cBhvr>
+                                      <p:to>
+                                        <p:strVal val="visible"/>
+                                      </p:to>
+                                    </p:set>
+                                    <p:animEffect transition="in" filter="fade">
+                                      <p:cBhvr>
+                                        <p:cTn id="118" dur="2000"/>
+                                        <p:tgtEl>
+                                          <p:spTgt spid="28"/>
+                                        </p:tgtEl>
+                                      </p:cBhvr>
+                                    </p:animEffect>
+                                    <p:anim calcmode="lin" valueType="num">
+                                      <p:cBhvr>
+                                        <p:cTn id="119" dur="2000" fill="hold"/>
+                                        <p:tgtEl>
+                                          <p:spTgt spid="28"/>
+                                        </p:tgtEl>
+                                        <p:attrNameLst>
+                                          <p:attrName>ppt_w</p:attrName>
+                                        </p:attrNameLst>
+                                      </p:cBhvr>
+                                      <p:tavLst>
+                                        <p:tav tm="0" fmla="#ppt_w*sin(2.5*pi*$)">
+                                          <p:val>
+                                            <p:fltVal val="0"/>
+                                          </p:val>
+                                        </p:tav>
+                                        <p:tav tm="100000">
+                                          <p:val>
+                                            <p:fltVal val="1"/>
+                                          </p:val>
+                                        </p:tav>
+                                      </p:tavLst>
+                                    </p:anim>
+                                    <p:anim calcmode="lin" valueType="num">
+                                      <p:cBhvr>
+                                        <p:cTn id="120" dur="2000" fill="hold"/>
+                                        <p:tgtEl>
+                                          <p:spTgt spid="28"/>
+                                        </p:tgtEl>
+                                        <p:attrNameLst>
+                                          <p:attrName>ppt_h</p:attrName>
+                                        </p:attrNameLst>
+                                      </p:cBhvr>
+                                      <p:tavLst>
+                                        <p:tav tm="0">
+                                          <p:val>
+                                            <p:strVal val="#ppt_h"/>
+                                          </p:val>
+                                        </p:tav>
+                                        <p:tav tm="100000">
+                                          <p:val>
+                                            <p:strVal val="#ppt_h"/>
+                                          </p:val>
+                                        </p:tav>
+                                      </p:tavLst>
+                                    </p:anim>
+                                  </p:childTnLst>
+                                </p:cTn>
+                              </p:par>
+                            </p:childTnLst>
+                          </p:cTn>
+                        </p:par>
+                      </p:childTnLst>
+                    </p:cTn>
+                  </p:par>
+                </p:childTnLst>
+              </p:cTn>
+              <p:prevCondLst>
+                <p:cond evt="onPrev" delay="0">
+                  <p:tgtEl>
+                    <p:sldTgt/>
+                  </p:tgtEl>
+                </p:cond>
+              </p:prevCondLst>
+              <p:nextCondLst>
+                <p:cond evt="onNext" delay="0">
+                  <p:tgtEl>
+                    <p:sldTgt/>
+                  </p:tgtEl>
+                </p:cond>
+              </p:nextCondLst>
+            </p:seq>
+          </p:childTnLst>
+        </p:cTn>
+      </p:par>
+    </p:tnLst>
+    <p:bldLst>
+      <p:bldP spid="2" grpId="0" animBg="1"/>
+      <p:bldP spid="3" grpId="0" animBg="1"/>
+      <p:bldP spid="4" grpId="0" animBg="1"/>
+      <p:bldP spid="5" grpId="0" animBg="1"/>
+      <p:bldP spid="6" grpId="0" animBg="1"/>
+      <p:bldP spid="7" grpId="0" animBg="1"/>
+      <p:bldP spid="8" grpId="0" animBg="1"/>
+      <p:bldP spid="9" grpId="0" animBg="1"/>
+      <p:bldP spid="10" grpId="0" animBg="1"/>
+      <p:bldP spid="11" grpId="0" animBg="1"/>
+      <p:bldP spid="19" grpId="0" animBg="1"/>
+      <p:bldP spid="23" grpId="0" animBg="1"/>
+      <p:bldP spid="24" grpId="0" animBg="1"/>
+      <p:bldP spid="52" grpId="0" animBg="1"/>
+      <p:bldP spid="65" grpId="0" animBg="1"/>
+      <p:bldP spid="25" grpId="0" animBg="1"/>
+      <p:bldP spid="28" grpId="0" animBg="1"/>
+    </p:bldLst>
+  </p:timing>
 </p:sld>
 </file>
 
@@ -4658,12 +7147,15 @@
         </p:nvSpPr>
         <p:spPr>
           <a:xfrm>
-            <a:off x="693687" y="528801"/>
+            <a:off x="677784" y="528801"/>
             <a:ext cx="5007397" cy="6110538"/>
           </a:xfrm>
           <a:prstGeom prst="rect">
             <a:avLst/>
           </a:prstGeom>
+          <a:solidFill>
+            <a:srgbClr val="C00000"/>
+          </a:solidFill>
         </p:spPr>
         <p:style>
           <a:lnRef idx="2">
@@ -4707,7 +7199,7 @@
         </p:nvSpPr>
         <p:spPr>
           <a:xfrm>
-            <a:off x="1041619" y="902317"/>
+            <a:off x="1034630" y="902317"/>
             <a:ext cx="4293704" cy="2528826"/>
           </a:xfrm>
           <a:prstGeom prst="rect">
@@ -4759,7 +7251,7 @@
         </p:nvSpPr>
         <p:spPr>
           <a:xfrm>
-            <a:off x="2051435" y="1375571"/>
+            <a:off x="2036495" y="1375571"/>
             <a:ext cx="2305879" cy="365765"/>
           </a:xfrm>
           <a:prstGeom prst="rect">
@@ -4811,7 +7303,7 @@
         </p:nvSpPr>
         <p:spPr>
           <a:xfrm>
-            <a:off x="2051435" y="1871915"/>
+            <a:off x="2036495" y="1871915"/>
             <a:ext cx="2305878" cy="294815"/>
           </a:xfrm>
           <a:prstGeom prst="rect">
@@ -4863,7 +7355,7 @@
         </p:nvSpPr>
         <p:spPr>
           <a:xfrm>
-            <a:off x="2051435" y="2297309"/>
+            <a:off x="2036495" y="2297309"/>
             <a:ext cx="2305877" cy="363061"/>
           </a:xfrm>
           <a:prstGeom prst="rect">
@@ -4915,7 +7407,7 @@
         </p:nvSpPr>
         <p:spPr>
           <a:xfrm>
-            <a:off x="2051435" y="2790949"/>
+            <a:off x="2036495" y="2790949"/>
             <a:ext cx="2305877" cy="389614"/>
           </a:xfrm>
           <a:prstGeom prst="rect">
@@ -5019,7 +7511,7 @@
         </p:nvSpPr>
         <p:spPr>
           <a:xfrm>
-            <a:off x="2051435" y="4244082"/>
+            <a:off x="2036495" y="4244082"/>
             <a:ext cx="2305879" cy="365765"/>
           </a:xfrm>
           <a:prstGeom prst="rect">
@@ -5071,7 +7563,7 @@
         </p:nvSpPr>
         <p:spPr>
           <a:xfrm>
-            <a:off x="2051435" y="4740426"/>
+            <a:off x="2036495" y="4740426"/>
             <a:ext cx="2305878" cy="294815"/>
           </a:xfrm>
           <a:prstGeom prst="rect">
@@ -5123,7 +7615,7 @@
         </p:nvSpPr>
         <p:spPr>
           <a:xfrm>
-            <a:off x="2051435" y="5165820"/>
+            <a:off x="2036495" y="5165820"/>
             <a:ext cx="2305877" cy="363061"/>
           </a:xfrm>
           <a:prstGeom prst="rect">
@@ -5175,7 +7667,7 @@
         </p:nvSpPr>
         <p:spPr>
           <a:xfrm>
-            <a:off x="2051435" y="5659460"/>
+            <a:off x="2036495" y="5659460"/>
             <a:ext cx="2305877" cy="389614"/>
           </a:xfrm>
           <a:prstGeom prst="rect">
@@ -5233,6 +7725,9 @@
           <a:prstGeom prst="rect">
             <a:avLst/>
           </a:prstGeom>
+          <a:solidFill>
+            <a:srgbClr val="C00000"/>
+          </a:solidFill>
         </p:spPr>
         <p:style>
           <a:lnRef idx="2">
@@ -5588,7 +8083,7 @@
         </p:nvSpPr>
         <p:spPr>
           <a:xfrm>
-            <a:off x="8008285" y="4244082"/>
+            <a:off x="7993345" y="4244082"/>
             <a:ext cx="2305879" cy="365765"/>
           </a:xfrm>
           <a:prstGeom prst="rect">
@@ -5640,7 +8135,7 @@
         </p:nvSpPr>
         <p:spPr>
           <a:xfrm>
-            <a:off x="8008287" y="4740426"/>
+            <a:off x="7993347" y="4740426"/>
             <a:ext cx="2305878" cy="294815"/>
           </a:xfrm>
           <a:prstGeom prst="rect">
@@ -5692,7 +8187,7 @@
         </p:nvSpPr>
         <p:spPr>
           <a:xfrm>
-            <a:off x="8008287" y="5165820"/>
+            <a:off x="7993347" y="5165820"/>
             <a:ext cx="2305877" cy="363061"/>
           </a:xfrm>
           <a:prstGeom prst="rect">
@@ -5744,7 +8239,7 @@
         </p:nvSpPr>
         <p:spPr>
           <a:xfrm>
-            <a:off x="8008287" y="5659460"/>
+            <a:off x="7993347" y="5659460"/>
             <a:ext cx="2305877" cy="389614"/>
           </a:xfrm>
           <a:prstGeom prst="rect">
@@ -5792,6 +8287,3959 @@
   <p:clrMapOvr>
     <a:masterClrMapping/>
   </p:clrMapOvr>
+  <p:timing>
+    <p:tnLst>
+      <p:par>
+        <p:cTn id="1" dur="indefinite" restart="never" nodeType="tmRoot">
+          <p:childTnLst>
+            <p:seq concurrent="1" nextAc="seek">
+              <p:cTn id="2" dur="indefinite" nodeType="mainSeq">
+                <p:childTnLst>
+                  <p:par>
+                    <p:cTn id="3" fill="hold">
+                      <p:stCondLst>
+                        <p:cond delay="indefinite"/>
+                      </p:stCondLst>
+                      <p:childTnLst>
+                        <p:par>
+                          <p:cTn id="4" fill="hold">
+                            <p:stCondLst>
+                              <p:cond delay="0"/>
+                            </p:stCondLst>
+                            <p:childTnLst>
+                              <p:par>
+                                <p:cTn id="5" presetID="10" presetClass="entr" presetSubtype="0" fill="hold" grpId="0" nodeType="clickEffect">
+                                  <p:stCondLst>
+                                    <p:cond delay="0"/>
+                                  </p:stCondLst>
+                                  <p:childTnLst>
+                                    <p:set>
+                                      <p:cBhvr>
+                                        <p:cTn id="6" dur="1" fill="hold">
+                                          <p:stCondLst>
+                                            <p:cond delay="0"/>
+                                          </p:stCondLst>
+                                        </p:cTn>
+                                        <p:tgtEl>
+                                          <p:spTgt spid="4"/>
+                                        </p:tgtEl>
+                                        <p:attrNameLst>
+                                          <p:attrName>style.visibility</p:attrName>
+                                        </p:attrNameLst>
+                                      </p:cBhvr>
+                                      <p:to>
+                                        <p:strVal val="visible"/>
+                                      </p:to>
+                                    </p:set>
+                                    <p:animEffect transition="in" filter="fade">
+                                      <p:cBhvr>
+                                        <p:cTn id="7" dur="500"/>
+                                        <p:tgtEl>
+                                          <p:spTgt spid="4"/>
+                                        </p:tgtEl>
+                                      </p:cBhvr>
+                                    </p:animEffect>
+                                  </p:childTnLst>
+                                </p:cTn>
+                              </p:par>
+                              <p:par>
+                                <p:cTn id="8" presetID="10" presetClass="entr" presetSubtype="0" fill="hold" grpId="0" nodeType="withEffect">
+                                  <p:stCondLst>
+                                    <p:cond delay="0"/>
+                                  </p:stCondLst>
+                                  <p:childTnLst>
+                                    <p:set>
+                                      <p:cBhvr>
+                                        <p:cTn id="9" dur="1" fill="hold">
+                                          <p:stCondLst>
+                                            <p:cond delay="0"/>
+                                          </p:stCondLst>
+                                        </p:cTn>
+                                        <p:tgtEl>
+                                          <p:spTgt spid="19"/>
+                                        </p:tgtEl>
+                                        <p:attrNameLst>
+                                          <p:attrName>style.visibility</p:attrName>
+                                        </p:attrNameLst>
+                                      </p:cBhvr>
+                                      <p:to>
+                                        <p:strVal val="visible"/>
+                                      </p:to>
+                                    </p:set>
+                                    <p:animEffect transition="in" filter="fade">
+                                      <p:cBhvr>
+                                        <p:cTn id="10" dur="500"/>
+                                        <p:tgtEl>
+                                          <p:spTgt spid="19"/>
+                                        </p:tgtEl>
+                                      </p:cBhvr>
+                                    </p:animEffect>
+                                  </p:childTnLst>
+                                </p:cTn>
+                              </p:par>
+                              <p:par>
+                                <p:cTn id="11" presetID="10" presetClass="entr" presetSubtype="0" fill="hold" grpId="0" nodeType="withEffect">
+                                  <p:stCondLst>
+                                    <p:cond delay="0"/>
+                                  </p:stCondLst>
+                                  <p:childTnLst>
+                                    <p:set>
+                                      <p:cBhvr>
+                                        <p:cTn id="12" dur="1" fill="hold">
+                                          <p:stCondLst>
+                                            <p:cond delay="0"/>
+                                          </p:stCondLst>
+                                        </p:cTn>
+                                        <p:tgtEl>
+                                          <p:spTgt spid="13"/>
+                                        </p:tgtEl>
+                                        <p:attrNameLst>
+                                          <p:attrName>style.visibility</p:attrName>
+                                        </p:attrNameLst>
+                                      </p:cBhvr>
+                                      <p:to>
+                                        <p:strVal val="visible"/>
+                                      </p:to>
+                                    </p:set>
+                                    <p:animEffect transition="in" filter="fade">
+                                      <p:cBhvr>
+                                        <p:cTn id="13" dur="500"/>
+                                        <p:tgtEl>
+                                          <p:spTgt spid="13"/>
+                                        </p:tgtEl>
+                                      </p:cBhvr>
+                                    </p:animEffect>
+                                  </p:childTnLst>
+                                </p:cTn>
+                              </p:par>
+                              <p:par>
+                                <p:cTn id="14" presetID="10" presetClass="entr" presetSubtype="0" fill="hold" grpId="0" nodeType="withEffect">
+                                  <p:stCondLst>
+                                    <p:cond delay="0"/>
+                                  </p:stCondLst>
+                                  <p:childTnLst>
+                                    <p:set>
+                                      <p:cBhvr>
+                                        <p:cTn id="15" dur="1" fill="hold">
+                                          <p:stCondLst>
+                                            <p:cond delay="0"/>
+                                          </p:stCondLst>
+                                        </p:cTn>
+                                        <p:tgtEl>
+                                          <p:spTgt spid="24"/>
+                                        </p:tgtEl>
+                                        <p:attrNameLst>
+                                          <p:attrName>style.visibility</p:attrName>
+                                        </p:attrNameLst>
+                                      </p:cBhvr>
+                                      <p:to>
+                                        <p:strVal val="visible"/>
+                                      </p:to>
+                                    </p:set>
+                                    <p:animEffect transition="in" filter="fade">
+                                      <p:cBhvr>
+                                        <p:cTn id="16" dur="500"/>
+                                        <p:tgtEl>
+                                          <p:spTgt spid="24"/>
+                                        </p:tgtEl>
+                                      </p:cBhvr>
+                                    </p:animEffect>
+                                  </p:childTnLst>
+                                </p:cTn>
+                              </p:par>
+                            </p:childTnLst>
+                          </p:cTn>
+                        </p:par>
+                      </p:childTnLst>
+                    </p:cTn>
+                  </p:par>
+                  <p:par>
+                    <p:cTn id="17" fill="hold">
+                      <p:stCondLst>
+                        <p:cond delay="indefinite"/>
+                      </p:stCondLst>
+                      <p:childTnLst>
+                        <p:par>
+                          <p:cTn id="18" fill="hold">
+                            <p:stCondLst>
+                              <p:cond delay="0"/>
+                            </p:stCondLst>
+                            <p:childTnLst>
+                              <p:par>
+                                <p:cTn id="19" presetID="10" presetClass="entr" presetSubtype="0" fill="hold" grpId="0" nodeType="clickEffect">
+                                  <p:stCondLst>
+                                    <p:cond delay="0"/>
+                                  </p:stCondLst>
+                                  <p:childTnLst>
+                                    <p:set>
+                                      <p:cBhvr>
+                                        <p:cTn id="20" dur="1" fill="hold">
+                                          <p:stCondLst>
+                                            <p:cond delay="0"/>
+                                          </p:stCondLst>
+                                        </p:cTn>
+                                        <p:tgtEl>
+                                          <p:spTgt spid="5"/>
+                                        </p:tgtEl>
+                                        <p:attrNameLst>
+                                          <p:attrName>style.visibility</p:attrName>
+                                        </p:attrNameLst>
+                                      </p:cBhvr>
+                                      <p:to>
+                                        <p:strVal val="visible"/>
+                                      </p:to>
+                                    </p:set>
+                                    <p:animEffect transition="in" filter="fade">
+                                      <p:cBhvr>
+                                        <p:cTn id="21" dur="500"/>
+                                        <p:tgtEl>
+                                          <p:spTgt spid="5"/>
+                                        </p:tgtEl>
+                                      </p:cBhvr>
+                                    </p:animEffect>
+                                  </p:childTnLst>
+                                </p:cTn>
+                              </p:par>
+                              <p:par>
+                                <p:cTn id="22" presetID="10" presetClass="entr" presetSubtype="0" fill="hold" grpId="0" nodeType="withEffect">
+                                  <p:stCondLst>
+                                    <p:cond delay="0"/>
+                                  </p:stCondLst>
+                                  <p:childTnLst>
+                                    <p:set>
+                                      <p:cBhvr>
+                                        <p:cTn id="23" dur="1" fill="hold">
+                                          <p:stCondLst>
+                                            <p:cond delay="0"/>
+                                          </p:stCondLst>
+                                        </p:cTn>
+                                        <p:tgtEl>
+                                          <p:spTgt spid="8"/>
+                                        </p:tgtEl>
+                                        <p:attrNameLst>
+                                          <p:attrName>style.visibility</p:attrName>
+                                        </p:attrNameLst>
+                                      </p:cBhvr>
+                                      <p:to>
+                                        <p:strVal val="visible"/>
+                                      </p:to>
+                                    </p:set>
+                                    <p:animEffect transition="in" filter="fade">
+                                      <p:cBhvr>
+                                        <p:cTn id="24" dur="500"/>
+                                        <p:tgtEl>
+                                          <p:spTgt spid="8"/>
+                                        </p:tgtEl>
+                                      </p:cBhvr>
+                                    </p:animEffect>
+                                  </p:childTnLst>
+                                </p:cTn>
+                              </p:par>
+                              <p:par>
+                                <p:cTn id="25" presetID="10" presetClass="entr" presetSubtype="0" fill="hold" grpId="0" nodeType="withEffect">
+                                  <p:stCondLst>
+                                    <p:cond delay="0"/>
+                                  </p:stCondLst>
+                                  <p:childTnLst>
+                                    <p:set>
+                                      <p:cBhvr>
+                                        <p:cTn id="26" dur="1" fill="hold">
+                                          <p:stCondLst>
+                                            <p:cond delay="0"/>
+                                          </p:stCondLst>
+                                        </p:cTn>
+                                        <p:tgtEl>
+                                          <p:spTgt spid="9"/>
+                                        </p:tgtEl>
+                                        <p:attrNameLst>
+                                          <p:attrName>style.visibility</p:attrName>
+                                        </p:attrNameLst>
+                                      </p:cBhvr>
+                                      <p:to>
+                                        <p:strVal val="visible"/>
+                                      </p:to>
+                                    </p:set>
+                                    <p:animEffect transition="in" filter="fade">
+                                      <p:cBhvr>
+                                        <p:cTn id="27" dur="500"/>
+                                        <p:tgtEl>
+                                          <p:spTgt spid="9"/>
+                                        </p:tgtEl>
+                                      </p:cBhvr>
+                                    </p:animEffect>
+                                  </p:childTnLst>
+                                </p:cTn>
+                              </p:par>
+                              <p:par>
+                                <p:cTn id="28" presetID="10" presetClass="entr" presetSubtype="0" fill="hold" grpId="0" nodeType="withEffect">
+                                  <p:stCondLst>
+                                    <p:cond delay="0"/>
+                                  </p:stCondLst>
+                                  <p:childTnLst>
+                                    <p:set>
+                                      <p:cBhvr>
+                                        <p:cTn id="29" dur="1" fill="hold">
+                                          <p:stCondLst>
+                                            <p:cond delay="0"/>
+                                          </p:stCondLst>
+                                        </p:cTn>
+                                        <p:tgtEl>
+                                          <p:spTgt spid="10"/>
+                                        </p:tgtEl>
+                                        <p:attrNameLst>
+                                          <p:attrName>style.visibility</p:attrName>
+                                        </p:attrNameLst>
+                                      </p:cBhvr>
+                                      <p:to>
+                                        <p:strVal val="visible"/>
+                                      </p:to>
+                                    </p:set>
+                                    <p:animEffect transition="in" filter="fade">
+                                      <p:cBhvr>
+                                        <p:cTn id="30" dur="500"/>
+                                        <p:tgtEl>
+                                          <p:spTgt spid="10"/>
+                                        </p:tgtEl>
+                                      </p:cBhvr>
+                                    </p:animEffect>
+                                  </p:childTnLst>
+                                </p:cTn>
+                              </p:par>
+                              <p:par>
+                                <p:cTn id="31" presetID="10" presetClass="entr" presetSubtype="0" fill="hold" grpId="0" nodeType="withEffect">
+                                  <p:stCondLst>
+                                    <p:cond delay="0"/>
+                                  </p:stCondLst>
+                                  <p:childTnLst>
+                                    <p:set>
+                                      <p:cBhvr>
+                                        <p:cTn id="32" dur="1" fill="hold">
+                                          <p:stCondLst>
+                                            <p:cond delay="0"/>
+                                          </p:stCondLst>
+                                        </p:cTn>
+                                        <p:tgtEl>
+                                          <p:spTgt spid="14"/>
+                                        </p:tgtEl>
+                                        <p:attrNameLst>
+                                          <p:attrName>style.visibility</p:attrName>
+                                        </p:attrNameLst>
+                                      </p:cBhvr>
+                                      <p:to>
+                                        <p:strVal val="visible"/>
+                                      </p:to>
+                                    </p:set>
+                                    <p:animEffect transition="in" filter="fade">
+                                      <p:cBhvr>
+                                        <p:cTn id="33" dur="500"/>
+                                        <p:tgtEl>
+                                          <p:spTgt spid="14"/>
+                                        </p:tgtEl>
+                                      </p:cBhvr>
+                                    </p:animEffect>
+                                  </p:childTnLst>
+                                </p:cTn>
+                              </p:par>
+                              <p:par>
+                                <p:cTn id="34" presetID="10" presetClass="entr" presetSubtype="0" fill="hold" grpId="0" nodeType="withEffect">
+                                  <p:stCondLst>
+                                    <p:cond delay="0"/>
+                                  </p:stCondLst>
+                                  <p:childTnLst>
+                                    <p:set>
+                                      <p:cBhvr>
+                                        <p:cTn id="35" dur="1" fill="hold">
+                                          <p:stCondLst>
+                                            <p:cond delay="0"/>
+                                          </p:stCondLst>
+                                        </p:cTn>
+                                        <p:tgtEl>
+                                          <p:spTgt spid="15"/>
+                                        </p:tgtEl>
+                                        <p:attrNameLst>
+                                          <p:attrName>style.visibility</p:attrName>
+                                        </p:attrNameLst>
+                                      </p:cBhvr>
+                                      <p:to>
+                                        <p:strVal val="visible"/>
+                                      </p:to>
+                                    </p:set>
+                                    <p:animEffect transition="in" filter="fade">
+                                      <p:cBhvr>
+                                        <p:cTn id="36" dur="500"/>
+                                        <p:tgtEl>
+                                          <p:spTgt spid="15"/>
+                                        </p:tgtEl>
+                                      </p:cBhvr>
+                                    </p:animEffect>
+                                  </p:childTnLst>
+                                </p:cTn>
+                              </p:par>
+                              <p:par>
+                                <p:cTn id="37" presetID="10" presetClass="entr" presetSubtype="0" fill="hold" grpId="0" nodeType="withEffect">
+                                  <p:stCondLst>
+                                    <p:cond delay="0"/>
+                                  </p:stCondLst>
+                                  <p:childTnLst>
+                                    <p:set>
+                                      <p:cBhvr>
+                                        <p:cTn id="38" dur="1" fill="hold">
+                                          <p:stCondLst>
+                                            <p:cond delay="0"/>
+                                          </p:stCondLst>
+                                        </p:cTn>
+                                        <p:tgtEl>
+                                          <p:spTgt spid="16"/>
+                                        </p:tgtEl>
+                                        <p:attrNameLst>
+                                          <p:attrName>style.visibility</p:attrName>
+                                        </p:attrNameLst>
+                                      </p:cBhvr>
+                                      <p:to>
+                                        <p:strVal val="visible"/>
+                                      </p:to>
+                                    </p:set>
+                                    <p:animEffect transition="in" filter="fade">
+                                      <p:cBhvr>
+                                        <p:cTn id="39" dur="500"/>
+                                        <p:tgtEl>
+                                          <p:spTgt spid="16"/>
+                                        </p:tgtEl>
+                                      </p:cBhvr>
+                                    </p:animEffect>
+                                  </p:childTnLst>
+                                </p:cTn>
+                              </p:par>
+                              <p:par>
+                                <p:cTn id="40" presetID="10" presetClass="entr" presetSubtype="0" fill="hold" grpId="0" nodeType="withEffect">
+                                  <p:stCondLst>
+                                    <p:cond delay="0"/>
+                                  </p:stCondLst>
+                                  <p:childTnLst>
+                                    <p:set>
+                                      <p:cBhvr>
+                                        <p:cTn id="41" dur="1" fill="hold">
+                                          <p:stCondLst>
+                                            <p:cond delay="0"/>
+                                          </p:stCondLst>
+                                        </p:cTn>
+                                        <p:tgtEl>
+                                          <p:spTgt spid="17"/>
+                                        </p:tgtEl>
+                                        <p:attrNameLst>
+                                          <p:attrName>style.visibility</p:attrName>
+                                        </p:attrNameLst>
+                                      </p:cBhvr>
+                                      <p:to>
+                                        <p:strVal val="visible"/>
+                                      </p:to>
+                                    </p:set>
+                                    <p:animEffect transition="in" filter="fade">
+                                      <p:cBhvr>
+                                        <p:cTn id="42" dur="500"/>
+                                        <p:tgtEl>
+                                          <p:spTgt spid="17"/>
+                                        </p:tgtEl>
+                                      </p:cBhvr>
+                                    </p:animEffect>
+                                  </p:childTnLst>
+                                </p:cTn>
+                              </p:par>
+                              <p:par>
+                                <p:cTn id="43" presetID="10" presetClass="entr" presetSubtype="0" fill="hold" grpId="0" nodeType="withEffect">
+                                  <p:stCondLst>
+                                    <p:cond delay="0"/>
+                                  </p:stCondLst>
+                                  <p:childTnLst>
+                                    <p:set>
+                                      <p:cBhvr>
+                                        <p:cTn id="44" dur="1" fill="hold">
+                                          <p:stCondLst>
+                                            <p:cond delay="0"/>
+                                          </p:stCondLst>
+                                        </p:cTn>
+                                        <p:tgtEl>
+                                          <p:spTgt spid="28"/>
+                                        </p:tgtEl>
+                                        <p:attrNameLst>
+                                          <p:attrName>style.visibility</p:attrName>
+                                        </p:attrNameLst>
+                                      </p:cBhvr>
+                                      <p:to>
+                                        <p:strVal val="visible"/>
+                                      </p:to>
+                                    </p:set>
+                                    <p:animEffect transition="in" filter="fade">
+                                      <p:cBhvr>
+                                        <p:cTn id="45" dur="500"/>
+                                        <p:tgtEl>
+                                          <p:spTgt spid="28"/>
+                                        </p:tgtEl>
+                                      </p:cBhvr>
+                                    </p:animEffect>
+                                  </p:childTnLst>
+                                </p:cTn>
+                              </p:par>
+                              <p:par>
+                                <p:cTn id="46" presetID="10" presetClass="entr" presetSubtype="0" fill="hold" grpId="0" nodeType="withEffect">
+                                  <p:stCondLst>
+                                    <p:cond delay="0"/>
+                                  </p:stCondLst>
+                                  <p:childTnLst>
+                                    <p:set>
+                                      <p:cBhvr>
+                                        <p:cTn id="47" dur="1" fill="hold">
+                                          <p:stCondLst>
+                                            <p:cond delay="0"/>
+                                          </p:stCondLst>
+                                        </p:cTn>
+                                        <p:tgtEl>
+                                          <p:spTgt spid="27"/>
+                                        </p:tgtEl>
+                                        <p:attrNameLst>
+                                          <p:attrName>style.visibility</p:attrName>
+                                        </p:attrNameLst>
+                                      </p:cBhvr>
+                                      <p:to>
+                                        <p:strVal val="visible"/>
+                                      </p:to>
+                                    </p:set>
+                                    <p:animEffect transition="in" filter="fade">
+                                      <p:cBhvr>
+                                        <p:cTn id="48" dur="500"/>
+                                        <p:tgtEl>
+                                          <p:spTgt spid="27"/>
+                                        </p:tgtEl>
+                                      </p:cBhvr>
+                                    </p:animEffect>
+                                  </p:childTnLst>
+                                </p:cTn>
+                              </p:par>
+                              <p:par>
+                                <p:cTn id="49" presetID="10" presetClass="entr" presetSubtype="0" fill="hold" grpId="0" nodeType="withEffect">
+                                  <p:stCondLst>
+                                    <p:cond delay="0"/>
+                                  </p:stCondLst>
+                                  <p:childTnLst>
+                                    <p:set>
+                                      <p:cBhvr>
+                                        <p:cTn id="50" dur="1" fill="hold">
+                                          <p:stCondLst>
+                                            <p:cond delay="0"/>
+                                          </p:stCondLst>
+                                        </p:cTn>
+                                        <p:tgtEl>
+                                          <p:spTgt spid="26"/>
+                                        </p:tgtEl>
+                                        <p:attrNameLst>
+                                          <p:attrName>style.visibility</p:attrName>
+                                        </p:attrNameLst>
+                                      </p:cBhvr>
+                                      <p:to>
+                                        <p:strVal val="visible"/>
+                                      </p:to>
+                                    </p:set>
+                                    <p:animEffect transition="in" filter="fade">
+                                      <p:cBhvr>
+                                        <p:cTn id="51" dur="500"/>
+                                        <p:tgtEl>
+                                          <p:spTgt spid="26"/>
+                                        </p:tgtEl>
+                                      </p:cBhvr>
+                                    </p:animEffect>
+                                  </p:childTnLst>
+                                </p:cTn>
+                              </p:par>
+                              <p:par>
+                                <p:cTn id="52" presetID="10" presetClass="entr" presetSubtype="0" fill="hold" grpId="0" nodeType="withEffect">
+                                  <p:stCondLst>
+                                    <p:cond delay="0"/>
+                                  </p:stCondLst>
+                                  <p:childTnLst>
+                                    <p:set>
+                                      <p:cBhvr>
+                                        <p:cTn id="53" dur="1" fill="hold">
+                                          <p:stCondLst>
+                                            <p:cond delay="0"/>
+                                          </p:stCondLst>
+                                        </p:cTn>
+                                        <p:tgtEl>
+                                          <p:spTgt spid="25"/>
+                                        </p:tgtEl>
+                                        <p:attrNameLst>
+                                          <p:attrName>style.visibility</p:attrName>
+                                        </p:attrNameLst>
+                                      </p:cBhvr>
+                                      <p:to>
+                                        <p:strVal val="visible"/>
+                                      </p:to>
+                                    </p:set>
+                                    <p:animEffect transition="in" filter="fade">
+                                      <p:cBhvr>
+                                        <p:cTn id="54" dur="500"/>
+                                        <p:tgtEl>
+                                          <p:spTgt spid="25"/>
+                                        </p:tgtEl>
+                                      </p:cBhvr>
+                                    </p:animEffect>
+                                  </p:childTnLst>
+                                </p:cTn>
+                              </p:par>
+                              <p:par>
+                                <p:cTn id="55" presetID="10" presetClass="entr" presetSubtype="0" fill="hold" grpId="0" nodeType="withEffect">
+                                  <p:stCondLst>
+                                    <p:cond delay="0"/>
+                                  </p:stCondLst>
+                                  <p:childTnLst>
+                                    <p:set>
+                                      <p:cBhvr>
+                                        <p:cTn id="56" dur="1" fill="hold">
+                                          <p:stCondLst>
+                                            <p:cond delay="0"/>
+                                          </p:stCondLst>
+                                        </p:cTn>
+                                        <p:tgtEl>
+                                          <p:spTgt spid="23"/>
+                                        </p:tgtEl>
+                                        <p:attrNameLst>
+                                          <p:attrName>style.visibility</p:attrName>
+                                        </p:attrNameLst>
+                                      </p:cBhvr>
+                                      <p:to>
+                                        <p:strVal val="visible"/>
+                                      </p:to>
+                                    </p:set>
+                                    <p:animEffect transition="in" filter="fade">
+                                      <p:cBhvr>
+                                        <p:cTn id="57" dur="500"/>
+                                        <p:tgtEl>
+                                          <p:spTgt spid="23"/>
+                                        </p:tgtEl>
+                                      </p:cBhvr>
+                                    </p:animEffect>
+                                  </p:childTnLst>
+                                </p:cTn>
+                              </p:par>
+                              <p:par>
+                                <p:cTn id="58" presetID="10" presetClass="entr" presetSubtype="0" fill="hold" grpId="0" nodeType="withEffect">
+                                  <p:stCondLst>
+                                    <p:cond delay="0"/>
+                                  </p:stCondLst>
+                                  <p:childTnLst>
+                                    <p:set>
+                                      <p:cBhvr>
+                                        <p:cTn id="59" dur="1" fill="hold">
+                                          <p:stCondLst>
+                                            <p:cond delay="0"/>
+                                          </p:stCondLst>
+                                        </p:cTn>
+                                        <p:tgtEl>
+                                          <p:spTgt spid="22"/>
+                                        </p:tgtEl>
+                                        <p:attrNameLst>
+                                          <p:attrName>style.visibility</p:attrName>
+                                        </p:attrNameLst>
+                                      </p:cBhvr>
+                                      <p:to>
+                                        <p:strVal val="visible"/>
+                                      </p:to>
+                                    </p:set>
+                                    <p:animEffect transition="in" filter="fade">
+                                      <p:cBhvr>
+                                        <p:cTn id="60" dur="500"/>
+                                        <p:tgtEl>
+                                          <p:spTgt spid="22"/>
+                                        </p:tgtEl>
+                                      </p:cBhvr>
+                                    </p:animEffect>
+                                  </p:childTnLst>
+                                </p:cTn>
+                              </p:par>
+                              <p:par>
+                                <p:cTn id="61" presetID="10" presetClass="entr" presetSubtype="0" fill="hold" grpId="0" nodeType="withEffect">
+                                  <p:stCondLst>
+                                    <p:cond delay="0"/>
+                                  </p:stCondLst>
+                                  <p:childTnLst>
+                                    <p:set>
+                                      <p:cBhvr>
+                                        <p:cTn id="62" dur="1" fill="hold">
+                                          <p:stCondLst>
+                                            <p:cond delay="0"/>
+                                          </p:stCondLst>
+                                        </p:cTn>
+                                        <p:tgtEl>
+                                          <p:spTgt spid="21"/>
+                                        </p:tgtEl>
+                                        <p:attrNameLst>
+                                          <p:attrName>style.visibility</p:attrName>
+                                        </p:attrNameLst>
+                                      </p:cBhvr>
+                                      <p:to>
+                                        <p:strVal val="visible"/>
+                                      </p:to>
+                                    </p:set>
+                                    <p:animEffect transition="in" filter="fade">
+                                      <p:cBhvr>
+                                        <p:cTn id="63" dur="500"/>
+                                        <p:tgtEl>
+                                          <p:spTgt spid="21"/>
+                                        </p:tgtEl>
+                                      </p:cBhvr>
+                                    </p:animEffect>
+                                  </p:childTnLst>
+                                </p:cTn>
+                              </p:par>
+                              <p:par>
+                                <p:cTn id="64" presetID="10" presetClass="entr" presetSubtype="0" fill="hold" grpId="0" nodeType="withEffect">
+                                  <p:stCondLst>
+                                    <p:cond delay="0"/>
+                                  </p:stCondLst>
+                                  <p:childTnLst>
+                                    <p:set>
+                                      <p:cBhvr>
+                                        <p:cTn id="65" dur="1" fill="hold">
+                                          <p:stCondLst>
+                                            <p:cond delay="0"/>
+                                          </p:stCondLst>
+                                        </p:cTn>
+                                        <p:tgtEl>
+                                          <p:spTgt spid="20"/>
+                                        </p:tgtEl>
+                                        <p:attrNameLst>
+                                          <p:attrName>style.visibility</p:attrName>
+                                        </p:attrNameLst>
+                                      </p:cBhvr>
+                                      <p:to>
+                                        <p:strVal val="visible"/>
+                                      </p:to>
+                                    </p:set>
+                                    <p:animEffect transition="in" filter="fade">
+                                      <p:cBhvr>
+                                        <p:cTn id="66" dur="500"/>
+                                        <p:tgtEl>
+                                          <p:spTgt spid="20"/>
+                                        </p:tgtEl>
+                                      </p:cBhvr>
+                                    </p:animEffect>
+                                  </p:childTnLst>
+                                </p:cTn>
+                              </p:par>
+                            </p:childTnLst>
+                          </p:cTn>
+                        </p:par>
+                      </p:childTnLst>
+                    </p:cTn>
+                  </p:par>
+                </p:childTnLst>
+              </p:cTn>
+              <p:prevCondLst>
+                <p:cond evt="onPrev" delay="0">
+                  <p:tgtEl>
+                    <p:sldTgt/>
+                  </p:tgtEl>
+                </p:cond>
+              </p:prevCondLst>
+              <p:nextCondLst>
+                <p:cond evt="onNext" delay="0">
+                  <p:tgtEl>
+                    <p:sldTgt/>
+                  </p:tgtEl>
+                </p:cond>
+              </p:nextCondLst>
+            </p:seq>
+          </p:childTnLst>
+        </p:cTn>
+      </p:par>
+    </p:tnLst>
+    <p:bldLst>
+      <p:bldP spid="4" grpId="0" animBg="1"/>
+      <p:bldP spid="5" grpId="0" animBg="1"/>
+      <p:bldP spid="8" grpId="0" animBg="1"/>
+      <p:bldP spid="9" grpId="0" animBg="1"/>
+      <p:bldP spid="10" grpId="0" animBg="1"/>
+      <p:bldP spid="13" grpId="0" animBg="1"/>
+      <p:bldP spid="14" grpId="0" animBg="1"/>
+      <p:bldP spid="15" grpId="0" animBg="1"/>
+      <p:bldP spid="16" grpId="0" animBg="1"/>
+      <p:bldP spid="17" grpId="0" animBg="1"/>
+      <p:bldP spid="19" grpId="0" animBg="1"/>
+      <p:bldP spid="20" grpId="0" animBg="1"/>
+      <p:bldP spid="21" grpId="0" animBg="1"/>
+      <p:bldP spid="22" grpId="0" animBg="1"/>
+      <p:bldP spid="23" grpId="0" animBg="1"/>
+      <p:bldP spid="24" grpId="0" animBg="1"/>
+      <p:bldP spid="25" grpId="0" animBg="1"/>
+      <p:bldP spid="26" grpId="0" animBg="1"/>
+      <p:bldP spid="27" grpId="0" animBg="1"/>
+      <p:bldP spid="28" grpId="0" animBg="1"/>
+    </p:bldLst>
+  </p:timing>
+</p:sld>
+</file>
+
+<file path=ppt/slides/slide4.xml><?xml version="1.0" encoding="utf-8"?>
+<p:sld xmlns:a="http://schemas.openxmlformats.org/drawingml/2006/main" xmlns:r="http://schemas.openxmlformats.org/officeDocument/2006/relationships" xmlns:p="http://schemas.openxmlformats.org/presentationml/2006/main">
+  <p:cSld>
+    <p:spTree>
+      <p:nvGrpSpPr>
+        <p:cNvPr id="1" name=""/>
+        <p:cNvGrpSpPr/>
+        <p:nvPr/>
+      </p:nvGrpSpPr>
+      <p:grpSpPr>
+        <a:xfrm>
+          <a:off x="0" y="0"/>
+          <a:ext cx="0" cy="0"/>
+          <a:chOff x="0" y="0"/>
+          <a:chExt cx="0" cy="0"/>
+        </a:xfrm>
+      </p:grpSpPr>
+      <p:sp>
+        <p:nvSpPr>
+          <p:cNvPr id="2" name="Flowchart: Process 1">
+            <a:extLst>
+              <a:ext uri="{FF2B5EF4-FFF2-40B4-BE49-F238E27FC236}">
+                <a16:creationId xmlns:a16="http://schemas.microsoft.com/office/drawing/2014/main" id="{E75240E3-5A70-4A38-865F-9B1715399FF7}"/>
+              </a:ext>
+            </a:extLst>
+          </p:cNvPr>
+          <p:cNvSpPr/>
+          <p:nvPr/>
+        </p:nvSpPr>
+        <p:spPr>
+          <a:xfrm>
+            <a:off x="675861" y="166976"/>
+            <a:ext cx="4492485" cy="795130"/>
+          </a:xfrm>
+          <a:prstGeom prst="flowChartProcess">
+            <a:avLst/>
+          </a:prstGeom>
+        </p:spPr>
+        <p:style>
+          <a:lnRef idx="2">
+            <a:schemeClr val="accent1">
+              <a:shade val="50000"/>
+            </a:schemeClr>
+          </a:lnRef>
+          <a:fillRef idx="1">
+            <a:schemeClr val="accent1"/>
+          </a:fillRef>
+          <a:effectRef idx="0">
+            <a:schemeClr val="accent1"/>
+          </a:effectRef>
+          <a:fontRef idx="minor">
+            <a:schemeClr val="lt1"/>
+          </a:fontRef>
+        </p:style>
+        <p:txBody>
+          <a:bodyPr rtlCol="0" anchor="ctr"/>
+          <a:lstStyle/>
+          <a:p>
+            <a:pPr algn="ctr"/>
+            <a:r>
+              <a:rPr lang="en-GB" dirty="0"/>
+              <a:t>Customer UI</a:t>
+            </a:r>
+          </a:p>
+        </p:txBody>
+      </p:sp>
+      <p:sp>
+        <p:nvSpPr>
+          <p:cNvPr id="3" name="Flowchart: Process 2">
+            <a:extLst>
+              <a:ext uri="{FF2B5EF4-FFF2-40B4-BE49-F238E27FC236}">
+                <a16:creationId xmlns:a16="http://schemas.microsoft.com/office/drawing/2014/main" id="{E302C8E3-95FE-4C01-9E5E-7D2E326CD4E5}"/>
+              </a:ext>
+            </a:extLst>
+          </p:cNvPr>
+          <p:cNvSpPr/>
+          <p:nvPr/>
+        </p:nvSpPr>
+        <p:spPr>
+          <a:xfrm>
+            <a:off x="7383451" y="166976"/>
+            <a:ext cx="4274487" cy="795130"/>
+          </a:xfrm>
+          <a:prstGeom prst="flowChartProcess">
+            <a:avLst/>
+          </a:prstGeom>
+        </p:spPr>
+        <p:style>
+          <a:lnRef idx="2">
+            <a:schemeClr val="accent1">
+              <a:shade val="50000"/>
+            </a:schemeClr>
+          </a:lnRef>
+          <a:fillRef idx="1">
+            <a:schemeClr val="accent1"/>
+          </a:fillRef>
+          <a:effectRef idx="0">
+            <a:schemeClr val="accent1"/>
+          </a:effectRef>
+          <a:fontRef idx="minor">
+            <a:schemeClr val="lt1"/>
+          </a:fontRef>
+        </p:style>
+        <p:txBody>
+          <a:bodyPr rtlCol="0" anchor="ctr"/>
+          <a:lstStyle/>
+          <a:p>
+            <a:pPr algn="ctr"/>
+            <a:r>
+              <a:rPr lang="en-GB" dirty="0"/>
+              <a:t>Shop UI</a:t>
+            </a:r>
+          </a:p>
+        </p:txBody>
+      </p:sp>
+      <p:sp>
+        <p:nvSpPr>
+          <p:cNvPr id="4" name="Flowchart: Process 3">
+            <a:extLst>
+              <a:ext uri="{FF2B5EF4-FFF2-40B4-BE49-F238E27FC236}">
+                <a16:creationId xmlns:a16="http://schemas.microsoft.com/office/drawing/2014/main" id="{C22241D4-25E7-4116-830E-BFA29A4C7286}"/>
+              </a:ext>
+            </a:extLst>
+          </p:cNvPr>
+          <p:cNvSpPr/>
+          <p:nvPr/>
+        </p:nvSpPr>
+        <p:spPr>
+          <a:xfrm>
+            <a:off x="675862" y="1073423"/>
+            <a:ext cx="10982076" cy="858741"/>
+          </a:xfrm>
+          <a:prstGeom prst="flowChartProcess">
+            <a:avLst/>
+          </a:prstGeom>
+        </p:spPr>
+        <p:style>
+          <a:lnRef idx="2">
+            <a:schemeClr val="accent1">
+              <a:shade val="50000"/>
+            </a:schemeClr>
+          </a:lnRef>
+          <a:fillRef idx="1">
+            <a:schemeClr val="accent1"/>
+          </a:fillRef>
+          <a:effectRef idx="0">
+            <a:schemeClr val="accent1"/>
+          </a:effectRef>
+          <a:fontRef idx="minor">
+            <a:schemeClr val="lt1"/>
+          </a:fontRef>
+        </p:style>
+        <p:txBody>
+          <a:bodyPr rtlCol="0" anchor="ctr"/>
+          <a:lstStyle/>
+          <a:p>
+            <a:pPr algn="ctr"/>
+            <a:r>
+              <a:rPr lang="en-GB" dirty="0"/>
+              <a:t>API</a:t>
+            </a:r>
+          </a:p>
+        </p:txBody>
+      </p:sp>
+      <p:sp>
+        <p:nvSpPr>
+          <p:cNvPr id="5" name="Rectangle 4">
+            <a:extLst>
+              <a:ext uri="{FF2B5EF4-FFF2-40B4-BE49-F238E27FC236}">
+                <a16:creationId xmlns:a16="http://schemas.microsoft.com/office/drawing/2014/main" id="{3D0E1D26-32EF-4DC1-81AC-282408A85534}"/>
+              </a:ext>
+            </a:extLst>
+          </p:cNvPr>
+          <p:cNvSpPr/>
+          <p:nvPr/>
+        </p:nvSpPr>
+        <p:spPr>
+          <a:xfrm>
+            <a:off x="1832715" y="2656801"/>
+            <a:ext cx="1245045" cy="1319917"/>
+          </a:xfrm>
+          <a:prstGeom prst="rect">
+            <a:avLst/>
+          </a:prstGeom>
+        </p:spPr>
+        <p:style>
+          <a:lnRef idx="2">
+            <a:schemeClr val="accent1">
+              <a:shade val="50000"/>
+            </a:schemeClr>
+          </a:lnRef>
+          <a:fillRef idx="1">
+            <a:schemeClr val="accent1"/>
+          </a:fillRef>
+          <a:effectRef idx="0">
+            <a:schemeClr val="accent1"/>
+          </a:effectRef>
+          <a:fontRef idx="minor">
+            <a:schemeClr val="lt1"/>
+          </a:fontRef>
+        </p:style>
+        <p:txBody>
+          <a:bodyPr rtlCol="0" anchor="ctr"/>
+          <a:lstStyle/>
+          <a:p>
+            <a:pPr algn="ctr"/>
+            <a:r>
+              <a:rPr lang="en-GB" sz="1400" dirty="0"/>
+              <a:t>Identity</a:t>
+            </a:r>
+          </a:p>
+        </p:txBody>
+      </p:sp>
+      <p:sp>
+        <p:nvSpPr>
+          <p:cNvPr id="6" name="Rectangle 5">
+            <a:extLst>
+              <a:ext uri="{FF2B5EF4-FFF2-40B4-BE49-F238E27FC236}">
+                <a16:creationId xmlns:a16="http://schemas.microsoft.com/office/drawing/2014/main" id="{CC286BAC-D333-44AC-8E6A-FA4C95236290}"/>
+              </a:ext>
+            </a:extLst>
+          </p:cNvPr>
+          <p:cNvSpPr/>
+          <p:nvPr/>
+        </p:nvSpPr>
+        <p:spPr>
+          <a:xfrm>
+            <a:off x="3262745" y="2656801"/>
+            <a:ext cx="1245045" cy="1319917"/>
+          </a:xfrm>
+          <a:prstGeom prst="rect">
+            <a:avLst/>
+          </a:prstGeom>
+        </p:spPr>
+        <p:style>
+          <a:lnRef idx="2">
+            <a:schemeClr val="accent1">
+              <a:shade val="50000"/>
+            </a:schemeClr>
+          </a:lnRef>
+          <a:fillRef idx="1">
+            <a:schemeClr val="accent1"/>
+          </a:fillRef>
+          <a:effectRef idx="0">
+            <a:schemeClr val="accent1"/>
+          </a:effectRef>
+          <a:fontRef idx="minor">
+            <a:schemeClr val="lt1"/>
+          </a:fontRef>
+        </p:style>
+        <p:txBody>
+          <a:bodyPr rtlCol="0" anchor="ctr"/>
+          <a:lstStyle/>
+          <a:p>
+            <a:pPr algn="ctr"/>
+            <a:r>
+              <a:rPr lang="en-GB" sz="1400" dirty="0"/>
+              <a:t>Billing</a:t>
+            </a:r>
+          </a:p>
+        </p:txBody>
+      </p:sp>
+      <p:sp>
+        <p:nvSpPr>
+          <p:cNvPr id="7" name="Rectangle 6">
+            <a:extLst>
+              <a:ext uri="{FF2B5EF4-FFF2-40B4-BE49-F238E27FC236}">
+                <a16:creationId xmlns:a16="http://schemas.microsoft.com/office/drawing/2014/main" id="{15773FA2-37DC-4416-9360-2D9177E8F17D}"/>
+              </a:ext>
+            </a:extLst>
+          </p:cNvPr>
+          <p:cNvSpPr/>
+          <p:nvPr/>
+        </p:nvSpPr>
+        <p:spPr>
+          <a:xfrm>
+            <a:off x="4692775" y="2656801"/>
+            <a:ext cx="1245045" cy="1319917"/>
+          </a:xfrm>
+          <a:prstGeom prst="rect">
+            <a:avLst/>
+          </a:prstGeom>
+        </p:spPr>
+        <p:style>
+          <a:lnRef idx="2">
+            <a:schemeClr val="accent1">
+              <a:shade val="50000"/>
+            </a:schemeClr>
+          </a:lnRef>
+          <a:fillRef idx="1">
+            <a:schemeClr val="accent1"/>
+          </a:fillRef>
+          <a:effectRef idx="0">
+            <a:schemeClr val="accent1"/>
+          </a:effectRef>
+          <a:fontRef idx="minor">
+            <a:schemeClr val="lt1"/>
+          </a:fontRef>
+        </p:style>
+        <p:txBody>
+          <a:bodyPr rtlCol="0" anchor="ctr"/>
+          <a:lstStyle/>
+          <a:p>
+            <a:pPr algn="ctr"/>
+            <a:r>
+              <a:rPr lang="en-GB" sz="1400" dirty="0"/>
+              <a:t>Payment Integration </a:t>
+            </a:r>
+          </a:p>
+        </p:txBody>
+      </p:sp>
+      <p:sp>
+        <p:nvSpPr>
+          <p:cNvPr id="8" name="Rectangle 7">
+            <a:extLst>
+              <a:ext uri="{FF2B5EF4-FFF2-40B4-BE49-F238E27FC236}">
+                <a16:creationId xmlns:a16="http://schemas.microsoft.com/office/drawing/2014/main" id="{696A63C3-73F8-48A5-ABE0-6B89A160C7AE}"/>
+              </a:ext>
+            </a:extLst>
+          </p:cNvPr>
+          <p:cNvSpPr/>
+          <p:nvPr/>
+        </p:nvSpPr>
+        <p:spPr>
+          <a:xfrm>
+            <a:off x="8982864" y="2656800"/>
+            <a:ext cx="1245045" cy="1319917"/>
+          </a:xfrm>
+          <a:prstGeom prst="rect">
+            <a:avLst/>
+          </a:prstGeom>
+        </p:spPr>
+        <p:style>
+          <a:lnRef idx="2">
+            <a:schemeClr val="accent1">
+              <a:shade val="50000"/>
+            </a:schemeClr>
+          </a:lnRef>
+          <a:fillRef idx="1">
+            <a:schemeClr val="accent1"/>
+          </a:fillRef>
+          <a:effectRef idx="0">
+            <a:schemeClr val="accent1"/>
+          </a:effectRef>
+          <a:fontRef idx="minor">
+            <a:schemeClr val="lt1"/>
+          </a:fontRef>
+        </p:style>
+        <p:txBody>
+          <a:bodyPr rtlCol="0" anchor="ctr"/>
+          <a:lstStyle/>
+          <a:p>
+            <a:pPr algn="ctr"/>
+            <a:r>
+              <a:rPr lang="en-GB" sz="1400" dirty="0"/>
+              <a:t>Document</a:t>
+            </a:r>
+          </a:p>
+        </p:txBody>
+      </p:sp>
+      <p:sp>
+        <p:nvSpPr>
+          <p:cNvPr id="9" name="Rectangle 8">
+            <a:extLst>
+              <a:ext uri="{FF2B5EF4-FFF2-40B4-BE49-F238E27FC236}">
+                <a16:creationId xmlns:a16="http://schemas.microsoft.com/office/drawing/2014/main" id="{796F7A63-9C81-4F77-9954-FC764B10DA48}"/>
+              </a:ext>
+            </a:extLst>
+          </p:cNvPr>
+          <p:cNvSpPr/>
+          <p:nvPr/>
+        </p:nvSpPr>
+        <p:spPr>
+          <a:xfrm>
+            <a:off x="6122805" y="2656806"/>
+            <a:ext cx="1245045" cy="1319917"/>
+          </a:xfrm>
+          <a:prstGeom prst="rect">
+            <a:avLst/>
+          </a:prstGeom>
+        </p:spPr>
+        <p:style>
+          <a:lnRef idx="2">
+            <a:schemeClr val="accent1">
+              <a:shade val="50000"/>
+            </a:schemeClr>
+          </a:lnRef>
+          <a:fillRef idx="1">
+            <a:schemeClr val="accent1"/>
+          </a:fillRef>
+          <a:effectRef idx="0">
+            <a:schemeClr val="accent1"/>
+          </a:effectRef>
+          <a:fontRef idx="minor">
+            <a:schemeClr val="lt1"/>
+          </a:fontRef>
+        </p:style>
+        <p:txBody>
+          <a:bodyPr rtlCol="0" anchor="ctr"/>
+          <a:lstStyle/>
+          <a:p>
+            <a:pPr algn="ctr"/>
+            <a:r>
+              <a:rPr lang="en-GB" sz="1400" dirty="0"/>
+              <a:t>Word Processor</a:t>
+            </a:r>
+          </a:p>
+          <a:p>
+            <a:pPr algn="ctr"/>
+            <a:r>
+              <a:rPr lang="en-GB" sz="1400" dirty="0"/>
+              <a:t>Integration </a:t>
+            </a:r>
+          </a:p>
+        </p:txBody>
+      </p:sp>
+      <p:sp>
+        <p:nvSpPr>
+          <p:cNvPr id="10" name="Rectangle 9">
+            <a:extLst>
+              <a:ext uri="{FF2B5EF4-FFF2-40B4-BE49-F238E27FC236}">
+                <a16:creationId xmlns:a16="http://schemas.microsoft.com/office/drawing/2014/main" id="{1E3D3DD9-59F9-41F3-9ED1-D76EA8FB29A0}"/>
+              </a:ext>
+            </a:extLst>
+          </p:cNvPr>
+          <p:cNvSpPr/>
+          <p:nvPr/>
+        </p:nvSpPr>
+        <p:spPr>
+          <a:xfrm>
+            <a:off x="7552835" y="2656805"/>
+            <a:ext cx="1245045" cy="1319917"/>
+          </a:xfrm>
+          <a:prstGeom prst="rect">
+            <a:avLst/>
+          </a:prstGeom>
+        </p:spPr>
+        <p:style>
+          <a:lnRef idx="2">
+            <a:schemeClr val="accent1">
+              <a:shade val="50000"/>
+            </a:schemeClr>
+          </a:lnRef>
+          <a:fillRef idx="1">
+            <a:schemeClr val="accent1"/>
+          </a:fillRef>
+          <a:effectRef idx="0">
+            <a:schemeClr val="accent1"/>
+          </a:effectRef>
+          <a:fontRef idx="minor">
+            <a:schemeClr val="lt1"/>
+          </a:fontRef>
+        </p:style>
+        <p:txBody>
+          <a:bodyPr rtlCol="0" anchor="ctr"/>
+          <a:lstStyle/>
+          <a:p>
+            <a:pPr algn="ctr"/>
+            <a:r>
+              <a:rPr lang="en-GB" sz="1200" dirty="0"/>
+              <a:t>Notifications</a:t>
+            </a:r>
+          </a:p>
+        </p:txBody>
+      </p:sp>
+      <p:sp>
+        <p:nvSpPr>
+          <p:cNvPr id="11" name="Rectangle 10">
+            <a:extLst>
+              <a:ext uri="{FF2B5EF4-FFF2-40B4-BE49-F238E27FC236}">
+                <a16:creationId xmlns:a16="http://schemas.microsoft.com/office/drawing/2014/main" id="{AB8A7588-189A-438A-9775-290994A8718F}"/>
+              </a:ext>
+            </a:extLst>
+          </p:cNvPr>
+          <p:cNvSpPr/>
+          <p:nvPr/>
+        </p:nvSpPr>
+        <p:spPr>
+          <a:xfrm>
+            <a:off x="10412893" y="2656800"/>
+            <a:ext cx="1245045" cy="1319917"/>
+          </a:xfrm>
+          <a:prstGeom prst="rect">
+            <a:avLst/>
+          </a:prstGeom>
+        </p:spPr>
+        <p:style>
+          <a:lnRef idx="2">
+            <a:schemeClr val="accent1">
+              <a:shade val="50000"/>
+            </a:schemeClr>
+          </a:lnRef>
+          <a:fillRef idx="1">
+            <a:schemeClr val="accent1"/>
+          </a:fillRef>
+          <a:effectRef idx="0">
+            <a:schemeClr val="accent1"/>
+          </a:effectRef>
+          <a:fontRef idx="minor">
+            <a:schemeClr val="lt1"/>
+          </a:fontRef>
+        </p:style>
+        <p:txBody>
+          <a:bodyPr rtlCol="0" anchor="ctr"/>
+          <a:lstStyle/>
+          <a:p>
+            <a:pPr algn="ctr"/>
+            <a:r>
+              <a:rPr lang="en-GB" sz="1400" dirty="0"/>
+              <a:t>Print</a:t>
+            </a:r>
+          </a:p>
+        </p:txBody>
+      </p:sp>
+      <p:sp>
+        <p:nvSpPr>
+          <p:cNvPr id="19" name="Cylinder 18">
+            <a:extLst>
+              <a:ext uri="{FF2B5EF4-FFF2-40B4-BE49-F238E27FC236}">
+                <a16:creationId xmlns:a16="http://schemas.microsoft.com/office/drawing/2014/main" id="{E75E6C4B-E7C1-41AA-9AD2-E30C87D706D8}"/>
+              </a:ext>
+            </a:extLst>
+          </p:cNvPr>
+          <p:cNvSpPr/>
+          <p:nvPr/>
+        </p:nvSpPr>
+        <p:spPr>
+          <a:xfrm>
+            <a:off x="675861" y="2614968"/>
+            <a:ext cx="268689" cy="3540352"/>
+          </a:xfrm>
+          <a:prstGeom prst="can">
+            <a:avLst/>
+          </a:prstGeom>
+        </p:spPr>
+        <p:style>
+          <a:lnRef idx="2">
+            <a:schemeClr val="accent1">
+              <a:shade val="50000"/>
+            </a:schemeClr>
+          </a:lnRef>
+          <a:fillRef idx="1">
+            <a:schemeClr val="accent1"/>
+          </a:fillRef>
+          <a:effectRef idx="0">
+            <a:schemeClr val="accent1"/>
+          </a:effectRef>
+          <a:fontRef idx="minor">
+            <a:schemeClr val="lt1"/>
+          </a:fontRef>
+        </p:style>
+        <p:txBody>
+          <a:bodyPr rtlCol="0" anchor="ctr"/>
+          <a:lstStyle/>
+          <a:p>
+            <a:pPr algn="ctr"/>
+            <a:r>
+              <a:rPr lang="en-GB" dirty="0"/>
+              <a:t>Broker </a:t>
+            </a:r>
+          </a:p>
+        </p:txBody>
+      </p:sp>
+      <p:sp>
+        <p:nvSpPr>
+          <p:cNvPr id="23" name="Cylinder 22">
+            <a:extLst>
+              <a:ext uri="{FF2B5EF4-FFF2-40B4-BE49-F238E27FC236}">
+                <a16:creationId xmlns:a16="http://schemas.microsoft.com/office/drawing/2014/main" id="{105C1BB0-F071-4CA4-8F43-8091502D6DE4}"/>
+              </a:ext>
+            </a:extLst>
+          </p:cNvPr>
+          <p:cNvSpPr/>
+          <p:nvPr/>
+        </p:nvSpPr>
+        <p:spPr>
+          <a:xfrm>
+            <a:off x="5937820" y="5129661"/>
+            <a:ext cx="1475674" cy="1635830"/>
+          </a:xfrm>
+          <a:prstGeom prst="can">
+            <a:avLst>
+              <a:gd name="adj" fmla="val 39262"/>
+            </a:avLst>
+          </a:prstGeom>
+        </p:spPr>
+        <p:style>
+          <a:lnRef idx="2">
+            <a:schemeClr val="accent1">
+              <a:shade val="50000"/>
+            </a:schemeClr>
+          </a:lnRef>
+          <a:fillRef idx="1">
+            <a:schemeClr val="accent1"/>
+          </a:fillRef>
+          <a:effectRef idx="0">
+            <a:schemeClr val="accent1"/>
+          </a:effectRef>
+          <a:fontRef idx="minor">
+            <a:schemeClr val="lt1"/>
+          </a:fontRef>
+        </p:style>
+        <p:txBody>
+          <a:bodyPr rtlCol="0" anchor="ctr"/>
+          <a:lstStyle/>
+          <a:p>
+            <a:pPr algn="ctr"/>
+            <a:r>
+              <a:rPr lang="en-GB" dirty="0"/>
+              <a:t>DB</a:t>
+            </a:r>
+          </a:p>
+          <a:p>
+            <a:pPr algn="ctr"/>
+            <a:r>
+              <a:rPr lang="en-GB" dirty="0"/>
+              <a:t>SQL</a:t>
+            </a:r>
+          </a:p>
+        </p:txBody>
+      </p:sp>
+      <p:sp>
+        <p:nvSpPr>
+          <p:cNvPr id="24" name="Cylinder 23">
+            <a:extLst>
+              <a:ext uri="{FF2B5EF4-FFF2-40B4-BE49-F238E27FC236}">
+                <a16:creationId xmlns:a16="http://schemas.microsoft.com/office/drawing/2014/main" id="{2FC32292-6200-4764-8991-62C77916B67A}"/>
+              </a:ext>
+            </a:extLst>
+          </p:cNvPr>
+          <p:cNvSpPr/>
+          <p:nvPr/>
+        </p:nvSpPr>
+        <p:spPr>
+          <a:xfrm>
+            <a:off x="8890371" y="5129661"/>
+            <a:ext cx="1475674" cy="1635830"/>
+          </a:xfrm>
+          <a:prstGeom prst="can">
+            <a:avLst>
+              <a:gd name="adj" fmla="val 39262"/>
+            </a:avLst>
+          </a:prstGeom>
+        </p:spPr>
+        <p:style>
+          <a:lnRef idx="2">
+            <a:schemeClr val="accent1">
+              <a:shade val="50000"/>
+            </a:schemeClr>
+          </a:lnRef>
+          <a:fillRef idx="1">
+            <a:schemeClr val="accent1"/>
+          </a:fillRef>
+          <a:effectRef idx="0">
+            <a:schemeClr val="accent1"/>
+          </a:effectRef>
+          <a:fontRef idx="minor">
+            <a:schemeClr val="lt1"/>
+          </a:fontRef>
+        </p:style>
+        <p:txBody>
+          <a:bodyPr rtlCol="0" anchor="ctr"/>
+          <a:lstStyle/>
+          <a:p>
+            <a:pPr algn="ctr"/>
+            <a:r>
+              <a:rPr lang="en-GB" dirty="0"/>
+              <a:t>Blob</a:t>
+            </a:r>
+          </a:p>
+        </p:txBody>
+      </p:sp>
+      <p:cxnSp>
+        <p:nvCxnSpPr>
+          <p:cNvPr id="26" name="Straight Arrow Connector 25">
+            <a:extLst>
+              <a:ext uri="{FF2B5EF4-FFF2-40B4-BE49-F238E27FC236}">
+                <a16:creationId xmlns:a16="http://schemas.microsoft.com/office/drawing/2014/main" id="{A7027225-6205-4E4A-8E9B-7259118CC7D2}"/>
+              </a:ext>
+            </a:extLst>
+          </p:cNvPr>
+          <p:cNvCxnSpPr>
+            <a:cxnSpLocks/>
+            <a:endCxn id="23" idx="1"/>
+          </p:cNvCxnSpPr>
+          <p:nvPr/>
+        </p:nvCxnSpPr>
+        <p:spPr>
+          <a:xfrm>
+            <a:off x="2385568" y="3976718"/>
+            <a:ext cx="4290089" cy="1152943"/>
+          </a:xfrm>
+          <a:prstGeom prst="straightConnector1">
+            <a:avLst/>
+          </a:prstGeom>
+          <a:ln>
+            <a:tailEnd type="triangle"/>
+          </a:ln>
+        </p:spPr>
+        <p:style>
+          <a:lnRef idx="1">
+            <a:schemeClr val="accent1"/>
+          </a:lnRef>
+          <a:fillRef idx="0">
+            <a:schemeClr val="accent1"/>
+          </a:fillRef>
+          <a:effectRef idx="0">
+            <a:schemeClr val="accent1"/>
+          </a:effectRef>
+          <a:fontRef idx="minor">
+            <a:schemeClr val="tx1"/>
+          </a:fontRef>
+        </p:style>
+      </p:cxnSp>
+      <p:cxnSp>
+        <p:nvCxnSpPr>
+          <p:cNvPr id="27" name="Straight Arrow Connector 26">
+            <a:extLst>
+              <a:ext uri="{FF2B5EF4-FFF2-40B4-BE49-F238E27FC236}">
+                <a16:creationId xmlns:a16="http://schemas.microsoft.com/office/drawing/2014/main" id="{8A13E943-22B1-4276-ACA1-466C870E7249}"/>
+              </a:ext>
+            </a:extLst>
+          </p:cNvPr>
+          <p:cNvCxnSpPr>
+            <a:cxnSpLocks/>
+            <a:endCxn id="23" idx="1"/>
+          </p:cNvCxnSpPr>
+          <p:nvPr/>
+        </p:nvCxnSpPr>
+        <p:spPr>
+          <a:xfrm>
+            <a:off x="3815598" y="3976718"/>
+            <a:ext cx="2860059" cy="1152943"/>
+          </a:xfrm>
+          <a:prstGeom prst="straightConnector1">
+            <a:avLst/>
+          </a:prstGeom>
+          <a:ln>
+            <a:tailEnd type="triangle"/>
+          </a:ln>
+        </p:spPr>
+        <p:style>
+          <a:lnRef idx="1">
+            <a:schemeClr val="accent1"/>
+          </a:lnRef>
+          <a:fillRef idx="0">
+            <a:schemeClr val="accent1"/>
+          </a:fillRef>
+          <a:effectRef idx="0">
+            <a:schemeClr val="accent1"/>
+          </a:effectRef>
+          <a:fontRef idx="minor">
+            <a:schemeClr val="tx1"/>
+          </a:fontRef>
+        </p:style>
+      </p:cxnSp>
+      <p:cxnSp>
+        <p:nvCxnSpPr>
+          <p:cNvPr id="34" name="Straight Arrow Connector 33">
+            <a:extLst>
+              <a:ext uri="{FF2B5EF4-FFF2-40B4-BE49-F238E27FC236}">
+                <a16:creationId xmlns:a16="http://schemas.microsoft.com/office/drawing/2014/main" id="{F4367E02-57AF-4969-8B1D-466189DCF138}"/>
+              </a:ext>
+            </a:extLst>
+          </p:cNvPr>
+          <p:cNvCxnSpPr>
+            <a:cxnSpLocks/>
+            <a:endCxn id="23" idx="1"/>
+          </p:cNvCxnSpPr>
+          <p:nvPr/>
+        </p:nvCxnSpPr>
+        <p:spPr>
+          <a:xfrm>
+            <a:off x="5245628" y="3976718"/>
+            <a:ext cx="1430029" cy="1152943"/>
+          </a:xfrm>
+          <a:prstGeom prst="straightConnector1">
+            <a:avLst/>
+          </a:prstGeom>
+          <a:ln>
+            <a:tailEnd type="triangle"/>
+          </a:ln>
+        </p:spPr>
+        <p:style>
+          <a:lnRef idx="1">
+            <a:schemeClr val="accent1"/>
+          </a:lnRef>
+          <a:fillRef idx="0">
+            <a:schemeClr val="accent1"/>
+          </a:fillRef>
+          <a:effectRef idx="0">
+            <a:schemeClr val="accent1"/>
+          </a:effectRef>
+          <a:fontRef idx="minor">
+            <a:schemeClr val="tx1"/>
+          </a:fontRef>
+        </p:style>
+      </p:cxnSp>
+      <p:cxnSp>
+        <p:nvCxnSpPr>
+          <p:cNvPr id="37" name="Straight Arrow Connector 36">
+            <a:extLst>
+              <a:ext uri="{FF2B5EF4-FFF2-40B4-BE49-F238E27FC236}">
+                <a16:creationId xmlns:a16="http://schemas.microsoft.com/office/drawing/2014/main" id="{2268370F-8B44-48C6-B65E-DAE8BDDD9006}"/>
+              </a:ext>
+            </a:extLst>
+          </p:cNvPr>
+          <p:cNvCxnSpPr>
+            <a:cxnSpLocks/>
+            <a:endCxn id="23" idx="1"/>
+          </p:cNvCxnSpPr>
+          <p:nvPr/>
+        </p:nvCxnSpPr>
+        <p:spPr>
+          <a:xfrm flipH="1">
+            <a:off x="6675657" y="3976723"/>
+            <a:ext cx="1" cy="1152938"/>
+          </a:xfrm>
+          <a:prstGeom prst="straightConnector1">
+            <a:avLst/>
+          </a:prstGeom>
+          <a:ln>
+            <a:tailEnd type="triangle"/>
+          </a:ln>
+        </p:spPr>
+        <p:style>
+          <a:lnRef idx="1">
+            <a:schemeClr val="accent1"/>
+          </a:lnRef>
+          <a:fillRef idx="0">
+            <a:schemeClr val="accent1"/>
+          </a:fillRef>
+          <a:effectRef idx="0">
+            <a:schemeClr val="accent1"/>
+          </a:effectRef>
+          <a:fontRef idx="minor">
+            <a:schemeClr val="tx1"/>
+          </a:fontRef>
+        </p:style>
+      </p:cxnSp>
+      <p:cxnSp>
+        <p:nvCxnSpPr>
+          <p:cNvPr id="40" name="Straight Arrow Connector 39">
+            <a:extLst>
+              <a:ext uri="{FF2B5EF4-FFF2-40B4-BE49-F238E27FC236}">
+                <a16:creationId xmlns:a16="http://schemas.microsoft.com/office/drawing/2014/main" id="{53E23643-DB69-462F-8AC2-B5DEDAE83BE3}"/>
+              </a:ext>
+            </a:extLst>
+          </p:cNvPr>
+          <p:cNvCxnSpPr>
+            <a:cxnSpLocks/>
+            <a:endCxn id="23" idx="1"/>
+          </p:cNvCxnSpPr>
+          <p:nvPr/>
+        </p:nvCxnSpPr>
+        <p:spPr>
+          <a:xfrm flipH="1">
+            <a:off x="6675657" y="3976722"/>
+            <a:ext cx="1430031" cy="1152939"/>
+          </a:xfrm>
+          <a:prstGeom prst="straightConnector1">
+            <a:avLst/>
+          </a:prstGeom>
+          <a:ln>
+            <a:tailEnd type="triangle"/>
+          </a:ln>
+        </p:spPr>
+        <p:style>
+          <a:lnRef idx="1">
+            <a:schemeClr val="accent1"/>
+          </a:lnRef>
+          <a:fillRef idx="0">
+            <a:schemeClr val="accent1"/>
+          </a:fillRef>
+          <a:effectRef idx="0">
+            <a:schemeClr val="accent1"/>
+          </a:effectRef>
+          <a:fontRef idx="minor">
+            <a:schemeClr val="tx1"/>
+          </a:fontRef>
+        </p:style>
+      </p:cxnSp>
+      <p:cxnSp>
+        <p:nvCxnSpPr>
+          <p:cNvPr id="43" name="Straight Arrow Connector 42">
+            <a:extLst>
+              <a:ext uri="{FF2B5EF4-FFF2-40B4-BE49-F238E27FC236}">
+                <a16:creationId xmlns:a16="http://schemas.microsoft.com/office/drawing/2014/main" id="{BD78D5C3-0AAA-4B91-BC78-F9E6415672DB}"/>
+              </a:ext>
+            </a:extLst>
+          </p:cNvPr>
+          <p:cNvCxnSpPr>
+            <a:cxnSpLocks/>
+            <a:endCxn id="23" idx="1"/>
+          </p:cNvCxnSpPr>
+          <p:nvPr/>
+        </p:nvCxnSpPr>
+        <p:spPr>
+          <a:xfrm flipH="1">
+            <a:off x="6675657" y="3976717"/>
+            <a:ext cx="2860060" cy="1152944"/>
+          </a:xfrm>
+          <a:prstGeom prst="straightConnector1">
+            <a:avLst/>
+          </a:prstGeom>
+          <a:ln>
+            <a:tailEnd type="triangle"/>
+          </a:ln>
+        </p:spPr>
+        <p:style>
+          <a:lnRef idx="1">
+            <a:schemeClr val="accent1"/>
+          </a:lnRef>
+          <a:fillRef idx="0">
+            <a:schemeClr val="accent1"/>
+          </a:fillRef>
+          <a:effectRef idx="0">
+            <a:schemeClr val="accent1"/>
+          </a:effectRef>
+          <a:fontRef idx="minor">
+            <a:schemeClr val="tx1"/>
+          </a:fontRef>
+        </p:style>
+      </p:cxnSp>
+      <p:cxnSp>
+        <p:nvCxnSpPr>
+          <p:cNvPr id="46" name="Straight Arrow Connector 45">
+            <a:extLst>
+              <a:ext uri="{FF2B5EF4-FFF2-40B4-BE49-F238E27FC236}">
+                <a16:creationId xmlns:a16="http://schemas.microsoft.com/office/drawing/2014/main" id="{594D5DCC-E7DB-4831-8CF1-A7CD589A79B5}"/>
+              </a:ext>
+            </a:extLst>
+          </p:cNvPr>
+          <p:cNvCxnSpPr>
+            <a:cxnSpLocks/>
+            <a:endCxn id="23" idx="1"/>
+          </p:cNvCxnSpPr>
+          <p:nvPr/>
+        </p:nvCxnSpPr>
+        <p:spPr>
+          <a:xfrm flipH="1">
+            <a:off x="6675657" y="3976717"/>
+            <a:ext cx="4290089" cy="1152944"/>
+          </a:xfrm>
+          <a:prstGeom prst="straightConnector1">
+            <a:avLst/>
+          </a:prstGeom>
+          <a:ln>
+            <a:tailEnd type="triangle"/>
+          </a:ln>
+        </p:spPr>
+        <p:style>
+          <a:lnRef idx="1">
+            <a:schemeClr val="accent1"/>
+          </a:lnRef>
+          <a:fillRef idx="0">
+            <a:schemeClr val="accent1"/>
+          </a:fillRef>
+          <a:effectRef idx="0">
+            <a:schemeClr val="accent1"/>
+          </a:effectRef>
+          <a:fontRef idx="minor">
+            <a:schemeClr val="tx1"/>
+          </a:fontRef>
+        </p:style>
+      </p:cxnSp>
+      <p:cxnSp>
+        <p:nvCxnSpPr>
+          <p:cNvPr id="49" name="Straight Arrow Connector 48">
+            <a:extLst>
+              <a:ext uri="{FF2B5EF4-FFF2-40B4-BE49-F238E27FC236}">
+                <a16:creationId xmlns:a16="http://schemas.microsoft.com/office/drawing/2014/main" id="{70370843-F485-4B5C-9C43-A833919066F4}"/>
+              </a:ext>
+            </a:extLst>
+          </p:cNvPr>
+          <p:cNvCxnSpPr>
+            <a:cxnSpLocks/>
+            <a:stCxn id="8" idx="2"/>
+            <a:endCxn id="24" idx="1"/>
+          </p:cNvCxnSpPr>
+          <p:nvPr/>
+        </p:nvCxnSpPr>
+        <p:spPr>
+          <a:xfrm>
+            <a:off x="9605387" y="3976717"/>
+            <a:ext cx="22821" cy="1152944"/>
+          </a:xfrm>
+          <a:prstGeom prst="straightConnector1">
+            <a:avLst/>
+          </a:prstGeom>
+          <a:ln>
+            <a:tailEnd type="triangle"/>
+          </a:ln>
+        </p:spPr>
+        <p:style>
+          <a:lnRef idx="1">
+            <a:schemeClr val="accent1"/>
+          </a:lnRef>
+          <a:fillRef idx="0">
+            <a:schemeClr val="accent1"/>
+          </a:fillRef>
+          <a:effectRef idx="0">
+            <a:schemeClr val="accent1"/>
+          </a:effectRef>
+          <a:fontRef idx="minor">
+            <a:schemeClr val="tx1"/>
+          </a:fontRef>
+        </p:style>
+      </p:cxnSp>
+      <p:sp>
+        <p:nvSpPr>
+          <p:cNvPr id="52" name="Callout: Left Arrow 51">
+            <a:extLst>
+              <a:ext uri="{FF2B5EF4-FFF2-40B4-BE49-F238E27FC236}">
+                <a16:creationId xmlns:a16="http://schemas.microsoft.com/office/drawing/2014/main" id="{D215D13C-0760-4E5B-91E8-50F4B3EF51E1}"/>
+              </a:ext>
+            </a:extLst>
+          </p:cNvPr>
+          <p:cNvSpPr/>
+          <p:nvPr/>
+        </p:nvSpPr>
+        <p:spPr>
+          <a:xfrm>
+            <a:off x="1066979" y="2656800"/>
+            <a:ext cx="439132" cy="3498520"/>
+          </a:xfrm>
+          <a:prstGeom prst="leftArrowCallout">
+            <a:avLst/>
+          </a:prstGeom>
+        </p:spPr>
+        <p:style>
+          <a:lnRef idx="2">
+            <a:schemeClr val="accent1">
+              <a:shade val="50000"/>
+            </a:schemeClr>
+          </a:lnRef>
+          <a:fillRef idx="1">
+            <a:schemeClr val="accent1"/>
+          </a:fillRef>
+          <a:effectRef idx="0">
+            <a:schemeClr val="accent1"/>
+          </a:effectRef>
+          <a:fontRef idx="minor">
+            <a:schemeClr val="lt1"/>
+          </a:fontRef>
+        </p:style>
+        <p:txBody>
+          <a:bodyPr rtlCol="0" anchor="ctr"/>
+          <a:lstStyle/>
+          <a:p>
+            <a:pPr algn="ctr"/>
+            <a:r>
+              <a:rPr lang="en-GB" dirty="0"/>
+              <a:t>Events</a:t>
+            </a:r>
+          </a:p>
+        </p:txBody>
+      </p:sp>
+      <p:sp>
+        <p:nvSpPr>
+          <p:cNvPr id="65" name="Arrow: Down 64">
+            <a:extLst>
+              <a:ext uri="{FF2B5EF4-FFF2-40B4-BE49-F238E27FC236}">
+                <a16:creationId xmlns:a16="http://schemas.microsoft.com/office/drawing/2014/main" id="{5101371C-F351-4359-A2A8-DF25260627B5}"/>
+              </a:ext>
+            </a:extLst>
+          </p:cNvPr>
+          <p:cNvSpPr/>
+          <p:nvPr/>
+        </p:nvSpPr>
+        <p:spPr>
+          <a:xfrm>
+            <a:off x="1903071" y="2043481"/>
+            <a:ext cx="8324837" cy="534037"/>
+          </a:xfrm>
+          <a:prstGeom prst="downArrow">
+            <a:avLst/>
+          </a:prstGeom>
+        </p:spPr>
+        <p:style>
+          <a:lnRef idx="2">
+            <a:schemeClr val="accent1">
+              <a:shade val="50000"/>
+            </a:schemeClr>
+          </a:lnRef>
+          <a:fillRef idx="1">
+            <a:schemeClr val="accent1"/>
+          </a:fillRef>
+          <a:effectRef idx="0">
+            <a:schemeClr val="accent1"/>
+          </a:effectRef>
+          <a:fontRef idx="minor">
+            <a:schemeClr val="lt1"/>
+          </a:fontRef>
+        </p:style>
+        <p:txBody>
+          <a:bodyPr rtlCol="0" anchor="ctr"/>
+          <a:lstStyle/>
+          <a:p>
+            <a:pPr algn="ctr"/>
+            <a:r>
+              <a:rPr lang="en-GB" dirty="0"/>
+              <a:t>Command / Queries</a:t>
+            </a:r>
+          </a:p>
+        </p:txBody>
+      </p:sp>
+      <p:sp>
+        <p:nvSpPr>
+          <p:cNvPr id="28" name="Rectangle 27">
+            <a:extLst>
+              <a:ext uri="{FF2B5EF4-FFF2-40B4-BE49-F238E27FC236}">
+                <a16:creationId xmlns:a16="http://schemas.microsoft.com/office/drawing/2014/main" id="{CEB0AF2B-26BD-4799-B635-10F6E0B285B5}"/>
+              </a:ext>
+            </a:extLst>
+          </p:cNvPr>
+          <p:cNvSpPr/>
+          <p:nvPr/>
+        </p:nvSpPr>
+        <p:spPr>
+          <a:xfrm>
+            <a:off x="4399680" y="307937"/>
+            <a:ext cx="1537331" cy="378029"/>
+          </a:xfrm>
+          <a:prstGeom prst="rect">
+            <a:avLst/>
+          </a:prstGeom>
+          <a:solidFill>
+            <a:srgbClr val="00B050"/>
+          </a:solidFill>
+        </p:spPr>
+        <p:style>
+          <a:lnRef idx="2">
+            <a:schemeClr val="accent1">
+              <a:shade val="50000"/>
+            </a:schemeClr>
+          </a:lnRef>
+          <a:fillRef idx="1">
+            <a:schemeClr val="accent1"/>
+          </a:fillRef>
+          <a:effectRef idx="0">
+            <a:schemeClr val="accent1"/>
+          </a:effectRef>
+          <a:fontRef idx="minor">
+            <a:schemeClr val="lt1"/>
+          </a:fontRef>
+        </p:style>
+        <p:txBody>
+          <a:bodyPr rtlCol="0" anchor="ctr"/>
+          <a:lstStyle/>
+          <a:p>
+            <a:pPr algn="ctr"/>
+            <a:r>
+              <a:rPr lang="en-GB" sz="1400" dirty="0"/>
+              <a:t>Save Document</a:t>
+            </a:r>
+          </a:p>
+        </p:txBody>
+      </p:sp>
+      <p:sp>
+        <p:nvSpPr>
+          <p:cNvPr id="29" name="Rectangle 28">
+            <a:extLst>
+              <a:ext uri="{FF2B5EF4-FFF2-40B4-BE49-F238E27FC236}">
+                <a16:creationId xmlns:a16="http://schemas.microsoft.com/office/drawing/2014/main" id="{B2F01CF4-25E7-4383-926A-C1844B603169}"/>
+              </a:ext>
+            </a:extLst>
+          </p:cNvPr>
+          <p:cNvSpPr/>
+          <p:nvPr/>
+        </p:nvSpPr>
+        <p:spPr>
+          <a:xfrm>
+            <a:off x="8752028" y="2634763"/>
+            <a:ext cx="1537331" cy="378029"/>
+          </a:xfrm>
+          <a:prstGeom prst="rect">
+            <a:avLst/>
+          </a:prstGeom>
+          <a:solidFill>
+            <a:srgbClr val="00B050"/>
+          </a:solidFill>
+        </p:spPr>
+        <p:style>
+          <a:lnRef idx="2">
+            <a:schemeClr val="accent1">
+              <a:shade val="50000"/>
+            </a:schemeClr>
+          </a:lnRef>
+          <a:fillRef idx="1">
+            <a:schemeClr val="accent1"/>
+          </a:fillRef>
+          <a:effectRef idx="0">
+            <a:schemeClr val="accent1"/>
+          </a:effectRef>
+          <a:fontRef idx="minor">
+            <a:schemeClr val="lt1"/>
+          </a:fontRef>
+        </p:style>
+        <p:txBody>
+          <a:bodyPr rtlCol="0" anchor="ctr"/>
+          <a:lstStyle/>
+          <a:p>
+            <a:pPr algn="ctr"/>
+            <a:r>
+              <a:rPr lang="en-GB" sz="1400" dirty="0"/>
+              <a:t>Save Document</a:t>
+            </a:r>
+          </a:p>
+        </p:txBody>
+      </p:sp>
+      <p:sp>
+        <p:nvSpPr>
+          <p:cNvPr id="30" name="Rectangle 29">
+            <a:extLst>
+              <a:ext uri="{FF2B5EF4-FFF2-40B4-BE49-F238E27FC236}">
+                <a16:creationId xmlns:a16="http://schemas.microsoft.com/office/drawing/2014/main" id="{C667083B-B7D7-4147-B35F-9A634B52F093}"/>
+              </a:ext>
+            </a:extLst>
+          </p:cNvPr>
+          <p:cNvSpPr/>
+          <p:nvPr/>
+        </p:nvSpPr>
+        <p:spPr>
+          <a:xfrm>
+            <a:off x="8752027" y="3452677"/>
+            <a:ext cx="1537331" cy="378029"/>
+          </a:xfrm>
+          <a:prstGeom prst="rect">
+            <a:avLst/>
+          </a:prstGeom>
+          <a:solidFill>
+            <a:srgbClr val="C00000"/>
+          </a:solidFill>
+        </p:spPr>
+        <p:style>
+          <a:lnRef idx="2">
+            <a:schemeClr val="accent1">
+              <a:shade val="50000"/>
+            </a:schemeClr>
+          </a:lnRef>
+          <a:fillRef idx="1">
+            <a:schemeClr val="accent1"/>
+          </a:fillRef>
+          <a:effectRef idx="0">
+            <a:schemeClr val="accent1"/>
+          </a:effectRef>
+          <a:fontRef idx="minor">
+            <a:schemeClr val="lt1"/>
+          </a:fontRef>
+        </p:style>
+        <p:txBody>
+          <a:bodyPr rtlCol="0" anchor="ctr"/>
+          <a:lstStyle/>
+          <a:p>
+            <a:pPr algn="ctr"/>
+            <a:r>
+              <a:rPr lang="en-GB" sz="1400" dirty="0"/>
+              <a:t>Document Saved</a:t>
+            </a:r>
+          </a:p>
+        </p:txBody>
+      </p:sp>
+      <p:sp>
+        <p:nvSpPr>
+          <p:cNvPr id="31" name="Rectangle 30">
+            <a:extLst>
+              <a:ext uri="{FF2B5EF4-FFF2-40B4-BE49-F238E27FC236}">
+                <a16:creationId xmlns:a16="http://schemas.microsoft.com/office/drawing/2014/main" id="{09CD9274-8234-4F27-A4A1-0D8B9BA97314}"/>
+              </a:ext>
+            </a:extLst>
+          </p:cNvPr>
+          <p:cNvSpPr/>
+          <p:nvPr/>
+        </p:nvSpPr>
+        <p:spPr>
+          <a:xfrm>
+            <a:off x="3155444" y="3519401"/>
+            <a:ext cx="1537331" cy="378029"/>
+          </a:xfrm>
+          <a:prstGeom prst="rect">
+            <a:avLst/>
+          </a:prstGeom>
+          <a:solidFill>
+            <a:srgbClr val="C00000"/>
+          </a:solidFill>
+        </p:spPr>
+        <p:style>
+          <a:lnRef idx="2">
+            <a:schemeClr val="accent1">
+              <a:shade val="50000"/>
+            </a:schemeClr>
+          </a:lnRef>
+          <a:fillRef idx="1">
+            <a:schemeClr val="accent1"/>
+          </a:fillRef>
+          <a:effectRef idx="0">
+            <a:schemeClr val="accent1"/>
+          </a:effectRef>
+          <a:fontRef idx="minor">
+            <a:schemeClr val="lt1"/>
+          </a:fontRef>
+        </p:style>
+        <p:txBody>
+          <a:bodyPr rtlCol="0" anchor="ctr"/>
+          <a:lstStyle/>
+          <a:p>
+            <a:pPr algn="ctr"/>
+            <a:r>
+              <a:rPr lang="en-GB" sz="1400" dirty="0"/>
+              <a:t>Document Saved</a:t>
+            </a:r>
+          </a:p>
+        </p:txBody>
+      </p:sp>
+    </p:spTree>
+    <p:extLst>
+      <p:ext uri="{BB962C8B-B14F-4D97-AF65-F5344CB8AC3E}">
+        <p14:creationId xmlns:p14="http://schemas.microsoft.com/office/powerpoint/2010/main" val="1146490921"/>
+      </p:ext>
+    </p:extLst>
+  </p:cSld>
+  <p:clrMapOvr>
+    <a:masterClrMapping/>
+  </p:clrMapOvr>
+  <mc:AlternateContent xmlns:mc="http://schemas.openxmlformats.org/markup-compatibility/2006">
+    <mc:Choice xmlns:p14="http://schemas.microsoft.com/office/powerpoint/2010/main" Requires="p14">
+      <p:transition spd="med" p14:dur="700">
+        <p:fade/>
+      </p:transition>
+    </mc:Choice>
+    <mc:Fallback>
+      <p:transition spd="med">
+        <p:fade/>
+      </p:transition>
+    </mc:Fallback>
+  </mc:AlternateContent>
+  <p:timing>
+    <p:tnLst>
+      <p:par>
+        <p:cTn id="1" dur="indefinite" restart="never" nodeType="tmRoot">
+          <p:childTnLst>
+            <p:seq concurrent="1" nextAc="seek">
+              <p:cTn id="2" dur="indefinite" nodeType="mainSeq">
+                <p:childTnLst>
+                  <p:par>
+                    <p:cTn id="3" fill="hold">
+                      <p:stCondLst>
+                        <p:cond delay="indefinite"/>
+                      </p:stCondLst>
+                      <p:childTnLst>
+                        <p:par>
+                          <p:cTn id="4" fill="hold">
+                            <p:stCondLst>
+                              <p:cond delay="0"/>
+                            </p:stCondLst>
+                            <p:childTnLst>
+                              <p:par>
+                                <p:cTn id="5" presetID="1" presetClass="entr" presetSubtype="0" fill="hold" grpId="0" nodeType="clickEffect">
+                                  <p:stCondLst>
+                                    <p:cond delay="0"/>
+                                  </p:stCondLst>
+                                  <p:childTnLst>
+                                    <p:set>
+                                      <p:cBhvr>
+                                        <p:cTn id="6" dur="1" fill="hold">
+                                          <p:stCondLst>
+                                            <p:cond delay="0"/>
+                                          </p:stCondLst>
+                                        </p:cTn>
+                                        <p:tgtEl>
+                                          <p:spTgt spid="28"/>
+                                        </p:tgtEl>
+                                        <p:attrNameLst>
+                                          <p:attrName>style.visibility</p:attrName>
+                                        </p:attrNameLst>
+                                      </p:cBhvr>
+                                      <p:to>
+                                        <p:strVal val="visible"/>
+                                      </p:to>
+                                    </p:set>
+                                  </p:childTnLst>
+                                </p:cTn>
+                              </p:par>
+                            </p:childTnLst>
+                          </p:cTn>
+                        </p:par>
+                      </p:childTnLst>
+                    </p:cTn>
+                  </p:par>
+                  <p:par>
+                    <p:cTn id="7" fill="hold">
+                      <p:stCondLst>
+                        <p:cond delay="indefinite"/>
+                      </p:stCondLst>
+                      <p:childTnLst>
+                        <p:par>
+                          <p:cTn id="8" fill="hold">
+                            <p:stCondLst>
+                              <p:cond delay="0"/>
+                            </p:stCondLst>
+                            <p:childTnLst>
+                              <p:par>
+                                <p:cTn id="9" presetID="1" presetClass="exit" presetSubtype="0" fill="hold" grpId="1" nodeType="clickEffect">
+                                  <p:stCondLst>
+                                    <p:cond delay="0"/>
+                                  </p:stCondLst>
+                                  <p:childTnLst>
+                                    <p:set>
+                                      <p:cBhvr>
+                                        <p:cTn id="10" dur="1" fill="hold">
+                                          <p:stCondLst>
+                                            <p:cond delay="0"/>
+                                          </p:stCondLst>
+                                        </p:cTn>
+                                        <p:tgtEl>
+                                          <p:spTgt spid="28"/>
+                                        </p:tgtEl>
+                                        <p:attrNameLst>
+                                          <p:attrName>style.visibility</p:attrName>
+                                        </p:attrNameLst>
+                                      </p:cBhvr>
+                                      <p:to>
+                                        <p:strVal val="hidden"/>
+                                      </p:to>
+                                    </p:set>
+                                  </p:childTnLst>
+                                </p:cTn>
+                              </p:par>
+                            </p:childTnLst>
+                          </p:cTn>
+                        </p:par>
+                      </p:childTnLst>
+                    </p:cTn>
+                  </p:par>
+                  <p:par>
+                    <p:cTn id="11" fill="hold">
+                      <p:stCondLst>
+                        <p:cond delay="indefinite"/>
+                      </p:stCondLst>
+                      <p:childTnLst>
+                        <p:par>
+                          <p:cTn id="12" fill="hold">
+                            <p:stCondLst>
+                              <p:cond delay="0"/>
+                            </p:stCondLst>
+                            <p:childTnLst>
+                              <p:par>
+                                <p:cTn id="13" presetID="1" presetClass="entr" presetSubtype="0" fill="hold" grpId="0" nodeType="clickEffect">
+                                  <p:stCondLst>
+                                    <p:cond delay="0"/>
+                                  </p:stCondLst>
+                                  <p:childTnLst>
+                                    <p:set>
+                                      <p:cBhvr>
+                                        <p:cTn id="14" dur="1" fill="hold">
+                                          <p:stCondLst>
+                                            <p:cond delay="0"/>
+                                          </p:stCondLst>
+                                        </p:cTn>
+                                        <p:tgtEl>
+                                          <p:spTgt spid="29"/>
+                                        </p:tgtEl>
+                                        <p:attrNameLst>
+                                          <p:attrName>style.visibility</p:attrName>
+                                        </p:attrNameLst>
+                                      </p:cBhvr>
+                                      <p:to>
+                                        <p:strVal val="visible"/>
+                                      </p:to>
+                                    </p:set>
+                                  </p:childTnLst>
+                                </p:cTn>
+                              </p:par>
+                            </p:childTnLst>
+                          </p:cTn>
+                        </p:par>
+                      </p:childTnLst>
+                    </p:cTn>
+                  </p:par>
+                  <p:par>
+                    <p:cTn id="15" fill="hold">
+                      <p:stCondLst>
+                        <p:cond delay="indefinite"/>
+                      </p:stCondLst>
+                      <p:childTnLst>
+                        <p:par>
+                          <p:cTn id="16" fill="hold">
+                            <p:stCondLst>
+                              <p:cond delay="0"/>
+                            </p:stCondLst>
+                            <p:childTnLst>
+                              <p:par>
+                                <p:cTn id="17" presetID="1" presetClass="exit" presetSubtype="0" fill="hold" grpId="1" nodeType="clickEffect">
+                                  <p:stCondLst>
+                                    <p:cond delay="0"/>
+                                  </p:stCondLst>
+                                  <p:childTnLst>
+                                    <p:set>
+                                      <p:cBhvr>
+                                        <p:cTn id="18" dur="1" fill="hold">
+                                          <p:stCondLst>
+                                            <p:cond delay="0"/>
+                                          </p:stCondLst>
+                                        </p:cTn>
+                                        <p:tgtEl>
+                                          <p:spTgt spid="29"/>
+                                        </p:tgtEl>
+                                        <p:attrNameLst>
+                                          <p:attrName>style.visibility</p:attrName>
+                                        </p:attrNameLst>
+                                      </p:cBhvr>
+                                      <p:to>
+                                        <p:strVal val="hidden"/>
+                                      </p:to>
+                                    </p:set>
+                                  </p:childTnLst>
+                                </p:cTn>
+                              </p:par>
+                            </p:childTnLst>
+                          </p:cTn>
+                        </p:par>
+                      </p:childTnLst>
+                    </p:cTn>
+                  </p:par>
+                  <p:par>
+                    <p:cTn id="19" fill="hold">
+                      <p:stCondLst>
+                        <p:cond delay="indefinite"/>
+                      </p:stCondLst>
+                      <p:childTnLst>
+                        <p:par>
+                          <p:cTn id="20" fill="hold">
+                            <p:stCondLst>
+                              <p:cond delay="0"/>
+                            </p:stCondLst>
+                            <p:childTnLst>
+                              <p:par>
+                                <p:cTn id="21" presetID="1" presetClass="entr" presetSubtype="0" fill="hold" grpId="0" nodeType="clickEffect">
+                                  <p:stCondLst>
+                                    <p:cond delay="0"/>
+                                  </p:stCondLst>
+                                  <p:childTnLst>
+                                    <p:set>
+                                      <p:cBhvr>
+                                        <p:cTn id="22" dur="1" fill="hold">
+                                          <p:stCondLst>
+                                            <p:cond delay="0"/>
+                                          </p:stCondLst>
+                                        </p:cTn>
+                                        <p:tgtEl>
+                                          <p:spTgt spid="30"/>
+                                        </p:tgtEl>
+                                        <p:attrNameLst>
+                                          <p:attrName>style.visibility</p:attrName>
+                                        </p:attrNameLst>
+                                      </p:cBhvr>
+                                      <p:to>
+                                        <p:strVal val="visible"/>
+                                      </p:to>
+                                    </p:set>
+                                  </p:childTnLst>
+                                </p:cTn>
+                              </p:par>
+                            </p:childTnLst>
+                          </p:cTn>
+                        </p:par>
+                      </p:childTnLst>
+                    </p:cTn>
+                  </p:par>
+                  <p:par>
+                    <p:cTn id="23" fill="hold">
+                      <p:stCondLst>
+                        <p:cond delay="indefinite"/>
+                      </p:stCondLst>
+                      <p:childTnLst>
+                        <p:par>
+                          <p:cTn id="24" fill="hold">
+                            <p:stCondLst>
+                              <p:cond delay="0"/>
+                            </p:stCondLst>
+                            <p:childTnLst>
+                              <p:par>
+                                <p:cTn id="25" presetID="1" presetClass="exit" presetSubtype="0" fill="hold" grpId="1" nodeType="clickEffect">
+                                  <p:stCondLst>
+                                    <p:cond delay="0"/>
+                                  </p:stCondLst>
+                                  <p:childTnLst>
+                                    <p:set>
+                                      <p:cBhvr>
+                                        <p:cTn id="26" dur="1" fill="hold">
+                                          <p:stCondLst>
+                                            <p:cond delay="0"/>
+                                          </p:stCondLst>
+                                        </p:cTn>
+                                        <p:tgtEl>
+                                          <p:spTgt spid="30"/>
+                                        </p:tgtEl>
+                                        <p:attrNameLst>
+                                          <p:attrName>style.visibility</p:attrName>
+                                        </p:attrNameLst>
+                                      </p:cBhvr>
+                                      <p:to>
+                                        <p:strVal val="hidden"/>
+                                      </p:to>
+                                    </p:set>
+                                  </p:childTnLst>
+                                </p:cTn>
+                              </p:par>
+                            </p:childTnLst>
+                          </p:cTn>
+                        </p:par>
+                      </p:childTnLst>
+                    </p:cTn>
+                  </p:par>
+                  <p:par>
+                    <p:cTn id="27" fill="hold">
+                      <p:stCondLst>
+                        <p:cond delay="indefinite"/>
+                      </p:stCondLst>
+                      <p:childTnLst>
+                        <p:par>
+                          <p:cTn id="28" fill="hold">
+                            <p:stCondLst>
+                              <p:cond delay="0"/>
+                            </p:stCondLst>
+                            <p:childTnLst>
+                              <p:par>
+                                <p:cTn id="29" presetID="1" presetClass="entr" presetSubtype="0" fill="hold" grpId="0" nodeType="clickEffect">
+                                  <p:stCondLst>
+                                    <p:cond delay="0"/>
+                                  </p:stCondLst>
+                                  <p:childTnLst>
+                                    <p:set>
+                                      <p:cBhvr>
+                                        <p:cTn id="30" dur="1" fill="hold">
+                                          <p:stCondLst>
+                                            <p:cond delay="0"/>
+                                          </p:stCondLst>
+                                        </p:cTn>
+                                        <p:tgtEl>
+                                          <p:spTgt spid="31"/>
+                                        </p:tgtEl>
+                                        <p:attrNameLst>
+                                          <p:attrName>style.visibility</p:attrName>
+                                        </p:attrNameLst>
+                                      </p:cBhvr>
+                                      <p:to>
+                                        <p:strVal val="visible"/>
+                                      </p:to>
+                                    </p:set>
+                                  </p:childTnLst>
+                                </p:cTn>
+                              </p:par>
+                            </p:childTnLst>
+                          </p:cTn>
+                        </p:par>
+                      </p:childTnLst>
+                    </p:cTn>
+                  </p:par>
+                  <p:par>
+                    <p:cTn id="31" fill="hold">
+                      <p:stCondLst>
+                        <p:cond delay="indefinite"/>
+                      </p:stCondLst>
+                      <p:childTnLst>
+                        <p:par>
+                          <p:cTn id="32" fill="hold">
+                            <p:stCondLst>
+                              <p:cond delay="0"/>
+                            </p:stCondLst>
+                            <p:childTnLst>
+                              <p:par>
+                                <p:cTn id="33" presetID="1" presetClass="exit" presetSubtype="0" fill="hold" grpId="1" nodeType="clickEffect">
+                                  <p:stCondLst>
+                                    <p:cond delay="0"/>
+                                  </p:stCondLst>
+                                  <p:childTnLst>
+                                    <p:set>
+                                      <p:cBhvr>
+                                        <p:cTn id="34" dur="1" fill="hold">
+                                          <p:stCondLst>
+                                            <p:cond delay="0"/>
+                                          </p:stCondLst>
+                                        </p:cTn>
+                                        <p:tgtEl>
+                                          <p:spTgt spid="31"/>
+                                        </p:tgtEl>
+                                        <p:attrNameLst>
+                                          <p:attrName>style.visibility</p:attrName>
+                                        </p:attrNameLst>
+                                      </p:cBhvr>
+                                      <p:to>
+                                        <p:strVal val="hidden"/>
+                                      </p:to>
+                                    </p:set>
+                                  </p:childTnLst>
+                                </p:cTn>
+                              </p:par>
+                            </p:childTnLst>
+                          </p:cTn>
+                        </p:par>
+                      </p:childTnLst>
+                    </p:cTn>
+                  </p:par>
+                </p:childTnLst>
+              </p:cTn>
+              <p:prevCondLst>
+                <p:cond evt="onPrev" delay="0">
+                  <p:tgtEl>
+                    <p:sldTgt/>
+                  </p:tgtEl>
+                </p:cond>
+              </p:prevCondLst>
+              <p:nextCondLst>
+                <p:cond evt="onNext" delay="0">
+                  <p:tgtEl>
+                    <p:sldTgt/>
+                  </p:tgtEl>
+                </p:cond>
+              </p:nextCondLst>
+            </p:seq>
+          </p:childTnLst>
+        </p:cTn>
+      </p:par>
+    </p:tnLst>
+    <p:bldLst>
+      <p:bldP spid="28" grpId="0" animBg="1"/>
+      <p:bldP spid="28" grpId="1" animBg="1"/>
+      <p:bldP spid="29" grpId="0" animBg="1"/>
+      <p:bldP spid="29" grpId="1" animBg="1"/>
+      <p:bldP spid="30" grpId="0" animBg="1"/>
+      <p:bldP spid="30" grpId="1" animBg="1"/>
+      <p:bldP spid="31" grpId="0" animBg="1"/>
+      <p:bldP spid="31" grpId="1" animBg="1"/>
+    </p:bldLst>
+  </p:timing>
+</p:sld>
+</file>
+
+<file path=ppt/slides/slide5.xml><?xml version="1.0" encoding="utf-8"?>
+<p:sld xmlns:a="http://schemas.openxmlformats.org/drawingml/2006/main" xmlns:r="http://schemas.openxmlformats.org/officeDocument/2006/relationships" xmlns:p="http://schemas.openxmlformats.org/presentationml/2006/main">
+  <p:cSld>
+    <p:spTree>
+      <p:nvGrpSpPr>
+        <p:cNvPr id="1" name=""/>
+        <p:cNvGrpSpPr/>
+        <p:nvPr/>
+      </p:nvGrpSpPr>
+      <p:grpSpPr>
+        <a:xfrm>
+          <a:off x="0" y="0"/>
+          <a:ext cx="0" cy="0"/>
+          <a:chOff x="0" y="0"/>
+          <a:chExt cx="0" cy="0"/>
+        </a:xfrm>
+      </p:grpSpPr>
+      <p:sp>
+        <p:nvSpPr>
+          <p:cNvPr id="2" name="Flowchart: Process 1">
+            <a:extLst>
+              <a:ext uri="{FF2B5EF4-FFF2-40B4-BE49-F238E27FC236}">
+                <a16:creationId xmlns:a16="http://schemas.microsoft.com/office/drawing/2014/main" id="{E75240E3-5A70-4A38-865F-9B1715399FF7}"/>
+              </a:ext>
+            </a:extLst>
+          </p:cNvPr>
+          <p:cNvSpPr/>
+          <p:nvPr/>
+        </p:nvSpPr>
+        <p:spPr>
+          <a:xfrm>
+            <a:off x="675861" y="166976"/>
+            <a:ext cx="4492485" cy="795130"/>
+          </a:xfrm>
+          <a:prstGeom prst="flowChartProcess">
+            <a:avLst/>
+          </a:prstGeom>
+        </p:spPr>
+        <p:style>
+          <a:lnRef idx="2">
+            <a:schemeClr val="accent1">
+              <a:shade val="50000"/>
+            </a:schemeClr>
+          </a:lnRef>
+          <a:fillRef idx="1">
+            <a:schemeClr val="accent1"/>
+          </a:fillRef>
+          <a:effectRef idx="0">
+            <a:schemeClr val="accent1"/>
+          </a:effectRef>
+          <a:fontRef idx="minor">
+            <a:schemeClr val="lt1"/>
+          </a:fontRef>
+        </p:style>
+        <p:txBody>
+          <a:bodyPr rtlCol="0" anchor="ctr"/>
+          <a:lstStyle/>
+          <a:p>
+            <a:pPr algn="ctr"/>
+            <a:r>
+              <a:rPr lang="en-GB" dirty="0"/>
+              <a:t>Customer UI</a:t>
+            </a:r>
+          </a:p>
+        </p:txBody>
+      </p:sp>
+      <p:sp>
+        <p:nvSpPr>
+          <p:cNvPr id="3" name="Flowchart: Process 2">
+            <a:extLst>
+              <a:ext uri="{FF2B5EF4-FFF2-40B4-BE49-F238E27FC236}">
+                <a16:creationId xmlns:a16="http://schemas.microsoft.com/office/drawing/2014/main" id="{E302C8E3-95FE-4C01-9E5E-7D2E326CD4E5}"/>
+              </a:ext>
+            </a:extLst>
+          </p:cNvPr>
+          <p:cNvSpPr/>
+          <p:nvPr/>
+        </p:nvSpPr>
+        <p:spPr>
+          <a:xfrm>
+            <a:off x="7383451" y="166976"/>
+            <a:ext cx="4274487" cy="795130"/>
+          </a:xfrm>
+          <a:prstGeom prst="flowChartProcess">
+            <a:avLst/>
+          </a:prstGeom>
+        </p:spPr>
+        <p:style>
+          <a:lnRef idx="2">
+            <a:schemeClr val="accent1">
+              <a:shade val="50000"/>
+            </a:schemeClr>
+          </a:lnRef>
+          <a:fillRef idx="1">
+            <a:schemeClr val="accent1"/>
+          </a:fillRef>
+          <a:effectRef idx="0">
+            <a:schemeClr val="accent1"/>
+          </a:effectRef>
+          <a:fontRef idx="minor">
+            <a:schemeClr val="lt1"/>
+          </a:fontRef>
+        </p:style>
+        <p:txBody>
+          <a:bodyPr rtlCol="0" anchor="ctr"/>
+          <a:lstStyle/>
+          <a:p>
+            <a:pPr algn="ctr"/>
+            <a:r>
+              <a:rPr lang="en-GB" dirty="0"/>
+              <a:t>Shop UI</a:t>
+            </a:r>
+          </a:p>
+        </p:txBody>
+      </p:sp>
+      <p:sp>
+        <p:nvSpPr>
+          <p:cNvPr id="4" name="Flowchart: Process 3">
+            <a:extLst>
+              <a:ext uri="{FF2B5EF4-FFF2-40B4-BE49-F238E27FC236}">
+                <a16:creationId xmlns:a16="http://schemas.microsoft.com/office/drawing/2014/main" id="{C22241D4-25E7-4116-830E-BFA29A4C7286}"/>
+              </a:ext>
+            </a:extLst>
+          </p:cNvPr>
+          <p:cNvSpPr/>
+          <p:nvPr/>
+        </p:nvSpPr>
+        <p:spPr>
+          <a:xfrm>
+            <a:off x="675862" y="1073423"/>
+            <a:ext cx="10982076" cy="858741"/>
+          </a:xfrm>
+          <a:prstGeom prst="flowChartProcess">
+            <a:avLst/>
+          </a:prstGeom>
+        </p:spPr>
+        <p:style>
+          <a:lnRef idx="2">
+            <a:schemeClr val="accent1">
+              <a:shade val="50000"/>
+            </a:schemeClr>
+          </a:lnRef>
+          <a:fillRef idx="1">
+            <a:schemeClr val="accent1"/>
+          </a:fillRef>
+          <a:effectRef idx="0">
+            <a:schemeClr val="accent1"/>
+          </a:effectRef>
+          <a:fontRef idx="minor">
+            <a:schemeClr val="lt1"/>
+          </a:fontRef>
+        </p:style>
+        <p:txBody>
+          <a:bodyPr rtlCol="0" anchor="ctr"/>
+          <a:lstStyle/>
+          <a:p>
+            <a:pPr algn="ctr"/>
+            <a:r>
+              <a:rPr lang="en-GB" dirty="0"/>
+              <a:t>API</a:t>
+            </a:r>
+          </a:p>
+        </p:txBody>
+      </p:sp>
+      <p:sp>
+        <p:nvSpPr>
+          <p:cNvPr id="5" name="Rectangle 4">
+            <a:extLst>
+              <a:ext uri="{FF2B5EF4-FFF2-40B4-BE49-F238E27FC236}">
+                <a16:creationId xmlns:a16="http://schemas.microsoft.com/office/drawing/2014/main" id="{3D0E1D26-32EF-4DC1-81AC-282408A85534}"/>
+              </a:ext>
+            </a:extLst>
+          </p:cNvPr>
+          <p:cNvSpPr/>
+          <p:nvPr/>
+        </p:nvSpPr>
+        <p:spPr>
+          <a:xfrm>
+            <a:off x="1832715" y="2656801"/>
+            <a:ext cx="1245045" cy="1319917"/>
+          </a:xfrm>
+          <a:prstGeom prst="rect">
+            <a:avLst/>
+          </a:prstGeom>
+        </p:spPr>
+        <p:style>
+          <a:lnRef idx="2">
+            <a:schemeClr val="accent1">
+              <a:shade val="50000"/>
+            </a:schemeClr>
+          </a:lnRef>
+          <a:fillRef idx="1">
+            <a:schemeClr val="accent1"/>
+          </a:fillRef>
+          <a:effectRef idx="0">
+            <a:schemeClr val="accent1"/>
+          </a:effectRef>
+          <a:fontRef idx="minor">
+            <a:schemeClr val="lt1"/>
+          </a:fontRef>
+        </p:style>
+        <p:txBody>
+          <a:bodyPr rtlCol="0" anchor="ctr"/>
+          <a:lstStyle/>
+          <a:p>
+            <a:pPr algn="ctr"/>
+            <a:r>
+              <a:rPr lang="en-GB" sz="1400" dirty="0"/>
+              <a:t>Identity</a:t>
+            </a:r>
+          </a:p>
+        </p:txBody>
+      </p:sp>
+      <p:sp>
+        <p:nvSpPr>
+          <p:cNvPr id="6" name="Rectangle 5">
+            <a:extLst>
+              <a:ext uri="{FF2B5EF4-FFF2-40B4-BE49-F238E27FC236}">
+                <a16:creationId xmlns:a16="http://schemas.microsoft.com/office/drawing/2014/main" id="{CC286BAC-D333-44AC-8E6A-FA4C95236290}"/>
+              </a:ext>
+            </a:extLst>
+          </p:cNvPr>
+          <p:cNvSpPr/>
+          <p:nvPr/>
+        </p:nvSpPr>
+        <p:spPr>
+          <a:xfrm>
+            <a:off x="3262745" y="2656801"/>
+            <a:ext cx="1245045" cy="1319917"/>
+          </a:xfrm>
+          <a:prstGeom prst="rect">
+            <a:avLst/>
+          </a:prstGeom>
+        </p:spPr>
+        <p:style>
+          <a:lnRef idx="2">
+            <a:schemeClr val="accent1">
+              <a:shade val="50000"/>
+            </a:schemeClr>
+          </a:lnRef>
+          <a:fillRef idx="1">
+            <a:schemeClr val="accent1"/>
+          </a:fillRef>
+          <a:effectRef idx="0">
+            <a:schemeClr val="accent1"/>
+          </a:effectRef>
+          <a:fontRef idx="minor">
+            <a:schemeClr val="lt1"/>
+          </a:fontRef>
+        </p:style>
+        <p:txBody>
+          <a:bodyPr rtlCol="0" anchor="ctr"/>
+          <a:lstStyle/>
+          <a:p>
+            <a:pPr algn="ctr"/>
+            <a:r>
+              <a:rPr lang="en-GB" sz="1400" dirty="0"/>
+              <a:t>Billing</a:t>
+            </a:r>
+          </a:p>
+        </p:txBody>
+      </p:sp>
+      <p:sp>
+        <p:nvSpPr>
+          <p:cNvPr id="7" name="Rectangle 6">
+            <a:extLst>
+              <a:ext uri="{FF2B5EF4-FFF2-40B4-BE49-F238E27FC236}">
+                <a16:creationId xmlns:a16="http://schemas.microsoft.com/office/drawing/2014/main" id="{15773FA2-37DC-4416-9360-2D9177E8F17D}"/>
+              </a:ext>
+            </a:extLst>
+          </p:cNvPr>
+          <p:cNvSpPr/>
+          <p:nvPr/>
+        </p:nvSpPr>
+        <p:spPr>
+          <a:xfrm>
+            <a:off x="4692775" y="2656801"/>
+            <a:ext cx="1245045" cy="1319917"/>
+          </a:xfrm>
+          <a:prstGeom prst="rect">
+            <a:avLst/>
+          </a:prstGeom>
+        </p:spPr>
+        <p:style>
+          <a:lnRef idx="2">
+            <a:schemeClr val="accent1">
+              <a:shade val="50000"/>
+            </a:schemeClr>
+          </a:lnRef>
+          <a:fillRef idx="1">
+            <a:schemeClr val="accent1"/>
+          </a:fillRef>
+          <a:effectRef idx="0">
+            <a:schemeClr val="accent1"/>
+          </a:effectRef>
+          <a:fontRef idx="minor">
+            <a:schemeClr val="lt1"/>
+          </a:fontRef>
+        </p:style>
+        <p:txBody>
+          <a:bodyPr rtlCol="0" anchor="ctr"/>
+          <a:lstStyle/>
+          <a:p>
+            <a:pPr algn="ctr"/>
+            <a:r>
+              <a:rPr lang="en-GB" sz="1400" dirty="0"/>
+              <a:t>Payment Integration </a:t>
+            </a:r>
+          </a:p>
+        </p:txBody>
+      </p:sp>
+      <p:sp>
+        <p:nvSpPr>
+          <p:cNvPr id="8" name="Rectangle 7">
+            <a:extLst>
+              <a:ext uri="{FF2B5EF4-FFF2-40B4-BE49-F238E27FC236}">
+                <a16:creationId xmlns:a16="http://schemas.microsoft.com/office/drawing/2014/main" id="{696A63C3-73F8-48A5-ABE0-6B89A160C7AE}"/>
+              </a:ext>
+            </a:extLst>
+          </p:cNvPr>
+          <p:cNvSpPr/>
+          <p:nvPr/>
+        </p:nvSpPr>
+        <p:spPr>
+          <a:xfrm>
+            <a:off x="8982864" y="2656800"/>
+            <a:ext cx="1245045" cy="1319917"/>
+          </a:xfrm>
+          <a:prstGeom prst="rect">
+            <a:avLst/>
+          </a:prstGeom>
+        </p:spPr>
+        <p:style>
+          <a:lnRef idx="2">
+            <a:schemeClr val="accent1">
+              <a:shade val="50000"/>
+            </a:schemeClr>
+          </a:lnRef>
+          <a:fillRef idx="1">
+            <a:schemeClr val="accent1"/>
+          </a:fillRef>
+          <a:effectRef idx="0">
+            <a:schemeClr val="accent1"/>
+          </a:effectRef>
+          <a:fontRef idx="minor">
+            <a:schemeClr val="lt1"/>
+          </a:fontRef>
+        </p:style>
+        <p:txBody>
+          <a:bodyPr rtlCol="0" anchor="ctr"/>
+          <a:lstStyle/>
+          <a:p>
+            <a:pPr algn="ctr"/>
+            <a:r>
+              <a:rPr lang="en-GB" sz="1400" dirty="0"/>
+              <a:t>Document</a:t>
+            </a:r>
+          </a:p>
+        </p:txBody>
+      </p:sp>
+      <p:sp>
+        <p:nvSpPr>
+          <p:cNvPr id="9" name="Rectangle 8">
+            <a:extLst>
+              <a:ext uri="{FF2B5EF4-FFF2-40B4-BE49-F238E27FC236}">
+                <a16:creationId xmlns:a16="http://schemas.microsoft.com/office/drawing/2014/main" id="{796F7A63-9C81-4F77-9954-FC764B10DA48}"/>
+              </a:ext>
+            </a:extLst>
+          </p:cNvPr>
+          <p:cNvSpPr/>
+          <p:nvPr/>
+        </p:nvSpPr>
+        <p:spPr>
+          <a:xfrm>
+            <a:off x="6122805" y="2656806"/>
+            <a:ext cx="1245045" cy="1319917"/>
+          </a:xfrm>
+          <a:prstGeom prst="rect">
+            <a:avLst/>
+          </a:prstGeom>
+        </p:spPr>
+        <p:style>
+          <a:lnRef idx="2">
+            <a:schemeClr val="accent1">
+              <a:shade val="50000"/>
+            </a:schemeClr>
+          </a:lnRef>
+          <a:fillRef idx="1">
+            <a:schemeClr val="accent1"/>
+          </a:fillRef>
+          <a:effectRef idx="0">
+            <a:schemeClr val="accent1"/>
+          </a:effectRef>
+          <a:fontRef idx="minor">
+            <a:schemeClr val="lt1"/>
+          </a:fontRef>
+        </p:style>
+        <p:txBody>
+          <a:bodyPr rtlCol="0" anchor="ctr"/>
+          <a:lstStyle/>
+          <a:p>
+            <a:pPr algn="ctr"/>
+            <a:r>
+              <a:rPr lang="en-GB" sz="1400" dirty="0"/>
+              <a:t>Word Processor</a:t>
+            </a:r>
+          </a:p>
+          <a:p>
+            <a:pPr algn="ctr"/>
+            <a:r>
+              <a:rPr lang="en-GB" sz="1400" dirty="0"/>
+              <a:t>Integration </a:t>
+            </a:r>
+          </a:p>
+        </p:txBody>
+      </p:sp>
+      <p:sp>
+        <p:nvSpPr>
+          <p:cNvPr id="10" name="Rectangle 9">
+            <a:extLst>
+              <a:ext uri="{FF2B5EF4-FFF2-40B4-BE49-F238E27FC236}">
+                <a16:creationId xmlns:a16="http://schemas.microsoft.com/office/drawing/2014/main" id="{1E3D3DD9-59F9-41F3-9ED1-D76EA8FB29A0}"/>
+              </a:ext>
+            </a:extLst>
+          </p:cNvPr>
+          <p:cNvSpPr/>
+          <p:nvPr/>
+        </p:nvSpPr>
+        <p:spPr>
+          <a:xfrm>
+            <a:off x="7552835" y="2656805"/>
+            <a:ext cx="1245045" cy="1319917"/>
+          </a:xfrm>
+          <a:prstGeom prst="rect">
+            <a:avLst/>
+          </a:prstGeom>
+        </p:spPr>
+        <p:style>
+          <a:lnRef idx="2">
+            <a:schemeClr val="accent1">
+              <a:shade val="50000"/>
+            </a:schemeClr>
+          </a:lnRef>
+          <a:fillRef idx="1">
+            <a:schemeClr val="accent1"/>
+          </a:fillRef>
+          <a:effectRef idx="0">
+            <a:schemeClr val="accent1"/>
+          </a:effectRef>
+          <a:fontRef idx="minor">
+            <a:schemeClr val="lt1"/>
+          </a:fontRef>
+        </p:style>
+        <p:txBody>
+          <a:bodyPr rtlCol="0" anchor="ctr"/>
+          <a:lstStyle/>
+          <a:p>
+            <a:pPr algn="ctr"/>
+            <a:r>
+              <a:rPr lang="en-GB" sz="1200" dirty="0"/>
+              <a:t>Notifications</a:t>
+            </a:r>
+          </a:p>
+        </p:txBody>
+      </p:sp>
+      <p:sp>
+        <p:nvSpPr>
+          <p:cNvPr id="11" name="Rectangle 10">
+            <a:extLst>
+              <a:ext uri="{FF2B5EF4-FFF2-40B4-BE49-F238E27FC236}">
+                <a16:creationId xmlns:a16="http://schemas.microsoft.com/office/drawing/2014/main" id="{AB8A7588-189A-438A-9775-290994A8718F}"/>
+              </a:ext>
+            </a:extLst>
+          </p:cNvPr>
+          <p:cNvSpPr/>
+          <p:nvPr/>
+        </p:nvSpPr>
+        <p:spPr>
+          <a:xfrm>
+            <a:off x="10412893" y="2656800"/>
+            <a:ext cx="1245045" cy="1319917"/>
+          </a:xfrm>
+          <a:prstGeom prst="rect">
+            <a:avLst/>
+          </a:prstGeom>
+        </p:spPr>
+        <p:style>
+          <a:lnRef idx="2">
+            <a:schemeClr val="accent1">
+              <a:shade val="50000"/>
+            </a:schemeClr>
+          </a:lnRef>
+          <a:fillRef idx="1">
+            <a:schemeClr val="accent1"/>
+          </a:fillRef>
+          <a:effectRef idx="0">
+            <a:schemeClr val="accent1"/>
+          </a:effectRef>
+          <a:fontRef idx="minor">
+            <a:schemeClr val="lt1"/>
+          </a:fontRef>
+        </p:style>
+        <p:txBody>
+          <a:bodyPr rtlCol="0" anchor="ctr"/>
+          <a:lstStyle/>
+          <a:p>
+            <a:pPr algn="ctr"/>
+            <a:r>
+              <a:rPr lang="en-GB" sz="1400" dirty="0"/>
+              <a:t>Print</a:t>
+            </a:r>
+          </a:p>
+        </p:txBody>
+      </p:sp>
+      <p:sp>
+        <p:nvSpPr>
+          <p:cNvPr id="19" name="Cylinder 18">
+            <a:extLst>
+              <a:ext uri="{FF2B5EF4-FFF2-40B4-BE49-F238E27FC236}">
+                <a16:creationId xmlns:a16="http://schemas.microsoft.com/office/drawing/2014/main" id="{E75E6C4B-E7C1-41AA-9AD2-E30C87D706D8}"/>
+              </a:ext>
+            </a:extLst>
+          </p:cNvPr>
+          <p:cNvSpPr/>
+          <p:nvPr/>
+        </p:nvSpPr>
+        <p:spPr>
+          <a:xfrm>
+            <a:off x="675861" y="2614968"/>
+            <a:ext cx="268689" cy="3540352"/>
+          </a:xfrm>
+          <a:prstGeom prst="can">
+            <a:avLst/>
+          </a:prstGeom>
+        </p:spPr>
+        <p:style>
+          <a:lnRef idx="2">
+            <a:schemeClr val="accent1">
+              <a:shade val="50000"/>
+            </a:schemeClr>
+          </a:lnRef>
+          <a:fillRef idx="1">
+            <a:schemeClr val="accent1"/>
+          </a:fillRef>
+          <a:effectRef idx="0">
+            <a:schemeClr val="accent1"/>
+          </a:effectRef>
+          <a:fontRef idx="minor">
+            <a:schemeClr val="lt1"/>
+          </a:fontRef>
+        </p:style>
+        <p:txBody>
+          <a:bodyPr rtlCol="0" anchor="ctr"/>
+          <a:lstStyle/>
+          <a:p>
+            <a:pPr algn="ctr"/>
+            <a:r>
+              <a:rPr lang="en-GB" dirty="0"/>
+              <a:t>Broker </a:t>
+            </a:r>
+          </a:p>
+        </p:txBody>
+      </p:sp>
+      <p:sp>
+        <p:nvSpPr>
+          <p:cNvPr id="23" name="Cylinder 22">
+            <a:extLst>
+              <a:ext uri="{FF2B5EF4-FFF2-40B4-BE49-F238E27FC236}">
+                <a16:creationId xmlns:a16="http://schemas.microsoft.com/office/drawing/2014/main" id="{105C1BB0-F071-4CA4-8F43-8091502D6DE4}"/>
+              </a:ext>
+            </a:extLst>
+          </p:cNvPr>
+          <p:cNvSpPr/>
+          <p:nvPr/>
+        </p:nvSpPr>
+        <p:spPr>
+          <a:xfrm>
+            <a:off x="5000893" y="5534108"/>
+            <a:ext cx="620678" cy="1231382"/>
+          </a:xfrm>
+          <a:prstGeom prst="can">
+            <a:avLst>
+              <a:gd name="adj" fmla="val 39262"/>
+            </a:avLst>
+          </a:prstGeom>
+        </p:spPr>
+        <p:style>
+          <a:lnRef idx="2">
+            <a:schemeClr val="accent1">
+              <a:shade val="50000"/>
+            </a:schemeClr>
+          </a:lnRef>
+          <a:fillRef idx="1">
+            <a:schemeClr val="accent1"/>
+          </a:fillRef>
+          <a:effectRef idx="0">
+            <a:schemeClr val="accent1"/>
+          </a:effectRef>
+          <a:fontRef idx="minor">
+            <a:schemeClr val="lt1"/>
+          </a:fontRef>
+        </p:style>
+        <p:txBody>
+          <a:bodyPr rtlCol="0" anchor="ctr"/>
+          <a:lstStyle/>
+          <a:p>
+            <a:pPr algn="ctr"/>
+            <a:r>
+              <a:rPr lang="en-GB" dirty="0"/>
+              <a:t>DB</a:t>
+            </a:r>
+          </a:p>
+          <a:p>
+            <a:pPr algn="ctr"/>
+            <a:r>
+              <a:rPr lang="en-GB" dirty="0"/>
+              <a:t>TBD</a:t>
+            </a:r>
+          </a:p>
+        </p:txBody>
+      </p:sp>
+      <p:sp>
+        <p:nvSpPr>
+          <p:cNvPr id="24" name="Cylinder 23">
+            <a:extLst>
+              <a:ext uri="{FF2B5EF4-FFF2-40B4-BE49-F238E27FC236}">
+                <a16:creationId xmlns:a16="http://schemas.microsoft.com/office/drawing/2014/main" id="{2FC32292-6200-4764-8991-62C77916B67A}"/>
+              </a:ext>
+            </a:extLst>
+          </p:cNvPr>
+          <p:cNvSpPr/>
+          <p:nvPr/>
+        </p:nvSpPr>
+        <p:spPr>
+          <a:xfrm>
+            <a:off x="9702537" y="5534107"/>
+            <a:ext cx="663508" cy="1231383"/>
+          </a:xfrm>
+          <a:prstGeom prst="can">
+            <a:avLst>
+              <a:gd name="adj" fmla="val 39262"/>
+            </a:avLst>
+          </a:prstGeom>
+        </p:spPr>
+        <p:style>
+          <a:lnRef idx="2">
+            <a:schemeClr val="accent1">
+              <a:shade val="50000"/>
+            </a:schemeClr>
+          </a:lnRef>
+          <a:fillRef idx="1">
+            <a:schemeClr val="accent1"/>
+          </a:fillRef>
+          <a:effectRef idx="0">
+            <a:schemeClr val="accent1"/>
+          </a:effectRef>
+          <a:fontRef idx="minor">
+            <a:schemeClr val="lt1"/>
+          </a:fontRef>
+        </p:style>
+        <p:txBody>
+          <a:bodyPr rtlCol="0" anchor="ctr"/>
+          <a:lstStyle/>
+          <a:p>
+            <a:pPr algn="ctr"/>
+            <a:r>
+              <a:rPr lang="en-GB" dirty="0"/>
+              <a:t>Blob</a:t>
+            </a:r>
+          </a:p>
+        </p:txBody>
+      </p:sp>
+      <p:cxnSp>
+        <p:nvCxnSpPr>
+          <p:cNvPr id="26" name="Straight Arrow Connector 25">
+            <a:extLst>
+              <a:ext uri="{FF2B5EF4-FFF2-40B4-BE49-F238E27FC236}">
+                <a16:creationId xmlns:a16="http://schemas.microsoft.com/office/drawing/2014/main" id="{A7027225-6205-4E4A-8E9B-7259118CC7D2}"/>
+              </a:ext>
+            </a:extLst>
+          </p:cNvPr>
+          <p:cNvCxnSpPr>
+            <a:cxnSpLocks/>
+            <a:stCxn id="5" idx="2"/>
+            <a:endCxn id="29" idx="1"/>
+          </p:cNvCxnSpPr>
+          <p:nvPr/>
+        </p:nvCxnSpPr>
+        <p:spPr>
+          <a:xfrm>
+            <a:off x="2455238" y="3976718"/>
+            <a:ext cx="362261" cy="1152943"/>
+          </a:xfrm>
+          <a:prstGeom prst="straightConnector1">
+            <a:avLst/>
+          </a:prstGeom>
+          <a:ln>
+            <a:tailEnd type="triangle"/>
+          </a:ln>
+        </p:spPr>
+        <p:style>
+          <a:lnRef idx="1">
+            <a:schemeClr val="accent1"/>
+          </a:lnRef>
+          <a:fillRef idx="0">
+            <a:schemeClr val="accent1"/>
+          </a:fillRef>
+          <a:effectRef idx="0">
+            <a:schemeClr val="accent1"/>
+          </a:effectRef>
+          <a:fontRef idx="minor">
+            <a:schemeClr val="tx1"/>
+          </a:fontRef>
+        </p:style>
+      </p:cxnSp>
+      <p:cxnSp>
+        <p:nvCxnSpPr>
+          <p:cNvPr id="27" name="Straight Arrow Connector 26">
+            <a:extLst>
+              <a:ext uri="{FF2B5EF4-FFF2-40B4-BE49-F238E27FC236}">
+                <a16:creationId xmlns:a16="http://schemas.microsoft.com/office/drawing/2014/main" id="{8A13E943-22B1-4276-ACA1-466C870E7249}"/>
+              </a:ext>
+            </a:extLst>
+          </p:cNvPr>
+          <p:cNvCxnSpPr>
+            <a:cxnSpLocks/>
+            <a:stCxn id="6" idx="2"/>
+          </p:cNvCxnSpPr>
+          <p:nvPr/>
+        </p:nvCxnSpPr>
+        <p:spPr>
+          <a:xfrm flipH="1">
+            <a:off x="2890496" y="3976718"/>
+            <a:ext cx="994772" cy="1152943"/>
+          </a:xfrm>
+          <a:prstGeom prst="straightConnector1">
+            <a:avLst/>
+          </a:prstGeom>
+          <a:ln>
+            <a:tailEnd type="triangle"/>
+          </a:ln>
+        </p:spPr>
+        <p:style>
+          <a:lnRef idx="1">
+            <a:schemeClr val="accent1"/>
+          </a:lnRef>
+          <a:fillRef idx="0">
+            <a:schemeClr val="accent1"/>
+          </a:fillRef>
+          <a:effectRef idx="0">
+            <a:schemeClr val="accent1"/>
+          </a:effectRef>
+          <a:fontRef idx="minor">
+            <a:schemeClr val="tx1"/>
+          </a:fontRef>
+        </p:style>
+      </p:cxnSp>
+      <p:cxnSp>
+        <p:nvCxnSpPr>
+          <p:cNvPr id="34" name="Straight Arrow Connector 33">
+            <a:extLst>
+              <a:ext uri="{FF2B5EF4-FFF2-40B4-BE49-F238E27FC236}">
+                <a16:creationId xmlns:a16="http://schemas.microsoft.com/office/drawing/2014/main" id="{F4367E02-57AF-4969-8B1D-466189DCF138}"/>
+              </a:ext>
+            </a:extLst>
+          </p:cNvPr>
+          <p:cNvCxnSpPr>
+            <a:cxnSpLocks/>
+            <a:stCxn id="7" idx="2"/>
+            <a:endCxn id="23" idx="1"/>
+          </p:cNvCxnSpPr>
+          <p:nvPr/>
+        </p:nvCxnSpPr>
+        <p:spPr>
+          <a:xfrm flipH="1">
+            <a:off x="5311232" y="3976718"/>
+            <a:ext cx="4066" cy="1557390"/>
+          </a:xfrm>
+          <a:prstGeom prst="straightConnector1">
+            <a:avLst/>
+          </a:prstGeom>
+          <a:ln>
+            <a:tailEnd type="triangle"/>
+          </a:ln>
+        </p:spPr>
+        <p:style>
+          <a:lnRef idx="1">
+            <a:schemeClr val="accent1"/>
+          </a:lnRef>
+          <a:fillRef idx="0">
+            <a:schemeClr val="accent1"/>
+          </a:fillRef>
+          <a:effectRef idx="0">
+            <a:schemeClr val="accent1"/>
+          </a:effectRef>
+          <a:fontRef idx="minor">
+            <a:schemeClr val="tx1"/>
+          </a:fontRef>
+        </p:style>
+      </p:cxnSp>
+      <p:cxnSp>
+        <p:nvCxnSpPr>
+          <p:cNvPr id="37" name="Straight Arrow Connector 36">
+            <a:extLst>
+              <a:ext uri="{FF2B5EF4-FFF2-40B4-BE49-F238E27FC236}">
+                <a16:creationId xmlns:a16="http://schemas.microsoft.com/office/drawing/2014/main" id="{2268370F-8B44-48C6-B65E-DAE8BDDD9006}"/>
+              </a:ext>
+            </a:extLst>
+          </p:cNvPr>
+          <p:cNvCxnSpPr>
+            <a:cxnSpLocks/>
+            <a:stCxn id="9" idx="2"/>
+            <a:endCxn id="58" idx="1"/>
+          </p:cNvCxnSpPr>
+          <p:nvPr/>
+        </p:nvCxnSpPr>
+        <p:spPr>
+          <a:xfrm>
+            <a:off x="6745328" y="3976723"/>
+            <a:ext cx="32210" cy="1557385"/>
+          </a:xfrm>
+          <a:prstGeom prst="straightConnector1">
+            <a:avLst/>
+          </a:prstGeom>
+          <a:ln>
+            <a:tailEnd type="triangle"/>
+          </a:ln>
+        </p:spPr>
+        <p:style>
+          <a:lnRef idx="1">
+            <a:schemeClr val="accent1"/>
+          </a:lnRef>
+          <a:fillRef idx="0">
+            <a:schemeClr val="accent1"/>
+          </a:fillRef>
+          <a:effectRef idx="0">
+            <a:schemeClr val="accent1"/>
+          </a:effectRef>
+          <a:fontRef idx="minor">
+            <a:schemeClr val="tx1"/>
+          </a:fontRef>
+        </p:style>
+      </p:cxnSp>
+      <p:cxnSp>
+        <p:nvCxnSpPr>
+          <p:cNvPr id="40" name="Straight Arrow Connector 39">
+            <a:extLst>
+              <a:ext uri="{FF2B5EF4-FFF2-40B4-BE49-F238E27FC236}">
+                <a16:creationId xmlns:a16="http://schemas.microsoft.com/office/drawing/2014/main" id="{53E23643-DB69-462F-8AC2-B5DEDAE83BE3}"/>
+              </a:ext>
+            </a:extLst>
+          </p:cNvPr>
+          <p:cNvCxnSpPr>
+            <a:cxnSpLocks/>
+            <a:endCxn id="57" idx="1"/>
+          </p:cNvCxnSpPr>
+          <p:nvPr/>
+        </p:nvCxnSpPr>
+        <p:spPr>
+          <a:xfrm>
+            <a:off x="8105690" y="3976722"/>
+            <a:ext cx="69667" cy="1557386"/>
+          </a:xfrm>
+          <a:prstGeom prst="straightConnector1">
+            <a:avLst/>
+          </a:prstGeom>
+          <a:ln>
+            <a:tailEnd type="triangle"/>
+          </a:ln>
+        </p:spPr>
+        <p:style>
+          <a:lnRef idx="1">
+            <a:schemeClr val="accent1"/>
+          </a:lnRef>
+          <a:fillRef idx="0">
+            <a:schemeClr val="accent1"/>
+          </a:fillRef>
+          <a:effectRef idx="0">
+            <a:schemeClr val="accent1"/>
+          </a:effectRef>
+          <a:fontRef idx="minor">
+            <a:schemeClr val="tx1"/>
+          </a:fontRef>
+        </p:style>
+      </p:cxnSp>
+      <p:cxnSp>
+        <p:nvCxnSpPr>
+          <p:cNvPr id="43" name="Straight Arrow Connector 42">
+            <a:extLst>
+              <a:ext uri="{FF2B5EF4-FFF2-40B4-BE49-F238E27FC236}">
+                <a16:creationId xmlns:a16="http://schemas.microsoft.com/office/drawing/2014/main" id="{BD78D5C3-0AAA-4B91-BC78-F9E6415672DB}"/>
+              </a:ext>
+            </a:extLst>
+          </p:cNvPr>
+          <p:cNvCxnSpPr>
+            <a:cxnSpLocks/>
+            <a:endCxn id="64" idx="1"/>
+          </p:cNvCxnSpPr>
+          <p:nvPr/>
+        </p:nvCxnSpPr>
+        <p:spPr>
+          <a:xfrm flipH="1">
+            <a:off x="9238591" y="3976717"/>
+            <a:ext cx="297126" cy="1557391"/>
+          </a:xfrm>
+          <a:prstGeom prst="straightConnector1">
+            <a:avLst/>
+          </a:prstGeom>
+          <a:ln>
+            <a:tailEnd type="triangle"/>
+          </a:ln>
+        </p:spPr>
+        <p:style>
+          <a:lnRef idx="1">
+            <a:schemeClr val="accent1"/>
+          </a:lnRef>
+          <a:fillRef idx="0">
+            <a:schemeClr val="accent1"/>
+          </a:fillRef>
+          <a:effectRef idx="0">
+            <a:schemeClr val="accent1"/>
+          </a:effectRef>
+          <a:fontRef idx="minor">
+            <a:schemeClr val="tx1"/>
+          </a:fontRef>
+        </p:style>
+      </p:cxnSp>
+      <p:cxnSp>
+        <p:nvCxnSpPr>
+          <p:cNvPr id="46" name="Straight Arrow Connector 45">
+            <a:extLst>
+              <a:ext uri="{FF2B5EF4-FFF2-40B4-BE49-F238E27FC236}">
+                <a16:creationId xmlns:a16="http://schemas.microsoft.com/office/drawing/2014/main" id="{594D5DCC-E7DB-4831-8CF1-A7CD589A79B5}"/>
+              </a:ext>
+            </a:extLst>
+          </p:cNvPr>
+          <p:cNvCxnSpPr>
+            <a:cxnSpLocks/>
+            <a:endCxn id="56" idx="1"/>
+          </p:cNvCxnSpPr>
+          <p:nvPr/>
+        </p:nvCxnSpPr>
+        <p:spPr>
+          <a:xfrm>
+            <a:off x="11036747" y="3978048"/>
+            <a:ext cx="1179" cy="1561581"/>
+          </a:xfrm>
+          <a:prstGeom prst="straightConnector1">
+            <a:avLst/>
+          </a:prstGeom>
+          <a:ln>
+            <a:tailEnd type="triangle"/>
+          </a:ln>
+        </p:spPr>
+        <p:style>
+          <a:lnRef idx="1">
+            <a:schemeClr val="accent1"/>
+          </a:lnRef>
+          <a:fillRef idx="0">
+            <a:schemeClr val="accent1"/>
+          </a:fillRef>
+          <a:effectRef idx="0">
+            <a:schemeClr val="accent1"/>
+          </a:effectRef>
+          <a:fontRef idx="minor">
+            <a:schemeClr val="tx1"/>
+          </a:fontRef>
+        </p:style>
+      </p:cxnSp>
+      <p:cxnSp>
+        <p:nvCxnSpPr>
+          <p:cNvPr id="49" name="Straight Arrow Connector 48">
+            <a:extLst>
+              <a:ext uri="{FF2B5EF4-FFF2-40B4-BE49-F238E27FC236}">
+                <a16:creationId xmlns:a16="http://schemas.microsoft.com/office/drawing/2014/main" id="{70370843-F485-4B5C-9C43-A833919066F4}"/>
+              </a:ext>
+            </a:extLst>
+          </p:cNvPr>
+          <p:cNvCxnSpPr>
+            <a:cxnSpLocks/>
+            <a:stCxn id="8" idx="2"/>
+            <a:endCxn id="24" idx="1"/>
+          </p:cNvCxnSpPr>
+          <p:nvPr/>
+        </p:nvCxnSpPr>
+        <p:spPr>
+          <a:xfrm>
+            <a:off x="9605387" y="3976717"/>
+            <a:ext cx="428904" cy="1557390"/>
+          </a:xfrm>
+          <a:prstGeom prst="straightConnector1">
+            <a:avLst/>
+          </a:prstGeom>
+          <a:ln>
+            <a:tailEnd type="triangle"/>
+          </a:ln>
+        </p:spPr>
+        <p:style>
+          <a:lnRef idx="1">
+            <a:schemeClr val="accent1"/>
+          </a:lnRef>
+          <a:fillRef idx="0">
+            <a:schemeClr val="accent1"/>
+          </a:fillRef>
+          <a:effectRef idx="0">
+            <a:schemeClr val="accent1"/>
+          </a:effectRef>
+          <a:fontRef idx="minor">
+            <a:schemeClr val="tx1"/>
+          </a:fontRef>
+        </p:style>
+      </p:cxnSp>
+      <p:sp>
+        <p:nvSpPr>
+          <p:cNvPr id="52" name="Callout: Left Arrow 51">
+            <a:extLst>
+              <a:ext uri="{FF2B5EF4-FFF2-40B4-BE49-F238E27FC236}">
+                <a16:creationId xmlns:a16="http://schemas.microsoft.com/office/drawing/2014/main" id="{D215D13C-0760-4E5B-91E8-50F4B3EF51E1}"/>
+              </a:ext>
+            </a:extLst>
+          </p:cNvPr>
+          <p:cNvSpPr/>
+          <p:nvPr/>
+        </p:nvSpPr>
+        <p:spPr>
+          <a:xfrm>
+            <a:off x="1066979" y="2656800"/>
+            <a:ext cx="439132" cy="3498520"/>
+          </a:xfrm>
+          <a:prstGeom prst="leftArrowCallout">
+            <a:avLst/>
+          </a:prstGeom>
+        </p:spPr>
+        <p:style>
+          <a:lnRef idx="2">
+            <a:schemeClr val="accent1">
+              <a:shade val="50000"/>
+            </a:schemeClr>
+          </a:lnRef>
+          <a:fillRef idx="1">
+            <a:schemeClr val="accent1"/>
+          </a:fillRef>
+          <a:effectRef idx="0">
+            <a:schemeClr val="accent1"/>
+          </a:effectRef>
+          <a:fontRef idx="minor">
+            <a:schemeClr val="lt1"/>
+          </a:fontRef>
+        </p:style>
+        <p:txBody>
+          <a:bodyPr rtlCol="0" anchor="ctr"/>
+          <a:lstStyle/>
+          <a:p>
+            <a:pPr algn="ctr"/>
+            <a:r>
+              <a:rPr lang="en-GB" dirty="0"/>
+              <a:t>Events</a:t>
+            </a:r>
+          </a:p>
+        </p:txBody>
+      </p:sp>
+      <p:sp>
+        <p:nvSpPr>
+          <p:cNvPr id="65" name="Arrow: Down 64">
+            <a:extLst>
+              <a:ext uri="{FF2B5EF4-FFF2-40B4-BE49-F238E27FC236}">
+                <a16:creationId xmlns:a16="http://schemas.microsoft.com/office/drawing/2014/main" id="{5101371C-F351-4359-A2A8-DF25260627B5}"/>
+              </a:ext>
+            </a:extLst>
+          </p:cNvPr>
+          <p:cNvSpPr/>
+          <p:nvPr/>
+        </p:nvSpPr>
+        <p:spPr>
+          <a:xfrm>
+            <a:off x="1903071" y="2043481"/>
+            <a:ext cx="8324837" cy="534037"/>
+          </a:xfrm>
+          <a:prstGeom prst="downArrow">
+            <a:avLst/>
+          </a:prstGeom>
+        </p:spPr>
+        <p:style>
+          <a:lnRef idx="2">
+            <a:schemeClr val="accent1">
+              <a:shade val="50000"/>
+            </a:schemeClr>
+          </a:lnRef>
+          <a:fillRef idx="1">
+            <a:schemeClr val="accent1"/>
+          </a:fillRef>
+          <a:effectRef idx="0">
+            <a:schemeClr val="accent1"/>
+          </a:effectRef>
+          <a:fontRef idx="minor">
+            <a:schemeClr val="lt1"/>
+          </a:fontRef>
+        </p:style>
+        <p:txBody>
+          <a:bodyPr rtlCol="0" anchor="ctr"/>
+          <a:lstStyle/>
+          <a:p>
+            <a:pPr algn="ctr"/>
+            <a:r>
+              <a:rPr lang="en-GB" dirty="0"/>
+              <a:t>Command / Queries</a:t>
+            </a:r>
+          </a:p>
+        </p:txBody>
+      </p:sp>
+      <p:sp>
+        <p:nvSpPr>
+          <p:cNvPr id="29" name="Cylinder 28">
+            <a:extLst>
+              <a:ext uri="{FF2B5EF4-FFF2-40B4-BE49-F238E27FC236}">
+                <a16:creationId xmlns:a16="http://schemas.microsoft.com/office/drawing/2014/main" id="{0E8A98DD-3D77-4D0D-B37D-C001AEC3451B}"/>
+              </a:ext>
+            </a:extLst>
+          </p:cNvPr>
+          <p:cNvSpPr/>
+          <p:nvPr/>
+        </p:nvSpPr>
+        <p:spPr>
+          <a:xfrm>
+            <a:off x="2079662" y="5129661"/>
+            <a:ext cx="1475674" cy="1635830"/>
+          </a:xfrm>
+          <a:prstGeom prst="can">
+            <a:avLst>
+              <a:gd name="adj" fmla="val 39262"/>
+            </a:avLst>
+          </a:prstGeom>
+        </p:spPr>
+        <p:style>
+          <a:lnRef idx="2">
+            <a:schemeClr val="accent1">
+              <a:shade val="50000"/>
+            </a:schemeClr>
+          </a:lnRef>
+          <a:fillRef idx="1">
+            <a:schemeClr val="accent1"/>
+          </a:fillRef>
+          <a:effectRef idx="0">
+            <a:schemeClr val="accent1"/>
+          </a:effectRef>
+          <a:fontRef idx="minor">
+            <a:schemeClr val="lt1"/>
+          </a:fontRef>
+        </p:style>
+        <p:txBody>
+          <a:bodyPr rtlCol="0" anchor="ctr"/>
+          <a:lstStyle/>
+          <a:p>
+            <a:pPr algn="ctr"/>
+            <a:r>
+              <a:rPr lang="en-GB" dirty="0"/>
+              <a:t>DB</a:t>
+            </a:r>
+          </a:p>
+          <a:p>
+            <a:pPr algn="ctr"/>
+            <a:r>
+              <a:rPr lang="en-GB" dirty="0"/>
+              <a:t>SQL</a:t>
+            </a:r>
+          </a:p>
+        </p:txBody>
+      </p:sp>
+      <p:sp>
+        <p:nvSpPr>
+          <p:cNvPr id="56" name="Cylinder 55">
+            <a:extLst>
+              <a:ext uri="{FF2B5EF4-FFF2-40B4-BE49-F238E27FC236}">
+                <a16:creationId xmlns:a16="http://schemas.microsoft.com/office/drawing/2014/main" id="{07308625-60D5-466C-A06F-49CB337BD5CE}"/>
+              </a:ext>
+            </a:extLst>
+          </p:cNvPr>
+          <p:cNvSpPr/>
+          <p:nvPr/>
+        </p:nvSpPr>
+        <p:spPr>
+          <a:xfrm>
+            <a:off x="10727587" y="5539629"/>
+            <a:ext cx="620678" cy="1231382"/>
+          </a:xfrm>
+          <a:prstGeom prst="can">
+            <a:avLst>
+              <a:gd name="adj" fmla="val 39262"/>
+            </a:avLst>
+          </a:prstGeom>
+        </p:spPr>
+        <p:style>
+          <a:lnRef idx="2">
+            <a:schemeClr val="accent1">
+              <a:shade val="50000"/>
+            </a:schemeClr>
+          </a:lnRef>
+          <a:fillRef idx="1">
+            <a:schemeClr val="accent1"/>
+          </a:fillRef>
+          <a:effectRef idx="0">
+            <a:schemeClr val="accent1"/>
+          </a:effectRef>
+          <a:fontRef idx="minor">
+            <a:schemeClr val="lt1"/>
+          </a:fontRef>
+        </p:style>
+        <p:txBody>
+          <a:bodyPr rtlCol="0" anchor="ctr"/>
+          <a:lstStyle/>
+          <a:p>
+            <a:pPr algn="ctr"/>
+            <a:r>
+              <a:rPr lang="en-GB" dirty="0"/>
+              <a:t>DB</a:t>
+            </a:r>
+          </a:p>
+          <a:p>
+            <a:pPr algn="ctr"/>
+            <a:r>
+              <a:rPr lang="en-GB" dirty="0"/>
+              <a:t>TBD</a:t>
+            </a:r>
+          </a:p>
+        </p:txBody>
+      </p:sp>
+      <p:sp>
+        <p:nvSpPr>
+          <p:cNvPr id="57" name="Cylinder 56">
+            <a:extLst>
+              <a:ext uri="{FF2B5EF4-FFF2-40B4-BE49-F238E27FC236}">
+                <a16:creationId xmlns:a16="http://schemas.microsoft.com/office/drawing/2014/main" id="{F19A2F44-E789-4477-A6C9-01A24F123F7C}"/>
+              </a:ext>
+            </a:extLst>
+          </p:cNvPr>
+          <p:cNvSpPr/>
+          <p:nvPr/>
+        </p:nvSpPr>
+        <p:spPr>
+          <a:xfrm>
+            <a:off x="7865018" y="5534108"/>
+            <a:ext cx="620678" cy="1231382"/>
+          </a:xfrm>
+          <a:prstGeom prst="can">
+            <a:avLst>
+              <a:gd name="adj" fmla="val 39262"/>
+            </a:avLst>
+          </a:prstGeom>
+        </p:spPr>
+        <p:style>
+          <a:lnRef idx="2">
+            <a:schemeClr val="accent1">
+              <a:shade val="50000"/>
+            </a:schemeClr>
+          </a:lnRef>
+          <a:fillRef idx="1">
+            <a:schemeClr val="accent1"/>
+          </a:fillRef>
+          <a:effectRef idx="0">
+            <a:schemeClr val="accent1"/>
+          </a:effectRef>
+          <a:fontRef idx="minor">
+            <a:schemeClr val="lt1"/>
+          </a:fontRef>
+        </p:style>
+        <p:txBody>
+          <a:bodyPr rtlCol="0" anchor="ctr"/>
+          <a:lstStyle/>
+          <a:p>
+            <a:pPr algn="ctr"/>
+            <a:r>
+              <a:rPr lang="en-GB" dirty="0"/>
+              <a:t>DB</a:t>
+            </a:r>
+          </a:p>
+          <a:p>
+            <a:pPr algn="ctr"/>
+            <a:r>
+              <a:rPr lang="en-GB" dirty="0"/>
+              <a:t>TBD</a:t>
+            </a:r>
+          </a:p>
+        </p:txBody>
+      </p:sp>
+      <p:sp>
+        <p:nvSpPr>
+          <p:cNvPr id="58" name="Cylinder 57">
+            <a:extLst>
+              <a:ext uri="{FF2B5EF4-FFF2-40B4-BE49-F238E27FC236}">
+                <a16:creationId xmlns:a16="http://schemas.microsoft.com/office/drawing/2014/main" id="{42CBF98F-4ED1-441D-BD70-622A635606C8}"/>
+              </a:ext>
+            </a:extLst>
+          </p:cNvPr>
+          <p:cNvSpPr/>
+          <p:nvPr/>
+        </p:nvSpPr>
+        <p:spPr>
+          <a:xfrm>
+            <a:off x="6467199" y="5534108"/>
+            <a:ext cx="620678" cy="1231382"/>
+          </a:xfrm>
+          <a:prstGeom prst="can">
+            <a:avLst>
+              <a:gd name="adj" fmla="val 39262"/>
+            </a:avLst>
+          </a:prstGeom>
+        </p:spPr>
+        <p:style>
+          <a:lnRef idx="2">
+            <a:schemeClr val="accent1">
+              <a:shade val="50000"/>
+            </a:schemeClr>
+          </a:lnRef>
+          <a:fillRef idx="1">
+            <a:schemeClr val="accent1"/>
+          </a:fillRef>
+          <a:effectRef idx="0">
+            <a:schemeClr val="accent1"/>
+          </a:effectRef>
+          <a:fontRef idx="minor">
+            <a:schemeClr val="lt1"/>
+          </a:fontRef>
+        </p:style>
+        <p:txBody>
+          <a:bodyPr rtlCol="0" anchor="ctr"/>
+          <a:lstStyle/>
+          <a:p>
+            <a:pPr algn="ctr"/>
+            <a:r>
+              <a:rPr lang="en-GB" dirty="0"/>
+              <a:t>DB</a:t>
+            </a:r>
+          </a:p>
+          <a:p>
+            <a:pPr algn="ctr"/>
+            <a:r>
+              <a:rPr lang="en-GB" dirty="0"/>
+              <a:t>TBD</a:t>
+            </a:r>
+          </a:p>
+        </p:txBody>
+      </p:sp>
+      <p:sp>
+        <p:nvSpPr>
+          <p:cNvPr id="64" name="Cylinder 63">
+            <a:extLst>
+              <a:ext uri="{FF2B5EF4-FFF2-40B4-BE49-F238E27FC236}">
+                <a16:creationId xmlns:a16="http://schemas.microsoft.com/office/drawing/2014/main" id="{BD45E028-9E0A-4EB6-A938-3C51F4EAB43B}"/>
+              </a:ext>
+            </a:extLst>
+          </p:cNvPr>
+          <p:cNvSpPr/>
+          <p:nvPr/>
+        </p:nvSpPr>
+        <p:spPr>
+          <a:xfrm>
+            <a:off x="8928252" y="5534108"/>
+            <a:ext cx="620678" cy="1231382"/>
+          </a:xfrm>
+          <a:prstGeom prst="can">
+            <a:avLst>
+              <a:gd name="adj" fmla="val 39262"/>
+            </a:avLst>
+          </a:prstGeom>
+        </p:spPr>
+        <p:style>
+          <a:lnRef idx="2">
+            <a:schemeClr val="accent1">
+              <a:shade val="50000"/>
+            </a:schemeClr>
+          </a:lnRef>
+          <a:fillRef idx="1">
+            <a:schemeClr val="accent1"/>
+          </a:fillRef>
+          <a:effectRef idx="0">
+            <a:schemeClr val="accent1"/>
+          </a:effectRef>
+          <a:fontRef idx="minor">
+            <a:schemeClr val="lt1"/>
+          </a:fontRef>
+        </p:style>
+        <p:txBody>
+          <a:bodyPr rtlCol="0" anchor="ctr"/>
+          <a:lstStyle/>
+          <a:p>
+            <a:pPr algn="ctr"/>
+            <a:r>
+              <a:rPr lang="en-GB" dirty="0"/>
+              <a:t>DB</a:t>
+            </a:r>
+          </a:p>
+          <a:p>
+            <a:pPr algn="ctr"/>
+            <a:r>
+              <a:rPr lang="en-GB" dirty="0"/>
+              <a:t>TBD</a:t>
+            </a:r>
+          </a:p>
+        </p:txBody>
+      </p:sp>
+    </p:spTree>
+    <p:extLst>
+      <p:ext uri="{BB962C8B-B14F-4D97-AF65-F5344CB8AC3E}">
+        <p14:creationId xmlns:p14="http://schemas.microsoft.com/office/powerpoint/2010/main" val="2542265943"/>
+      </p:ext>
+    </p:extLst>
+  </p:cSld>
+  <p:clrMapOvr>
+    <a:masterClrMapping/>
+  </p:clrMapOvr>
+  <mc:AlternateContent xmlns:mc="http://schemas.openxmlformats.org/markup-compatibility/2006">
+    <mc:Choice xmlns:p14="http://schemas.microsoft.com/office/powerpoint/2010/main" Requires="p14">
+      <p:transition spd="med" p14:dur="700">
+        <p:fade/>
+      </p:transition>
+    </mc:Choice>
+    <mc:Fallback>
+      <p:transition spd="med">
+        <p:fade/>
+      </p:transition>
+    </mc:Fallback>
+  </mc:AlternateContent>
 </p:sld>
 </file>
 

--- a/doc/architecture/presentation/Developer-Presentation.pptx
+++ b/doc/architecture/presentation/Developer-Presentation.pptx
@@ -10,6 +10,7 @@
     <p:sldId id="259" r:id="rId4"/>
     <p:sldId id="261" r:id="rId5"/>
     <p:sldId id="260" r:id="rId6"/>
+    <p:sldId id="262" r:id="rId7"/>
   </p:sldIdLst>
   <p:sldSz cx="12192000" cy="6858000"/>
   <p:notesSz cx="6858000" cy="9144000"/>
@@ -3451,7 +3452,7 @@
         <p:spPr>
           <a:xfrm>
             <a:off x="4452730" y="2174682"/>
-            <a:ext cx="2891625" cy="1938992"/>
+            <a:ext cx="3737113" cy="1569660"/>
           </a:xfrm>
           <a:prstGeom prst="rect">
             <a:avLst/>
@@ -10403,13 +10404,13 @@
   <p:clrMapOvr>
     <a:masterClrMapping/>
   </p:clrMapOvr>
-  <mc:AlternateContent xmlns:mc="http://schemas.openxmlformats.org/markup-compatibility/2006">
-    <mc:Choice xmlns:p14="http://schemas.microsoft.com/office/powerpoint/2010/main" Requires="p14">
+  <mc:AlternateContent xmlns:mc="http://schemas.openxmlformats.org/markup-compatibility/2006" xmlns:p14="http://schemas.microsoft.com/office/powerpoint/2010/main">
+    <mc:Choice Requires="p14">
       <p:transition spd="med" p14:dur="700">
         <p:fade/>
       </p:transition>
     </mc:Choice>
-    <mc:Fallback>
+    <mc:Fallback xmlns="">
       <p:transition spd="med">
         <p:fade/>
       </p:transition>
@@ -12228,18 +12229,48 @@
   <p:clrMapOvr>
     <a:masterClrMapping/>
   </p:clrMapOvr>
-  <mc:AlternateContent xmlns:mc="http://schemas.openxmlformats.org/markup-compatibility/2006">
-    <mc:Choice xmlns:p14="http://schemas.microsoft.com/office/powerpoint/2010/main" Requires="p14">
+  <mc:AlternateContent xmlns:mc="http://schemas.openxmlformats.org/markup-compatibility/2006" xmlns:p14="http://schemas.microsoft.com/office/powerpoint/2010/main">
+    <mc:Choice Requires="p14">
       <p:transition spd="med" p14:dur="700">
         <p:fade/>
       </p:transition>
     </mc:Choice>
-    <mc:Fallback>
+    <mc:Fallback xmlns="">
       <p:transition spd="med">
         <p:fade/>
       </p:transition>
     </mc:Fallback>
   </mc:AlternateContent>
+</p:sld>
+</file>
+
+<file path=ppt/slides/slide6.xml><?xml version="1.0" encoding="utf-8"?>
+<p:sld xmlns:a="http://schemas.openxmlformats.org/drawingml/2006/main" xmlns:r="http://schemas.openxmlformats.org/officeDocument/2006/relationships" xmlns:p="http://schemas.openxmlformats.org/presentationml/2006/main">
+  <p:cSld>
+    <p:spTree>
+      <p:nvGrpSpPr>
+        <p:cNvPr id="1" name=""/>
+        <p:cNvGrpSpPr/>
+        <p:nvPr/>
+      </p:nvGrpSpPr>
+      <p:grpSpPr>
+        <a:xfrm>
+          <a:off x="0" y="0"/>
+          <a:ext cx="0" cy="0"/>
+          <a:chOff x="0" y="0"/>
+          <a:chExt cx="0" cy="0"/>
+        </a:xfrm>
+      </p:grpSpPr>
+    </p:spTree>
+    <p:extLst>
+      <p:ext uri="{BB962C8B-B14F-4D97-AF65-F5344CB8AC3E}">
+        <p14:creationId xmlns:p14="http://schemas.microsoft.com/office/powerpoint/2010/main" val="3858474357"/>
+      </p:ext>
+    </p:extLst>
+  </p:cSld>
+  <p:clrMapOvr>
+    <a:masterClrMapping/>
+  </p:clrMapOvr>
 </p:sld>
 </file>
 
